--- a/Day 1/slide/3_Laravel.pptx
+++ b/Day 1/slide/3_Laravel.pptx
@@ -6,53 +6,57 @@
     <p:sldMasterId id="2147483673" r:id="rId2"/>
   </p:sldMasterIdLst>
   <p:notesMasterIdLst>
-    <p:notesMasterId r:id="rId47"/>
+    <p:notesMasterId r:id="rId51"/>
   </p:notesMasterIdLst>
   <p:sldIdLst>
     <p:sldId id="259" r:id="rId3"/>
     <p:sldId id="258" r:id="rId4"/>
     <p:sldId id="304" r:id="rId5"/>
     <p:sldId id="340" r:id="rId6"/>
-    <p:sldId id="341" r:id="rId7"/>
-    <p:sldId id="302" r:id="rId8"/>
-    <p:sldId id="310" r:id="rId9"/>
-    <p:sldId id="342" r:id="rId10"/>
-    <p:sldId id="343" r:id="rId11"/>
-    <p:sldId id="260" r:id="rId12"/>
-    <p:sldId id="344" r:id="rId13"/>
-    <p:sldId id="347" r:id="rId14"/>
-    <p:sldId id="274" r:id="rId15"/>
-    <p:sldId id="359" r:id="rId16"/>
-    <p:sldId id="345" r:id="rId17"/>
-    <p:sldId id="348" r:id="rId18"/>
-    <p:sldId id="357" r:id="rId19"/>
-    <p:sldId id="358" r:id="rId20"/>
-    <p:sldId id="263" r:id="rId21"/>
-    <p:sldId id="264" r:id="rId22"/>
-    <p:sldId id="265" r:id="rId23"/>
-    <p:sldId id="266" r:id="rId24"/>
-    <p:sldId id="349" r:id="rId25"/>
-    <p:sldId id="267" r:id="rId26"/>
-    <p:sldId id="268" r:id="rId27"/>
-    <p:sldId id="269" r:id="rId28"/>
-    <p:sldId id="346" r:id="rId29"/>
-    <p:sldId id="272" r:id="rId30"/>
-    <p:sldId id="273" r:id="rId31"/>
-    <p:sldId id="275" r:id="rId32"/>
-    <p:sldId id="276" r:id="rId33"/>
-    <p:sldId id="280" r:id="rId34"/>
-    <p:sldId id="279" r:id="rId35"/>
-    <p:sldId id="350" r:id="rId36"/>
-    <p:sldId id="351" r:id="rId37"/>
-    <p:sldId id="352" r:id="rId38"/>
-    <p:sldId id="353" r:id="rId39"/>
-    <p:sldId id="354" r:id="rId40"/>
-    <p:sldId id="355" r:id="rId41"/>
-    <p:sldId id="360" r:id="rId42"/>
-    <p:sldId id="361" r:id="rId43"/>
-    <p:sldId id="356" r:id="rId44"/>
-    <p:sldId id="281" r:id="rId45"/>
-    <p:sldId id="284" r:id="rId46"/>
+    <p:sldId id="364" r:id="rId7"/>
+    <p:sldId id="363" r:id="rId8"/>
+    <p:sldId id="341" r:id="rId9"/>
+    <p:sldId id="362" r:id="rId10"/>
+    <p:sldId id="302" r:id="rId11"/>
+    <p:sldId id="310" r:id="rId12"/>
+    <p:sldId id="342" r:id="rId13"/>
+    <p:sldId id="343" r:id="rId14"/>
+    <p:sldId id="260" r:id="rId15"/>
+    <p:sldId id="344" r:id="rId16"/>
+    <p:sldId id="347" r:id="rId17"/>
+    <p:sldId id="274" r:id="rId18"/>
+    <p:sldId id="359" r:id="rId19"/>
+    <p:sldId id="345" r:id="rId20"/>
+    <p:sldId id="348" r:id="rId21"/>
+    <p:sldId id="357" r:id="rId22"/>
+    <p:sldId id="358" r:id="rId23"/>
+    <p:sldId id="263" r:id="rId24"/>
+    <p:sldId id="264" r:id="rId25"/>
+    <p:sldId id="265" r:id="rId26"/>
+    <p:sldId id="266" r:id="rId27"/>
+    <p:sldId id="349" r:id="rId28"/>
+    <p:sldId id="267" r:id="rId29"/>
+    <p:sldId id="268" r:id="rId30"/>
+    <p:sldId id="269" r:id="rId31"/>
+    <p:sldId id="346" r:id="rId32"/>
+    <p:sldId id="272" r:id="rId33"/>
+    <p:sldId id="273" r:id="rId34"/>
+    <p:sldId id="275" r:id="rId35"/>
+    <p:sldId id="276" r:id="rId36"/>
+    <p:sldId id="280" r:id="rId37"/>
+    <p:sldId id="279" r:id="rId38"/>
+    <p:sldId id="350" r:id="rId39"/>
+    <p:sldId id="351" r:id="rId40"/>
+    <p:sldId id="352" r:id="rId41"/>
+    <p:sldId id="365" r:id="rId42"/>
+    <p:sldId id="353" r:id="rId43"/>
+    <p:sldId id="354" r:id="rId44"/>
+    <p:sldId id="355" r:id="rId45"/>
+    <p:sldId id="360" r:id="rId46"/>
+    <p:sldId id="361" r:id="rId47"/>
+    <p:sldId id="356" r:id="rId48"/>
+    <p:sldId id="281" r:id="rId49"/>
+    <p:sldId id="284" r:id="rId50"/>
   </p:sldIdLst>
   <p:sldSz cx="9144000" cy="5143500" type="screen16x9"/>
   <p:notesSz cx="6858000" cy="9144000"/>
@@ -63,8 +67,8 @@
     </p:embeddedFont>
     <p:embeddedFont>
       <p:font typeface="Nunito Light" panose="020F0302020204030204" pitchFamily="34" charset="0"/>
-      <p:regular r:id="rId48"/>
-      <p:italic r:id="rId49"/>
+      <p:regular r:id="rId52"/>
+      <p:italic r:id="rId53"/>
     </p:embeddedFont>
     <p:embeddedFont>
       <p:font typeface="Overpass Mono" panose="020B0009030203020204" pitchFamily="49" charset="77"/>
@@ -73,36 +77,36 @@
     </p:embeddedFont>
     <p:embeddedFont>
       <p:font typeface="Proxima Nova" panose="02000506030000020004" pitchFamily="2" charset="0"/>
-      <p:regular r:id="rId50"/>
-      <p:bold r:id="rId51"/>
-      <p:italic r:id="rId52"/>
-      <p:boldItalic r:id="rId53"/>
-    </p:embeddedFont>
-    <p:embeddedFont>
-      <p:font typeface="Proxima Nova Semibold" panose="02000506030000020004" pitchFamily="2" charset="0"/>
       <p:regular r:id="rId54"/>
       <p:bold r:id="rId55"/>
       <p:italic r:id="rId56"/>
       <p:boldItalic r:id="rId57"/>
     </p:embeddedFont>
     <p:embeddedFont>
-      <p:font typeface="Raleway SemiBold" panose="020F0502020204030204" pitchFamily="34" charset="0"/>
+      <p:font typeface="Proxima Nova Semibold" panose="02000506030000020004" pitchFamily="2" charset="0"/>
       <p:regular r:id="rId58"/>
       <p:bold r:id="rId59"/>
       <p:italic r:id="rId60"/>
       <p:boldItalic r:id="rId61"/>
     </p:embeddedFont>
     <p:embeddedFont>
-      <p:font typeface="Roboto" panose="02000000000000000000" pitchFamily="2" charset="0"/>
+      <p:font typeface="Raleway SemiBold" panose="020F0502020204030204" pitchFamily="34" charset="0"/>
       <p:regular r:id="rId62"/>
       <p:bold r:id="rId63"/>
       <p:italic r:id="rId64"/>
       <p:boldItalic r:id="rId65"/>
     </p:embeddedFont>
     <p:embeddedFont>
+      <p:font typeface="Roboto" panose="02000000000000000000" pitchFamily="2" charset="0"/>
+      <p:regular r:id="rId66"/>
+      <p:bold r:id="rId67"/>
+      <p:italic r:id="rId68"/>
+      <p:boldItalic r:id="rId69"/>
+    </p:embeddedFont>
+    <p:embeddedFont>
       <p:font typeface="Roboto Condensed Light" panose="020F0302020204030204" pitchFamily="34" charset="0"/>
-      <p:regular r:id="rId66"/>
-      <p:italic r:id="rId67"/>
+      <p:regular r:id="rId70"/>
+      <p:italic r:id="rId71"/>
     </p:embeddedFont>
   </p:embeddedFontLst>
   <p:defaultTextStyle>
@@ -991,7 +995,7 @@
     </p:spTree>
     <p:extLst>
       <p:ext uri="{BB962C8B-B14F-4D97-AF65-F5344CB8AC3E}">
-        <p14:creationId xmlns:p14="http://schemas.microsoft.com/office/powerpoint/2010/main" val="265011873"/>
+        <p14:creationId xmlns:p14="http://schemas.microsoft.com/office/powerpoint/2010/main" val="4095297295"/>
       </p:ext>
     </p:extLst>
   </p:cSld>
@@ -1002,11 +1006,11 @@
 </file>
 
 <file path=ppt/notesSlides/notesSlide11.xml><?xml version="1.0" encoding="utf-8"?>
-<p:notes xmlns:a="http://schemas.openxmlformats.org/drawingml/2006/main" xmlns:r="http://schemas.openxmlformats.org/officeDocument/2006/relationships" xmlns:p="http://schemas.openxmlformats.org/presentationml/2006/main">
+<p:notes xmlns:a="http://schemas.openxmlformats.org/drawingml/2006/main" xmlns:r="http://schemas.openxmlformats.org/officeDocument/2006/relationships" xmlns:p="http://schemas.openxmlformats.org/presentationml/2006/main" showMasterSp="0" showMasterPhAnim="0">
   <p:cSld>
     <p:spTree>
       <p:nvGrpSpPr>
-        <p:cNvPr id="1" name=""/>
+        <p:cNvPr id="1" name="Shape 370"/>
         <p:cNvGrpSpPr/>
         <p:nvPr/>
       </p:nvGrpSpPr>
@@ -1020,12 +1024,12 @@
       </p:grpSpPr>
       <p:sp>
         <p:nvSpPr>
-          <p:cNvPr id="2" name="Slide Image Placeholder 1"/>
+          <p:cNvPr id="371" name="Google Shape;371;g8b872573b1_0_185:notes"/>
           <p:cNvSpPr>
             <a:spLocks noGrp="1" noRot="1" noChangeAspect="1"/>
           </p:cNvSpPr>
           <p:nvPr>
-            <p:ph type="sldImg"/>
+            <p:ph type="sldImg" idx="2"/>
           </p:nvPr>
         </p:nvSpPr>
         <p:spPr>
@@ -1033,54 +1037,74 @@
             <a:off x="381000" y="685800"/>
             <a:ext cx="6096000" cy="3429000"/>
           </a:xfrm>
+          <a:custGeom>
+            <a:avLst/>
+            <a:gdLst/>
+            <a:ahLst/>
+            <a:cxnLst/>
+            <a:rect l="l" t="t" r="r" b="b"/>
+            <a:pathLst>
+              <a:path w="120000" h="120000" extrusionOk="0">
+                <a:moveTo>
+                  <a:pt x="0" y="0"/>
+                </a:moveTo>
+                <a:lnTo>
+                  <a:pt x="120000" y="0"/>
+                </a:lnTo>
+                <a:lnTo>
+                  <a:pt x="120000" y="120000"/>
+                </a:lnTo>
+                <a:lnTo>
+                  <a:pt x="0" y="120000"/>
+                </a:lnTo>
+                <a:close/>
+              </a:path>
+            </a:pathLst>
+          </a:custGeom>
         </p:spPr>
       </p:sp>
       <p:sp>
         <p:nvSpPr>
-          <p:cNvPr id="3" name="Notes Placeholder 2"/>
-          <p:cNvSpPr>
+          <p:cNvPr id="372" name="Google Shape;372;g8b872573b1_0_185:notes"/>
+          <p:cNvSpPr txBox="1">
             <a:spLocks noGrp="1"/>
           </p:cNvSpPr>
           <p:nvPr>
             <p:ph type="body" idx="1"/>
           </p:nvPr>
         </p:nvSpPr>
-        <p:spPr/>
+        <p:spPr>
+          <a:xfrm>
+            <a:off x="685800" y="4343400"/>
+            <a:ext cx="5486400" cy="4114800"/>
+          </a:xfrm>
+          <a:prstGeom prst="rect">
+            <a:avLst/>
+          </a:prstGeom>
+        </p:spPr>
         <p:txBody>
-          <a:bodyPr/>
+          <a:bodyPr spcFirstLastPara="1" wrap="square" lIns="91425" tIns="91425" rIns="91425" bIns="91425" anchor="t" anchorCtr="0">
+            <a:noAutofit/>
+          </a:bodyPr>
           <a:lstStyle/>
           <a:p>
-            <a:endParaRPr lang="en-US" dirty="0"/>
-          </a:p>
-        </p:txBody>
-      </p:sp>
-      <p:sp>
-        <p:nvSpPr>
-          <p:cNvPr id="4" name="Slide Number Placeholder 3"/>
-          <p:cNvSpPr>
-            <a:spLocks noGrp="1"/>
-          </p:cNvSpPr>
-          <p:nvPr>
-            <p:ph type="sldNum" sz="quarter" idx="10"/>
-          </p:nvPr>
-        </p:nvSpPr>
-        <p:spPr/>
-        <p:txBody>
-          <a:bodyPr/>
-          <a:lstStyle/>
-          <a:p>
-            <a:fld id="{7064DDED-A035-4607-9F47-196AD2B17684}" type="slidenum">
-              <a:rPr lang="en-US" smtClean="0"/>
-              <a:t>19</a:t>
-            </a:fld>
-            <a:endParaRPr lang="en-US"/>
+            <a:pPr marL="0" lvl="0" indent="0" algn="l" rtl="0">
+              <a:spcBef>
+                <a:spcPts val="0"/>
+              </a:spcBef>
+              <a:spcAft>
+                <a:spcPts val="0"/>
+              </a:spcAft>
+              <a:buNone/>
+            </a:pPr>
+            <a:endParaRPr/>
           </a:p>
         </p:txBody>
       </p:sp>
     </p:spTree>
     <p:extLst>
       <p:ext uri="{BB962C8B-B14F-4D97-AF65-F5344CB8AC3E}">
-        <p14:creationId xmlns:p14="http://schemas.microsoft.com/office/powerpoint/2010/main" val="4251157598"/>
+        <p14:creationId xmlns:p14="http://schemas.microsoft.com/office/powerpoint/2010/main" val="265011873"/>
       </p:ext>
     </p:extLst>
   </p:cSld>
@@ -1160,7 +1184,7 @@
           <a:p>
             <a:fld id="{7064DDED-A035-4607-9F47-196AD2B17684}" type="slidenum">
               <a:rPr lang="en-US" smtClean="0"/>
-              <a:t>20</a:t>
+              <a:t>22</a:t>
             </a:fld>
             <a:endParaRPr lang="en-US"/>
           </a:p>
@@ -1169,7 +1193,7 @@
     </p:spTree>
     <p:extLst>
       <p:ext uri="{BB962C8B-B14F-4D97-AF65-F5344CB8AC3E}">
-        <p14:creationId xmlns:p14="http://schemas.microsoft.com/office/powerpoint/2010/main" val="33221297"/>
+        <p14:creationId xmlns:p14="http://schemas.microsoft.com/office/powerpoint/2010/main" val="4251157598"/>
       </p:ext>
     </p:extLst>
   </p:cSld>
@@ -1249,7 +1273,7 @@
           <a:p>
             <a:fld id="{7064DDED-A035-4607-9F47-196AD2B17684}" type="slidenum">
               <a:rPr lang="en-US" smtClean="0"/>
-              <a:t>21</a:t>
+              <a:t>23</a:t>
             </a:fld>
             <a:endParaRPr lang="en-US"/>
           </a:p>
@@ -1258,7 +1282,7 @@
     </p:spTree>
     <p:extLst>
       <p:ext uri="{BB962C8B-B14F-4D97-AF65-F5344CB8AC3E}">
-        <p14:creationId xmlns:p14="http://schemas.microsoft.com/office/powerpoint/2010/main" val="2100077196"/>
+        <p14:creationId xmlns:p14="http://schemas.microsoft.com/office/powerpoint/2010/main" val="33221297"/>
       </p:ext>
     </p:extLst>
   </p:cSld>
@@ -1338,7 +1362,7 @@
           <a:p>
             <a:fld id="{7064DDED-A035-4607-9F47-196AD2B17684}" type="slidenum">
               <a:rPr lang="en-US" smtClean="0"/>
-              <a:t>22</a:t>
+              <a:t>24</a:t>
             </a:fld>
             <a:endParaRPr lang="en-US"/>
           </a:p>
@@ -1347,7 +1371,7 @@
     </p:spTree>
     <p:extLst>
       <p:ext uri="{BB962C8B-B14F-4D97-AF65-F5344CB8AC3E}">
-        <p14:creationId xmlns:p14="http://schemas.microsoft.com/office/powerpoint/2010/main" val="333495052"/>
+        <p14:creationId xmlns:p14="http://schemas.microsoft.com/office/powerpoint/2010/main" val="2100077196"/>
       </p:ext>
     </p:extLst>
   </p:cSld>
@@ -1427,7 +1451,7 @@
           <a:p>
             <a:fld id="{7064DDED-A035-4607-9F47-196AD2B17684}" type="slidenum">
               <a:rPr lang="en-US" smtClean="0"/>
-              <a:t>23</a:t>
+              <a:t>25</a:t>
             </a:fld>
             <a:endParaRPr lang="en-US"/>
           </a:p>
@@ -1436,7 +1460,7 @@
     </p:spTree>
     <p:extLst>
       <p:ext uri="{BB962C8B-B14F-4D97-AF65-F5344CB8AC3E}">
-        <p14:creationId xmlns:p14="http://schemas.microsoft.com/office/powerpoint/2010/main" val="2282652894"/>
+        <p14:creationId xmlns:p14="http://schemas.microsoft.com/office/powerpoint/2010/main" val="333495052"/>
       </p:ext>
     </p:extLst>
   </p:cSld>
@@ -1516,7 +1540,7 @@
           <a:p>
             <a:fld id="{7064DDED-A035-4607-9F47-196AD2B17684}" type="slidenum">
               <a:rPr lang="en-US" smtClean="0"/>
-              <a:t>24</a:t>
+              <a:t>26</a:t>
             </a:fld>
             <a:endParaRPr lang="en-US"/>
           </a:p>
@@ -1525,7 +1549,7 @@
     </p:spTree>
     <p:extLst>
       <p:ext uri="{BB962C8B-B14F-4D97-AF65-F5344CB8AC3E}">
-        <p14:creationId xmlns:p14="http://schemas.microsoft.com/office/powerpoint/2010/main" val="210218923"/>
+        <p14:creationId xmlns:p14="http://schemas.microsoft.com/office/powerpoint/2010/main" val="2282652894"/>
       </p:ext>
     </p:extLst>
   </p:cSld>
@@ -1605,7 +1629,7 @@
           <a:p>
             <a:fld id="{7064DDED-A035-4607-9F47-196AD2B17684}" type="slidenum">
               <a:rPr lang="en-US" smtClean="0"/>
-              <a:t>25</a:t>
+              <a:t>27</a:t>
             </a:fld>
             <a:endParaRPr lang="en-US"/>
           </a:p>
@@ -1614,7 +1638,7 @@
     </p:spTree>
     <p:extLst>
       <p:ext uri="{BB962C8B-B14F-4D97-AF65-F5344CB8AC3E}">
-        <p14:creationId xmlns:p14="http://schemas.microsoft.com/office/powerpoint/2010/main" val="3139302442"/>
+        <p14:creationId xmlns:p14="http://schemas.microsoft.com/office/powerpoint/2010/main" val="210218923"/>
       </p:ext>
     </p:extLst>
   </p:cSld>
@@ -1694,7 +1718,7 @@
           <a:p>
             <a:fld id="{7064DDED-A035-4607-9F47-196AD2B17684}" type="slidenum">
               <a:rPr lang="en-US" smtClean="0"/>
-              <a:t>26</a:t>
+              <a:t>28</a:t>
             </a:fld>
             <a:endParaRPr lang="en-US"/>
           </a:p>
@@ -1703,7 +1727,7 @@
     </p:spTree>
     <p:extLst>
       <p:ext uri="{BB962C8B-B14F-4D97-AF65-F5344CB8AC3E}">
-        <p14:creationId xmlns:p14="http://schemas.microsoft.com/office/powerpoint/2010/main" val="2380972763"/>
+        <p14:creationId xmlns:p14="http://schemas.microsoft.com/office/powerpoint/2010/main" val="3139302442"/>
       </p:ext>
     </p:extLst>
   </p:cSld>
@@ -1783,7 +1807,7 @@
           <a:p>
             <a:fld id="{7064DDED-A035-4607-9F47-196AD2B17684}" type="slidenum">
               <a:rPr lang="en-US" smtClean="0"/>
-              <a:t>27</a:t>
+              <a:t>29</a:t>
             </a:fld>
             <a:endParaRPr lang="en-US"/>
           </a:p>
@@ -1792,7 +1816,7 @@
     </p:spTree>
     <p:extLst>
       <p:ext uri="{BB962C8B-B14F-4D97-AF65-F5344CB8AC3E}">
-        <p14:creationId xmlns:p14="http://schemas.microsoft.com/office/powerpoint/2010/main" val="211256379"/>
+        <p14:creationId xmlns:p14="http://schemas.microsoft.com/office/powerpoint/2010/main" val="2380972763"/>
       </p:ext>
     </p:extLst>
   </p:cSld>
@@ -1976,7 +2000,7 @@
           <a:p>
             <a:fld id="{7064DDED-A035-4607-9F47-196AD2B17684}" type="slidenum">
               <a:rPr lang="en-US" smtClean="0"/>
-              <a:t>28</a:t>
+              <a:t>30</a:t>
             </a:fld>
             <a:endParaRPr lang="en-US"/>
           </a:p>
@@ -1985,7 +2009,7 @@
     </p:spTree>
     <p:extLst>
       <p:ext uri="{BB962C8B-B14F-4D97-AF65-F5344CB8AC3E}">
-        <p14:creationId xmlns:p14="http://schemas.microsoft.com/office/powerpoint/2010/main" val="606034716"/>
+        <p14:creationId xmlns:p14="http://schemas.microsoft.com/office/powerpoint/2010/main" val="211256379"/>
       </p:ext>
     </p:extLst>
   </p:cSld>
@@ -2065,7 +2089,7 @@
           <a:p>
             <a:fld id="{7064DDED-A035-4607-9F47-196AD2B17684}" type="slidenum">
               <a:rPr lang="en-US" smtClean="0"/>
-              <a:t>29</a:t>
+              <a:t>31</a:t>
             </a:fld>
             <a:endParaRPr lang="en-US"/>
           </a:p>
@@ -2074,7 +2098,7 @@
     </p:spTree>
     <p:extLst>
       <p:ext uri="{BB962C8B-B14F-4D97-AF65-F5344CB8AC3E}">
-        <p14:creationId xmlns:p14="http://schemas.microsoft.com/office/powerpoint/2010/main" val="2575362786"/>
+        <p14:creationId xmlns:p14="http://schemas.microsoft.com/office/powerpoint/2010/main" val="606034716"/>
       </p:ext>
     </p:extLst>
   </p:cSld>
@@ -2154,7 +2178,7 @@
           <a:p>
             <a:fld id="{7064DDED-A035-4607-9F47-196AD2B17684}" type="slidenum">
               <a:rPr lang="en-US" smtClean="0"/>
-              <a:t>30</a:t>
+              <a:t>32</a:t>
             </a:fld>
             <a:endParaRPr lang="en-US"/>
           </a:p>
@@ -2163,7 +2187,7 @@
     </p:spTree>
     <p:extLst>
       <p:ext uri="{BB962C8B-B14F-4D97-AF65-F5344CB8AC3E}">
-        <p14:creationId xmlns:p14="http://schemas.microsoft.com/office/powerpoint/2010/main" val="793005839"/>
+        <p14:creationId xmlns:p14="http://schemas.microsoft.com/office/powerpoint/2010/main" val="2575362786"/>
       </p:ext>
     </p:extLst>
   </p:cSld>
@@ -2243,7 +2267,7 @@
           <a:p>
             <a:fld id="{7064DDED-A035-4607-9F47-196AD2B17684}" type="slidenum">
               <a:rPr lang="en-US" smtClean="0"/>
-              <a:t>31</a:t>
+              <a:t>33</a:t>
             </a:fld>
             <a:endParaRPr lang="en-US"/>
           </a:p>
@@ -2252,7 +2276,7 @@
     </p:spTree>
     <p:extLst>
       <p:ext uri="{BB962C8B-B14F-4D97-AF65-F5344CB8AC3E}">
-        <p14:creationId xmlns:p14="http://schemas.microsoft.com/office/powerpoint/2010/main" val="2924495938"/>
+        <p14:creationId xmlns:p14="http://schemas.microsoft.com/office/powerpoint/2010/main" val="793005839"/>
       </p:ext>
     </p:extLst>
   </p:cSld>
@@ -2332,7 +2356,7 @@
           <a:p>
             <a:fld id="{7064DDED-A035-4607-9F47-196AD2B17684}" type="slidenum">
               <a:rPr lang="en-US" smtClean="0"/>
-              <a:t>32</a:t>
+              <a:t>34</a:t>
             </a:fld>
             <a:endParaRPr lang="en-US"/>
           </a:p>
@@ -2341,7 +2365,7 @@
     </p:spTree>
     <p:extLst>
       <p:ext uri="{BB962C8B-B14F-4D97-AF65-F5344CB8AC3E}">
-        <p14:creationId xmlns:p14="http://schemas.microsoft.com/office/powerpoint/2010/main" val="3068852522"/>
+        <p14:creationId xmlns:p14="http://schemas.microsoft.com/office/powerpoint/2010/main" val="2924495938"/>
       </p:ext>
     </p:extLst>
   </p:cSld>
@@ -2421,7 +2445,7 @@
           <a:p>
             <a:fld id="{7064DDED-A035-4607-9F47-196AD2B17684}" type="slidenum">
               <a:rPr lang="en-US" smtClean="0"/>
-              <a:t>33</a:t>
+              <a:t>35</a:t>
             </a:fld>
             <a:endParaRPr lang="en-US"/>
           </a:p>
@@ -2430,7 +2454,7 @@
     </p:spTree>
     <p:extLst>
       <p:ext uri="{BB962C8B-B14F-4D97-AF65-F5344CB8AC3E}">
-        <p14:creationId xmlns:p14="http://schemas.microsoft.com/office/powerpoint/2010/main" val="2900898744"/>
+        <p14:creationId xmlns:p14="http://schemas.microsoft.com/office/powerpoint/2010/main" val="3068852522"/>
       </p:ext>
     </p:extLst>
   </p:cSld>
@@ -2441,11 +2465,11 @@
 </file>
 
 <file path=ppt/notesSlides/notesSlide26.xml><?xml version="1.0" encoding="utf-8"?>
-<p:notes xmlns:a="http://schemas.openxmlformats.org/drawingml/2006/main" xmlns:r="http://schemas.openxmlformats.org/officeDocument/2006/relationships" xmlns:p="http://schemas.openxmlformats.org/presentationml/2006/main" showMasterSp="0" showMasterPhAnim="0">
+<p:notes xmlns:a="http://schemas.openxmlformats.org/drawingml/2006/main" xmlns:r="http://schemas.openxmlformats.org/officeDocument/2006/relationships" xmlns:p="http://schemas.openxmlformats.org/presentationml/2006/main">
   <p:cSld>
     <p:spTree>
       <p:nvGrpSpPr>
-        <p:cNvPr id="1" name="Shape 370"/>
+        <p:cNvPr id="1" name=""/>
         <p:cNvGrpSpPr/>
         <p:nvPr/>
       </p:nvGrpSpPr>
@@ -2459,12 +2483,12 @@
       </p:grpSpPr>
       <p:sp>
         <p:nvSpPr>
-          <p:cNvPr id="371" name="Google Shape;371;g8b872573b1_0_185:notes"/>
+          <p:cNvPr id="2" name="Slide Image Placeholder 1"/>
           <p:cNvSpPr>
             <a:spLocks noGrp="1" noRot="1" noChangeAspect="1"/>
           </p:cNvSpPr>
           <p:nvPr>
-            <p:ph type="sldImg" idx="2"/>
+            <p:ph type="sldImg"/>
           </p:nvPr>
         </p:nvSpPr>
         <p:spPr>
@@ -2472,74 +2496,54 @@
             <a:off x="381000" y="685800"/>
             <a:ext cx="6096000" cy="3429000"/>
           </a:xfrm>
-          <a:custGeom>
-            <a:avLst/>
-            <a:gdLst/>
-            <a:ahLst/>
-            <a:cxnLst/>
-            <a:rect l="l" t="t" r="r" b="b"/>
-            <a:pathLst>
-              <a:path w="120000" h="120000" extrusionOk="0">
-                <a:moveTo>
-                  <a:pt x="0" y="0"/>
-                </a:moveTo>
-                <a:lnTo>
-                  <a:pt x="120000" y="0"/>
-                </a:lnTo>
-                <a:lnTo>
-                  <a:pt x="120000" y="120000"/>
-                </a:lnTo>
-                <a:lnTo>
-                  <a:pt x="0" y="120000"/>
-                </a:lnTo>
-                <a:close/>
-              </a:path>
-            </a:pathLst>
-          </a:custGeom>
         </p:spPr>
       </p:sp>
       <p:sp>
         <p:nvSpPr>
-          <p:cNvPr id="372" name="Google Shape;372;g8b872573b1_0_185:notes"/>
-          <p:cNvSpPr txBox="1">
+          <p:cNvPr id="3" name="Notes Placeholder 2"/>
+          <p:cNvSpPr>
             <a:spLocks noGrp="1"/>
           </p:cNvSpPr>
           <p:nvPr>
             <p:ph type="body" idx="1"/>
           </p:nvPr>
         </p:nvSpPr>
-        <p:spPr>
-          <a:xfrm>
-            <a:off x="685800" y="4343400"/>
-            <a:ext cx="5486400" cy="4114800"/>
-          </a:xfrm>
-          <a:prstGeom prst="rect">
-            <a:avLst/>
-          </a:prstGeom>
-        </p:spPr>
+        <p:spPr/>
         <p:txBody>
-          <a:bodyPr spcFirstLastPara="1" wrap="square" lIns="91425" tIns="91425" rIns="91425" bIns="91425" anchor="t" anchorCtr="0">
-            <a:noAutofit/>
-          </a:bodyPr>
+          <a:bodyPr/>
           <a:lstStyle/>
           <a:p>
-            <a:pPr marL="0" lvl="0" indent="0" algn="l" rtl="0">
-              <a:spcBef>
-                <a:spcPts val="0"/>
-              </a:spcBef>
-              <a:spcAft>
-                <a:spcPts val="0"/>
-              </a:spcAft>
-              <a:buNone/>
-            </a:pPr>
-            <a:endParaRPr/>
+            <a:endParaRPr lang="en-US" dirty="0"/>
+          </a:p>
+        </p:txBody>
+      </p:sp>
+      <p:sp>
+        <p:nvSpPr>
+          <p:cNvPr id="4" name="Slide Number Placeholder 3"/>
+          <p:cNvSpPr>
+            <a:spLocks noGrp="1"/>
+          </p:cNvSpPr>
+          <p:nvPr>
+            <p:ph type="sldNum" sz="quarter" idx="10"/>
+          </p:nvPr>
+        </p:nvSpPr>
+        <p:spPr/>
+        <p:txBody>
+          <a:bodyPr/>
+          <a:lstStyle/>
+          <a:p>
+            <a:fld id="{7064DDED-A035-4607-9F47-196AD2B17684}" type="slidenum">
+              <a:rPr lang="en-US" smtClean="0"/>
+              <a:t>36</a:t>
+            </a:fld>
+            <a:endParaRPr lang="en-US"/>
           </a:p>
         </p:txBody>
       </p:sp>
     </p:spTree>
     <p:extLst>
       <p:ext uri="{BB962C8B-B14F-4D97-AF65-F5344CB8AC3E}">
-        <p14:creationId xmlns:p14="http://schemas.microsoft.com/office/powerpoint/2010/main" val="1433435425"/>
+        <p14:creationId xmlns:p14="http://schemas.microsoft.com/office/powerpoint/2010/main" val="2900898744"/>
       </p:ext>
     </p:extLst>
   </p:cSld>
@@ -2648,6 +2652,115 @@
     </p:spTree>
     <p:extLst>
       <p:ext uri="{BB962C8B-B14F-4D97-AF65-F5344CB8AC3E}">
+        <p14:creationId xmlns:p14="http://schemas.microsoft.com/office/powerpoint/2010/main" val="1433435425"/>
+      </p:ext>
+    </p:extLst>
+  </p:cSld>
+  <p:clrMapOvr>
+    <a:masterClrMapping/>
+  </p:clrMapOvr>
+</p:notes>
+</file>
+
+<file path=ppt/notesSlides/notesSlide28.xml><?xml version="1.0" encoding="utf-8"?>
+<p:notes xmlns:a="http://schemas.openxmlformats.org/drawingml/2006/main" xmlns:r="http://schemas.openxmlformats.org/officeDocument/2006/relationships" xmlns:p="http://schemas.openxmlformats.org/presentationml/2006/main" showMasterSp="0" showMasterPhAnim="0">
+  <p:cSld>
+    <p:spTree>
+      <p:nvGrpSpPr>
+        <p:cNvPr id="1" name="Shape 370"/>
+        <p:cNvGrpSpPr/>
+        <p:nvPr/>
+      </p:nvGrpSpPr>
+      <p:grpSpPr>
+        <a:xfrm>
+          <a:off x="0" y="0"/>
+          <a:ext cx="0" cy="0"/>
+          <a:chOff x="0" y="0"/>
+          <a:chExt cx="0" cy="0"/>
+        </a:xfrm>
+      </p:grpSpPr>
+      <p:sp>
+        <p:nvSpPr>
+          <p:cNvPr id="371" name="Google Shape;371;g8b872573b1_0_185:notes"/>
+          <p:cNvSpPr>
+            <a:spLocks noGrp="1" noRot="1" noChangeAspect="1"/>
+          </p:cNvSpPr>
+          <p:nvPr>
+            <p:ph type="sldImg" idx="2"/>
+          </p:nvPr>
+        </p:nvSpPr>
+        <p:spPr>
+          <a:xfrm>
+            <a:off x="381000" y="685800"/>
+            <a:ext cx="6096000" cy="3429000"/>
+          </a:xfrm>
+          <a:custGeom>
+            <a:avLst/>
+            <a:gdLst/>
+            <a:ahLst/>
+            <a:cxnLst/>
+            <a:rect l="l" t="t" r="r" b="b"/>
+            <a:pathLst>
+              <a:path w="120000" h="120000" extrusionOk="0">
+                <a:moveTo>
+                  <a:pt x="0" y="0"/>
+                </a:moveTo>
+                <a:lnTo>
+                  <a:pt x="120000" y="0"/>
+                </a:lnTo>
+                <a:lnTo>
+                  <a:pt x="120000" y="120000"/>
+                </a:lnTo>
+                <a:lnTo>
+                  <a:pt x="0" y="120000"/>
+                </a:lnTo>
+                <a:close/>
+              </a:path>
+            </a:pathLst>
+          </a:custGeom>
+        </p:spPr>
+      </p:sp>
+      <p:sp>
+        <p:nvSpPr>
+          <p:cNvPr id="372" name="Google Shape;372;g8b872573b1_0_185:notes"/>
+          <p:cNvSpPr txBox="1">
+            <a:spLocks noGrp="1"/>
+          </p:cNvSpPr>
+          <p:nvPr>
+            <p:ph type="body" idx="1"/>
+          </p:nvPr>
+        </p:nvSpPr>
+        <p:spPr>
+          <a:xfrm>
+            <a:off x="685800" y="4343400"/>
+            <a:ext cx="5486400" cy="4114800"/>
+          </a:xfrm>
+          <a:prstGeom prst="rect">
+            <a:avLst/>
+          </a:prstGeom>
+        </p:spPr>
+        <p:txBody>
+          <a:bodyPr spcFirstLastPara="1" wrap="square" lIns="91425" tIns="91425" rIns="91425" bIns="91425" anchor="t" anchorCtr="0">
+            <a:noAutofit/>
+          </a:bodyPr>
+          <a:lstStyle/>
+          <a:p>
+            <a:pPr marL="0" lvl="0" indent="0" algn="l" rtl="0">
+              <a:spcBef>
+                <a:spcPts val="0"/>
+              </a:spcBef>
+              <a:spcAft>
+                <a:spcPts val="0"/>
+              </a:spcAft>
+              <a:buNone/>
+            </a:pPr>
+            <a:endParaRPr/>
+          </a:p>
+        </p:txBody>
+      </p:sp>
+    </p:spTree>
+    <p:extLst>
+      <p:ext uri="{BB962C8B-B14F-4D97-AF65-F5344CB8AC3E}">
         <p14:creationId xmlns:p14="http://schemas.microsoft.com/office/powerpoint/2010/main" val="2859220137"/>
       </p:ext>
     </p:extLst>
@@ -2658,7 +2771,7 @@
 </p:notes>
 </file>
 
-<file path=ppt/notesSlides/notesSlide28.xml><?xml version="1.0" encoding="utf-8"?>
+<file path=ppt/notesSlides/notesSlide29.xml><?xml version="1.0" encoding="utf-8"?>
 <p:notes xmlns:a="http://schemas.openxmlformats.org/drawingml/2006/main" xmlns:r="http://schemas.openxmlformats.org/officeDocument/2006/relationships" xmlns:p="http://schemas.openxmlformats.org/presentationml/2006/main" showMasterSp="0" showMasterPhAnim="0">
   <p:cSld>
     <p:spTree>
@@ -2719,110 +2832,6 @@
       <p:sp>
         <p:nvSpPr>
           <p:cNvPr id="896" name="Google Shape;896;g8d4cbd36da_4_31681:notes"/>
-          <p:cNvSpPr txBox="1">
-            <a:spLocks noGrp="1"/>
-          </p:cNvSpPr>
-          <p:nvPr>
-            <p:ph type="body" idx="1"/>
-          </p:nvPr>
-        </p:nvSpPr>
-        <p:spPr>
-          <a:xfrm>
-            <a:off x="685800" y="4343400"/>
-            <a:ext cx="5486400" cy="4114800"/>
-          </a:xfrm>
-          <a:prstGeom prst="rect">
-            <a:avLst/>
-          </a:prstGeom>
-        </p:spPr>
-        <p:txBody>
-          <a:bodyPr spcFirstLastPara="1" wrap="square" lIns="91425" tIns="91425" rIns="91425" bIns="91425" anchor="t" anchorCtr="0">
-            <a:noAutofit/>
-          </a:bodyPr>
-          <a:lstStyle/>
-          <a:p>
-            <a:pPr marL="0" lvl="0" indent="0" algn="l" rtl="0">
-              <a:spcBef>
-                <a:spcPts val="0"/>
-              </a:spcBef>
-              <a:spcAft>
-                <a:spcPts val="0"/>
-              </a:spcAft>
-              <a:buNone/>
-            </a:pPr>
-            <a:endParaRPr/>
-          </a:p>
-        </p:txBody>
-      </p:sp>
-    </p:spTree>
-  </p:cSld>
-  <p:clrMapOvr>
-    <a:masterClrMapping/>
-  </p:clrMapOvr>
-</p:notes>
-</file>
-
-<file path=ppt/notesSlides/notesSlide29.xml><?xml version="1.0" encoding="utf-8"?>
-<p:notes xmlns:a="http://schemas.openxmlformats.org/drawingml/2006/main" xmlns:r="http://schemas.openxmlformats.org/officeDocument/2006/relationships" xmlns:p="http://schemas.openxmlformats.org/presentationml/2006/main" showMasterSp="0" showMasterPhAnim="0">
-  <p:cSld>
-    <p:spTree>
-      <p:nvGrpSpPr>
-        <p:cNvPr id="1" name="Shape 927"/>
-        <p:cNvGrpSpPr/>
-        <p:nvPr/>
-      </p:nvGrpSpPr>
-      <p:grpSpPr>
-        <a:xfrm>
-          <a:off x="0" y="0"/>
-          <a:ext cx="0" cy="0"/>
-          <a:chOff x="0" y="0"/>
-          <a:chExt cx="0" cy="0"/>
-        </a:xfrm>
-      </p:grpSpPr>
-      <p:sp>
-        <p:nvSpPr>
-          <p:cNvPr id="928" name="Google Shape;928;g8d4cbd36da_4_15388:notes"/>
-          <p:cNvSpPr>
-            <a:spLocks noGrp="1" noRot="1" noChangeAspect="1"/>
-          </p:cNvSpPr>
-          <p:nvPr>
-            <p:ph type="sldImg" idx="2"/>
-          </p:nvPr>
-        </p:nvSpPr>
-        <p:spPr>
-          <a:xfrm>
-            <a:off x="381000" y="685800"/>
-            <a:ext cx="6096000" cy="3429000"/>
-          </a:xfrm>
-          <a:custGeom>
-            <a:avLst/>
-            <a:gdLst/>
-            <a:ahLst/>
-            <a:cxnLst/>
-            <a:rect l="l" t="t" r="r" b="b"/>
-            <a:pathLst>
-              <a:path w="120000" h="120000" extrusionOk="0">
-                <a:moveTo>
-                  <a:pt x="0" y="0"/>
-                </a:moveTo>
-                <a:lnTo>
-                  <a:pt x="120000" y="0"/>
-                </a:lnTo>
-                <a:lnTo>
-                  <a:pt x="120000" y="120000"/>
-                </a:lnTo>
-                <a:lnTo>
-                  <a:pt x="0" y="120000"/>
-                </a:lnTo>
-                <a:close/>
-              </a:path>
-            </a:pathLst>
-          </a:custGeom>
-        </p:spPr>
-      </p:sp>
-      <p:sp>
-        <p:nvSpPr>
-          <p:cNvPr id="929" name="Google Shape;929;g8d4cbd36da_4_15388:notes"/>
           <p:cNvSpPr txBox="1">
             <a:spLocks noGrp="1"/>
           </p:cNvSpPr>
@@ -2975,6 +2984,110 @@
 </p:notes>
 </file>
 
+<file path=ppt/notesSlides/notesSlide30.xml><?xml version="1.0" encoding="utf-8"?>
+<p:notes xmlns:a="http://schemas.openxmlformats.org/drawingml/2006/main" xmlns:r="http://schemas.openxmlformats.org/officeDocument/2006/relationships" xmlns:p="http://schemas.openxmlformats.org/presentationml/2006/main" showMasterSp="0" showMasterPhAnim="0">
+  <p:cSld>
+    <p:spTree>
+      <p:nvGrpSpPr>
+        <p:cNvPr id="1" name="Shape 927"/>
+        <p:cNvGrpSpPr/>
+        <p:nvPr/>
+      </p:nvGrpSpPr>
+      <p:grpSpPr>
+        <a:xfrm>
+          <a:off x="0" y="0"/>
+          <a:ext cx="0" cy="0"/>
+          <a:chOff x="0" y="0"/>
+          <a:chExt cx="0" cy="0"/>
+        </a:xfrm>
+      </p:grpSpPr>
+      <p:sp>
+        <p:nvSpPr>
+          <p:cNvPr id="928" name="Google Shape;928;g8d4cbd36da_4_15388:notes"/>
+          <p:cNvSpPr>
+            <a:spLocks noGrp="1" noRot="1" noChangeAspect="1"/>
+          </p:cNvSpPr>
+          <p:nvPr>
+            <p:ph type="sldImg" idx="2"/>
+          </p:nvPr>
+        </p:nvSpPr>
+        <p:spPr>
+          <a:xfrm>
+            <a:off x="381000" y="685800"/>
+            <a:ext cx="6096000" cy="3429000"/>
+          </a:xfrm>
+          <a:custGeom>
+            <a:avLst/>
+            <a:gdLst/>
+            <a:ahLst/>
+            <a:cxnLst/>
+            <a:rect l="l" t="t" r="r" b="b"/>
+            <a:pathLst>
+              <a:path w="120000" h="120000" extrusionOk="0">
+                <a:moveTo>
+                  <a:pt x="0" y="0"/>
+                </a:moveTo>
+                <a:lnTo>
+                  <a:pt x="120000" y="0"/>
+                </a:lnTo>
+                <a:lnTo>
+                  <a:pt x="120000" y="120000"/>
+                </a:lnTo>
+                <a:lnTo>
+                  <a:pt x="0" y="120000"/>
+                </a:lnTo>
+                <a:close/>
+              </a:path>
+            </a:pathLst>
+          </a:custGeom>
+        </p:spPr>
+      </p:sp>
+      <p:sp>
+        <p:nvSpPr>
+          <p:cNvPr id="929" name="Google Shape;929;g8d4cbd36da_4_15388:notes"/>
+          <p:cNvSpPr txBox="1">
+            <a:spLocks noGrp="1"/>
+          </p:cNvSpPr>
+          <p:nvPr>
+            <p:ph type="body" idx="1"/>
+          </p:nvPr>
+        </p:nvSpPr>
+        <p:spPr>
+          <a:xfrm>
+            <a:off x="685800" y="4343400"/>
+            <a:ext cx="5486400" cy="4114800"/>
+          </a:xfrm>
+          <a:prstGeom prst="rect">
+            <a:avLst/>
+          </a:prstGeom>
+        </p:spPr>
+        <p:txBody>
+          <a:bodyPr spcFirstLastPara="1" wrap="square" lIns="91425" tIns="91425" rIns="91425" bIns="91425" anchor="t" anchorCtr="0">
+            <a:noAutofit/>
+          </a:bodyPr>
+          <a:lstStyle/>
+          <a:p>
+            <a:pPr marL="0" lvl="0" indent="0" algn="l" rtl="0">
+              <a:spcBef>
+                <a:spcPts val="0"/>
+              </a:spcBef>
+              <a:spcAft>
+                <a:spcPts val="0"/>
+              </a:spcAft>
+              <a:buNone/>
+            </a:pPr>
+            <a:endParaRPr/>
+          </a:p>
+        </p:txBody>
+      </p:sp>
+    </p:spTree>
+  </p:cSld>
+  <p:clrMapOvr>
+    <a:masterClrMapping/>
+  </p:clrMapOvr>
+</p:notes>
+</file>
+
 <file path=ppt/notesSlides/notesSlide4.xml><?xml version="1.0" encoding="utf-8"?>
 <p:notes xmlns:a="http://schemas.openxmlformats.org/drawingml/2006/main" xmlns:r="http://schemas.openxmlformats.org/officeDocument/2006/relationships" xmlns:p="http://schemas.openxmlformats.org/presentationml/2006/main" showMasterSp="0" showMasterPhAnim="0">
   <p:cSld>
@@ -3103,6 +3216,67 @@
       </p:grpSpPr>
       <p:sp>
         <p:nvSpPr>
+          <p:cNvPr id="2" name="Segnaposto immagine diapositiva 1"/>
+          <p:cNvSpPr>
+            <a:spLocks noGrp="1" noRot="1" noChangeAspect="1"/>
+          </p:cNvSpPr>
+          <p:nvPr>
+            <p:ph type="sldImg"/>
+          </p:nvPr>
+        </p:nvSpPr>
+        <p:spPr/>
+      </p:sp>
+      <p:sp>
+        <p:nvSpPr>
+          <p:cNvPr id="3" name="Segnaposto note 2"/>
+          <p:cNvSpPr>
+            <a:spLocks noGrp="1"/>
+          </p:cNvSpPr>
+          <p:nvPr>
+            <p:ph type="body" idx="1"/>
+          </p:nvPr>
+        </p:nvSpPr>
+        <p:spPr/>
+        <p:txBody>
+          <a:bodyPr/>
+          <a:lstStyle/>
+          <a:p>
+            <a:endParaRPr lang="it-IT" dirty="0"/>
+          </a:p>
+        </p:txBody>
+      </p:sp>
+    </p:spTree>
+    <p:extLst>
+      <p:ext uri="{BB962C8B-B14F-4D97-AF65-F5344CB8AC3E}">
+        <p14:creationId xmlns:p14="http://schemas.microsoft.com/office/powerpoint/2010/main" val="1510644814"/>
+      </p:ext>
+    </p:extLst>
+  </p:cSld>
+  <p:clrMapOvr>
+    <a:masterClrMapping/>
+  </p:clrMapOvr>
+</p:notes>
+</file>
+
+<file path=ppt/notesSlides/notesSlide6.xml><?xml version="1.0" encoding="utf-8"?>
+<p:notes xmlns:a="http://schemas.openxmlformats.org/drawingml/2006/main" xmlns:r="http://schemas.openxmlformats.org/officeDocument/2006/relationships" xmlns:p="http://schemas.openxmlformats.org/presentationml/2006/main">
+  <p:cSld>
+    <p:spTree>
+      <p:nvGrpSpPr>
+        <p:cNvPr id="1" name=""/>
+        <p:cNvGrpSpPr/>
+        <p:nvPr/>
+      </p:nvGrpSpPr>
+      <p:grpSpPr>
+        <a:xfrm>
+          <a:off x="0" y="0"/>
+          <a:ext cx="0" cy="0"/>
+          <a:chOff x="0" y="0"/>
+          <a:chExt cx="0" cy="0"/>
+        </a:xfrm>
+      </p:grpSpPr>
+      <p:sp>
+        <p:nvSpPr>
           <p:cNvPr id="2" name="Slide Image Placeholder 1"/>
           <p:cNvSpPr>
             <a:spLocks noGrp="1" noRot="1" noChangeAspect="1"/>
@@ -3154,7 +3328,7 @@
           <a:p>
             <a:fld id="{7064DDED-A035-4607-9F47-196AD2B17684}" type="slidenum">
               <a:rPr lang="en-US" smtClean="0"/>
-              <a:t>12</a:t>
+              <a:t>15</a:t>
             </a:fld>
             <a:endParaRPr lang="en-US"/>
           </a:p>
@@ -3173,7 +3347,7 @@
 </p:notes>
 </file>
 
-<file path=ppt/notesSlides/notesSlide6.xml><?xml version="1.0" encoding="utf-8"?>
+<file path=ppt/notesSlides/notesSlide7.xml><?xml version="1.0" encoding="utf-8"?>
 <p:notes xmlns:a="http://schemas.openxmlformats.org/drawingml/2006/main" xmlns:r="http://schemas.openxmlformats.org/officeDocument/2006/relationships" xmlns:p="http://schemas.openxmlformats.org/presentationml/2006/main" showMasterSp="0" showMasterPhAnim="0">
   <p:cSld>
     <p:spTree>
@@ -3282,95 +3456,6 @@
 </p:notes>
 </file>
 
-<file path=ppt/notesSlides/notesSlide7.xml><?xml version="1.0" encoding="utf-8"?>
-<p:notes xmlns:a="http://schemas.openxmlformats.org/drawingml/2006/main" xmlns:r="http://schemas.openxmlformats.org/officeDocument/2006/relationships" xmlns:p="http://schemas.openxmlformats.org/presentationml/2006/main">
-  <p:cSld>
-    <p:spTree>
-      <p:nvGrpSpPr>
-        <p:cNvPr id="1" name=""/>
-        <p:cNvGrpSpPr/>
-        <p:nvPr/>
-      </p:nvGrpSpPr>
-      <p:grpSpPr>
-        <a:xfrm>
-          <a:off x="0" y="0"/>
-          <a:ext cx="0" cy="0"/>
-          <a:chOff x="0" y="0"/>
-          <a:chExt cx="0" cy="0"/>
-        </a:xfrm>
-      </p:grpSpPr>
-      <p:sp>
-        <p:nvSpPr>
-          <p:cNvPr id="2" name="Slide Image Placeholder 1"/>
-          <p:cNvSpPr>
-            <a:spLocks noGrp="1" noRot="1" noChangeAspect="1"/>
-          </p:cNvSpPr>
-          <p:nvPr>
-            <p:ph type="sldImg"/>
-          </p:nvPr>
-        </p:nvSpPr>
-        <p:spPr>
-          <a:xfrm>
-            <a:off x="381000" y="685800"/>
-            <a:ext cx="6096000" cy="3429000"/>
-          </a:xfrm>
-        </p:spPr>
-      </p:sp>
-      <p:sp>
-        <p:nvSpPr>
-          <p:cNvPr id="3" name="Notes Placeholder 2"/>
-          <p:cNvSpPr>
-            <a:spLocks noGrp="1"/>
-          </p:cNvSpPr>
-          <p:nvPr>
-            <p:ph type="body" idx="1"/>
-          </p:nvPr>
-        </p:nvSpPr>
-        <p:spPr/>
-        <p:txBody>
-          <a:bodyPr/>
-          <a:lstStyle/>
-          <a:p>
-            <a:endParaRPr lang="en-US" dirty="0"/>
-          </a:p>
-        </p:txBody>
-      </p:sp>
-      <p:sp>
-        <p:nvSpPr>
-          <p:cNvPr id="4" name="Slide Number Placeholder 3"/>
-          <p:cNvSpPr>
-            <a:spLocks noGrp="1"/>
-          </p:cNvSpPr>
-          <p:nvPr>
-            <p:ph type="sldNum" sz="quarter" idx="10"/>
-          </p:nvPr>
-        </p:nvSpPr>
-        <p:spPr/>
-        <p:txBody>
-          <a:bodyPr/>
-          <a:lstStyle/>
-          <a:p>
-            <a:fld id="{7064DDED-A035-4607-9F47-196AD2B17684}" type="slidenum">
-              <a:rPr lang="en-US" smtClean="0"/>
-              <a:t>15</a:t>
-            </a:fld>
-            <a:endParaRPr lang="en-US"/>
-          </a:p>
-        </p:txBody>
-      </p:sp>
-    </p:spTree>
-    <p:extLst>
-      <p:ext uri="{BB962C8B-B14F-4D97-AF65-F5344CB8AC3E}">
-        <p14:creationId xmlns:p14="http://schemas.microsoft.com/office/powerpoint/2010/main" val="2159426407"/>
-      </p:ext>
-    </p:extLst>
-  </p:cSld>
-  <p:clrMapOvr>
-    <a:masterClrMapping/>
-  </p:clrMapOvr>
-</p:notes>
-</file>
-
 <file path=ppt/notesSlides/notesSlide8.xml><?xml version="1.0" encoding="utf-8"?>
 <p:notes xmlns:a="http://schemas.openxmlformats.org/drawingml/2006/main" xmlns:r="http://schemas.openxmlformats.org/officeDocument/2006/relationships" xmlns:p="http://schemas.openxmlformats.org/presentationml/2006/main">
   <p:cSld>
@@ -3441,7 +3526,7 @@
           <a:p>
             <a:fld id="{7064DDED-A035-4607-9F47-196AD2B17684}" type="slidenum">
               <a:rPr lang="en-US" smtClean="0"/>
-              <a:t>16</a:t>
+              <a:t>18</a:t>
             </a:fld>
             <a:endParaRPr lang="en-US"/>
           </a:p>
@@ -3450,7 +3535,7 @@
     </p:spTree>
     <p:extLst>
       <p:ext uri="{BB962C8B-B14F-4D97-AF65-F5344CB8AC3E}">
-        <p14:creationId xmlns:p14="http://schemas.microsoft.com/office/powerpoint/2010/main" val="2289531755"/>
+        <p14:creationId xmlns:p14="http://schemas.microsoft.com/office/powerpoint/2010/main" val="2159426407"/>
       </p:ext>
     </p:extLst>
   </p:cSld>
@@ -3461,11 +3546,11 @@
 </file>
 
 <file path=ppt/notesSlides/notesSlide9.xml><?xml version="1.0" encoding="utf-8"?>
-<p:notes xmlns:a="http://schemas.openxmlformats.org/drawingml/2006/main" xmlns:r="http://schemas.openxmlformats.org/officeDocument/2006/relationships" xmlns:p="http://schemas.openxmlformats.org/presentationml/2006/main" showMasterSp="0" showMasterPhAnim="0">
+<p:notes xmlns:a="http://schemas.openxmlformats.org/drawingml/2006/main" xmlns:r="http://schemas.openxmlformats.org/officeDocument/2006/relationships" xmlns:p="http://schemas.openxmlformats.org/presentationml/2006/main">
   <p:cSld>
     <p:spTree>
       <p:nvGrpSpPr>
-        <p:cNvPr id="1" name="Shape 370"/>
+        <p:cNvPr id="1" name=""/>
         <p:cNvGrpSpPr/>
         <p:nvPr/>
       </p:nvGrpSpPr>
@@ -3479,12 +3564,12 @@
       </p:grpSpPr>
       <p:sp>
         <p:nvSpPr>
-          <p:cNvPr id="371" name="Google Shape;371;g8b872573b1_0_185:notes"/>
+          <p:cNvPr id="2" name="Slide Image Placeholder 1"/>
           <p:cNvSpPr>
             <a:spLocks noGrp="1" noRot="1" noChangeAspect="1"/>
           </p:cNvSpPr>
           <p:nvPr>
-            <p:ph type="sldImg" idx="2"/>
+            <p:ph type="sldImg"/>
           </p:nvPr>
         </p:nvSpPr>
         <p:spPr>
@@ -3492,74 +3577,54 @@
             <a:off x="381000" y="685800"/>
             <a:ext cx="6096000" cy="3429000"/>
           </a:xfrm>
-          <a:custGeom>
-            <a:avLst/>
-            <a:gdLst/>
-            <a:ahLst/>
-            <a:cxnLst/>
-            <a:rect l="l" t="t" r="r" b="b"/>
-            <a:pathLst>
-              <a:path w="120000" h="120000" extrusionOk="0">
-                <a:moveTo>
-                  <a:pt x="0" y="0"/>
-                </a:moveTo>
-                <a:lnTo>
-                  <a:pt x="120000" y="0"/>
-                </a:lnTo>
-                <a:lnTo>
-                  <a:pt x="120000" y="120000"/>
-                </a:lnTo>
-                <a:lnTo>
-                  <a:pt x="0" y="120000"/>
-                </a:lnTo>
-                <a:close/>
-              </a:path>
-            </a:pathLst>
-          </a:custGeom>
         </p:spPr>
       </p:sp>
       <p:sp>
         <p:nvSpPr>
-          <p:cNvPr id="372" name="Google Shape;372;g8b872573b1_0_185:notes"/>
-          <p:cNvSpPr txBox="1">
+          <p:cNvPr id="3" name="Notes Placeholder 2"/>
+          <p:cNvSpPr>
             <a:spLocks noGrp="1"/>
           </p:cNvSpPr>
           <p:nvPr>
             <p:ph type="body" idx="1"/>
           </p:nvPr>
         </p:nvSpPr>
-        <p:spPr>
-          <a:xfrm>
-            <a:off x="685800" y="4343400"/>
-            <a:ext cx="5486400" cy="4114800"/>
-          </a:xfrm>
-          <a:prstGeom prst="rect">
-            <a:avLst/>
-          </a:prstGeom>
-        </p:spPr>
+        <p:spPr/>
         <p:txBody>
-          <a:bodyPr spcFirstLastPara="1" wrap="square" lIns="91425" tIns="91425" rIns="91425" bIns="91425" anchor="t" anchorCtr="0">
-            <a:noAutofit/>
-          </a:bodyPr>
+          <a:bodyPr/>
           <a:lstStyle/>
           <a:p>
-            <a:pPr marL="0" lvl="0" indent="0" algn="l" rtl="0">
-              <a:spcBef>
-                <a:spcPts val="0"/>
-              </a:spcBef>
-              <a:spcAft>
-                <a:spcPts val="0"/>
-              </a:spcAft>
-              <a:buNone/>
-            </a:pPr>
-            <a:endParaRPr/>
+            <a:endParaRPr lang="en-US" dirty="0"/>
+          </a:p>
+        </p:txBody>
+      </p:sp>
+      <p:sp>
+        <p:nvSpPr>
+          <p:cNvPr id="4" name="Slide Number Placeholder 3"/>
+          <p:cNvSpPr>
+            <a:spLocks noGrp="1"/>
+          </p:cNvSpPr>
+          <p:nvPr>
+            <p:ph type="sldNum" sz="quarter" idx="10"/>
+          </p:nvPr>
+        </p:nvSpPr>
+        <p:spPr/>
+        <p:txBody>
+          <a:bodyPr/>
+          <a:lstStyle/>
+          <a:p>
+            <a:fld id="{7064DDED-A035-4607-9F47-196AD2B17684}" type="slidenum">
+              <a:rPr lang="en-US" smtClean="0"/>
+              <a:t>19</a:t>
+            </a:fld>
+            <a:endParaRPr lang="en-US"/>
           </a:p>
         </p:txBody>
       </p:sp>
     </p:spTree>
     <p:extLst>
       <p:ext uri="{BB962C8B-B14F-4D97-AF65-F5344CB8AC3E}">
-        <p14:creationId xmlns:p14="http://schemas.microsoft.com/office/powerpoint/2010/main" val="4095297295"/>
+        <p14:creationId xmlns:p14="http://schemas.microsoft.com/office/powerpoint/2010/main" val="2289531755"/>
       </p:ext>
     </p:extLst>
   </p:cSld>
@@ -12038,6 +12103,706 @@
   <p:cSld>
     <p:spTree>
       <p:nvGrpSpPr>
+        <p:cNvPr id="1" name="Shape 373"/>
+        <p:cNvGrpSpPr/>
+        <p:nvPr/>
+      </p:nvGrpSpPr>
+      <p:grpSpPr>
+        <a:xfrm>
+          <a:off x="0" y="0"/>
+          <a:ext cx="0" cy="0"/>
+          <a:chOff x="0" y="0"/>
+          <a:chExt cx="0" cy="0"/>
+        </a:xfrm>
+      </p:grpSpPr>
+      <p:sp>
+        <p:nvSpPr>
+          <p:cNvPr id="374" name="Google Shape;374;p32"/>
+          <p:cNvSpPr txBox="1">
+            <a:spLocks noGrp="1"/>
+          </p:cNvSpPr>
+          <p:nvPr>
+            <p:ph type="title"/>
+          </p:nvPr>
+        </p:nvSpPr>
+        <p:spPr>
+          <a:xfrm>
+            <a:off x="454800" y="2714625"/>
+            <a:ext cx="8425200" cy="447900"/>
+          </a:xfrm>
+          <a:prstGeom prst="rect">
+            <a:avLst/>
+          </a:prstGeom>
+        </p:spPr>
+        <p:txBody>
+          <a:bodyPr spcFirstLastPara="1" wrap="square" lIns="91425" tIns="0" rIns="91425" bIns="0" anchor="ctr" anchorCtr="0">
+            <a:noAutofit/>
+          </a:bodyPr>
+          <a:lstStyle/>
+          <a:p>
+            <a:pPr marL="0" lvl="0" indent="0" algn="ctr" rtl="0">
+              <a:spcBef>
+                <a:spcPts val="0"/>
+              </a:spcBef>
+              <a:spcAft>
+                <a:spcPts val="0"/>
+              </a:spcAft>
+              <a:buNone/>
+            </a:pPr>
+            <a:r>
+              <a:rPr lang="it-IT" dirty="0"/>
+              <a:t>Cosa vedremo?</a:t>
+            </a:r>
+            <a:endParaRPr dirty="0"/>
+          </a:p>
+        </p:txBody>
+      </p:sp>
+      <p:sp>
+        <p:nvSpPr>
+          <p:cNvPr id="375" name="Google Shape;375;p32"/>
+          <p:cNvSpPr txBox="1">
+            <a:spLocks noGrp="1"/>
+          </p:cNvSpPr>
+          <p:nvPr>
+            <p:ph type="title" idx="2"/>
+          </p:nvPr>
+        </p:nvSpPr>
+        <p:spPr>
+          <a:xfrm>
+            <a:off x="454800" y="2150850"/>
+            <a:ext cx="8425200" cy="489600"/>
+          </a:xfrm>
+          <a:prstGeom prst="rect">
+            <a:avLst/>
+          </a:prstGeom>
+        </p:spPr>
+        <p:txBody>
+          <a:bodyPr spcFirstLastPara="1" wrap="square" lIns="91425" tIns="0" rIns="91425" bIns="0" anchor="b" anchorCtr="0">
+            <a:noAutofit/>
+          </a:bodyPr>
+          <a:lstStyle/>
+          <a:p>
+            <a:pPr marL="0" lvl="0" indent="0" algn="ctr" rtl="0">
+              <a:spcBef>
+                <a:spcPts val="0"/>
+              </a:spcBef>
+              <a:spcAft>
+                <a:spcPts val="0"/>
+              </a:spcAft>
+              <a:buNone/>
+            </a:pPr>
+            <a:r>
+              <a:rPr lang="en" dirty="0"/>
+              <a:t>01</a:t>
+            </a:r>
+            <a:endParaRPr dirty="0"/>
+          </a:p>
+        </p:txBody>
+      </p:sp>
+    </p:spTree>
+    <p:extLst>
+      <p:ext uri="{BB962C8B-B14F-4D97-AF65-F5344CB8AC3E}">
+        <p14:creationId xmlns:p14="http://schemas.microsoft.com/office/powerpoint/2010/main" val="4240418603"/>
+      </p:ext>
+    </p:extLst>
+  </p:cSld>
+  <p:clrMapOvr>
+    <a:masterClrMapping/>
+  </p:clrMapOvr>
+</p:sld>
+</file>
+
+<file path=ppt/slides/slide11.xml><?xml version="1.0" encoding="utf-8"?>
+<p:sld xmlns:a="http://schemas.openxmlformats.org/drawingml/2006/main" xmlns:r="http://schemas.openxmlformats.org/officeDocument/2006/relationships" xmlns:p="http://schemas.openxmlformats.org/presentationml/2006/main">
+  <p:cSld>
+    <p:spTree>
+      <p:nvGrpSpPr>
+        <p:cNvPr id="1" name=""/>
+        <p:cNvGrpSpPr/>
+        <p:nvPr/>
+      </p:nvGrpSpPr>
+      <p:grpSpPr>
+        <a:xfrm>
+          <a:off x="0" y="0"/>
+          <a:ext cx="0" cy="0"/>
+          <a:chOff x="0" y="0"/>
+          <a:chExt cx="0" cy="0"/>
+        </a:xfrm>
+      </p:grpSpPr>
+      <p:sp>
+        <p:nvSpPr>
+          <p:cNvPr id="3" name="Content Placeholder 2"/>
+          <p:cNvSpPr>
+            <a:spLocks noGrp="1"/>
+          </p:cNvSpPr>
+          <p:nvPr>
+            <p:ph idx="1"/>
+          </p:nvPr>
+        </p:nvSpPr>
+        <p:spPr>
+          <a:xfrm>
+            <a:off x="1554143" y="1016577"/>
+            <a:ext cx="4250912" cy="3646511"/>
+          </a:xfrm>
+        </p:spPr>
+        <p:txBody>
+          <a:bodyPr>
+            <a:noAutofit/>
+          </a:bodyPr>
+          <a:lstStyle/>
+          <a:p>
+            <a:pPr lvl="0"/>
+            <a:r>
+              <a:rPr lang="en-US" sz="1500" dirty="0"/>
+              <a:t>Che </a:t>
+            </a:r>
+            <a:r>
+              <a:rPr lang="en-US" sz="1500" dirty="0" err="1"/>
+              <a:t>cosa</a:t>
+            </a:r>
+            <a:r>
+              <a:rPr lang="en-US" sz="1500" dirty="0"/>
+              <a:t> </a:t>
+            </a:r>
+            <a:r>
+              <a:rPr lang="en-US" sz="1500" dirty="0" err="1"/>
+              <a:t>è</a:t>
+            </a:r>
+            <a:r>
+              <a:rPr lang="en-US" sz="1500" dirty="0"/>
+              <a:t> Laravel?
+</a:t>
+            </a:r>
+            <a:r>
+              <a:rPr lang="en-US" sz="1500" dirty="0" err="1"/>
+              <a:t>Installare</a:t>
+            </a:r>
+            <a:r>
+              <a:rPr lang="en-US" sz="1500" dirty="0"/>
+              <a:t> Laravel 9 con Composer
+</a:t>
+            </a:r>
+            <a:r>
+              <a:rPr lang="en-US" sz="1500" dirty="0" err="1"/>
+              <a:t>Struttura</a:t>
+            </a:r>
+            <a:r>
+              <a:rPr lang="en-US" sz="1500" dirty="0"/>
+              <a:t> </a:t>
+            </a:r>
+            <a:r>
+              <a:rPr lang="en-US" sz="1500" dirty="0" err="1"/>
+              <a:t>dei</a:t>
+            </a:r>
+            <a:r>
+              <a:rPr lang="en-US" sz="1500" dirty="0"/>
+              <a:t> file
+</a:t>
+            </a:r>
+            <a:r>
+              <a:rPr lang="en-US" sz="1500" dirty="0" err="1"/>
+              <a:t>Cos’è</a:t>
+            </a:r>
+            <a:r>
+              <a:rPr lang="en-US" sz="1500" dirty="0"/>
+              <a:t> artisan e come ci fa </a:t>
+            </a:r>
+            <a:r>
+              <a:rPr lang="en-US" sz="1500" dirty="0" err="1"/>
+              <a:t>risparmiare</a:t>
+            </a:r>
+            <a:r>
+              <a:rPr lang="en-US" sz="1500" dirty="0"/>
+              <a:t> tempo?
+Routing e tipi di route
+</a:t>
+            </a:r>
+            <a:r>
+              <a:rPr lang="en-US" sz="1500" dirty="0" err="1"/>
+              <a:t>Cos'è</a:t>
+            </a:r>
+            <a:r>
+              <a:rPr lang="en-US" sz="1500" dirty="0"/>
+              <a:t> il middleware e come </a:t>
+            </a:r>
+            <a:r>
+              <a:rPr lang="en-US" sz="1500" dirty="0" err="1"/>
+              <a:t>usarlo</a:t>
+            </a:r>
+            <a:r>
+              <a:rPr lang="en-US" sz="1500" dirty="0"/>
+              <a:t>?
+</a:t>
+            </a:r>
+            <a:r>
+              <a:rPr lang="en-US" sz="1500" dirty="0" err="1"/>
+              <a:t>Cos'è</a:t>
+            </a:r>
+            <a:r>
+              <a:rPr lang="en-US" sz="1500" dirty="0"/>
+              <a:t> Blade?
+Database e ORM </a:t>
+            </a:r>
+            <a:r>
+              <a:rPr lang="en-US" sz="1500" dirty="0" err="1"/>
+              <a:t>eloquente</a:t>
+            </a:r>
+            <a:r>
+              <a:rPr lang="en-US" sz="1500" dirty="0"/>
+              <a:t>
+CRUD con </a:t>
+            </a:r>
+            <a:r>
+              <a:rPr lang="en-US" sz="1500" dirty="0" err="1"/>
+              <a:t>convalida</a:t>
+            </a:r>
+            <a:r>
+              <a:rPr lang="en-US" sz="1500" dirty="0"/>
+              <a:t> e </a:t>
+            </a:r>
+            <a:r>
+              <a:rPr lang="en-US" sz="1500" dirty="0" err="1"/>
+              <a:t>connessione</a:t>
+            </a:r>
+            <a:r>
+              <a:rPr lang="en-US" sz="1500" dirty="0"/>
+              <a:t> al database (</a:t>
+            </a:r>
+            <a:r>
+              <a:rPr lang="en-US" sz="1500" dirty="0" err="1"/>
+              <a:t>compito</a:t>
+            </a:r>
+            <a:r>
+              <a:rPr lang="en-US" sz="1500" dirty="0"/>
+              <a:t> </a:t>
+            </a:r>
+            <a:r>
+              <a:rPr lang="en-US" sz="1500" dirty="0" err="1"/>
+              <a:t>pratico</a:t>
+            </a:r>
+            <a:r>
+              <a:rPr lang="en-US" sz="1500" dirty="0"/>
+              <a:t>)
+Best practice per la </a:t>
+            </a:r>
+            <a:r>
+              <a:rPr lang="en-US" sz="1500" dirty="0" err="1"/>
+              <a:t>codifica</a:t>
+            </a:r>
+            <a:r>
+              <a:rPr lang="en-US" sz="1500" dirty="0"/>
+              <a:t> in Laravel</a:t>
+            </a:r>
+          </a:p>
+        </p:txBody>
+      </p:sp>
+      <p:pic>
+        <p:nvPicPr>
+          <p:cNvPr id="5" name="Picture 4"/>
+          <p:cNvPicPr>
+            <a:picLocks noChangeAspect="1"/>
+          </p:cNvPicPr>
+          <p:nvPr/>
+        </p:nvPicPr>
+        <p:blipFill>
+          <a:blip r:embed="rId3">
+            <a:extLst>
+              <a:ext uri="{28A0092B-C50C-407E-A947-70E740481C1C}">
+                <a14:useLocalDpi xmlns:a14="http://schemas.microsoft.com/office/drawing/2010/main" val="0"/>
+              </a:ext>
+            </a:extLst>
+          </a:blip>
+          <a:stretch>
+            <a:fillRect/>
+          </a:stretch>
+        </p:blipFill>
+        <p:spPr>
+          <a:xfrm>
+            <a:off x="5928014" y="1113559"/>
+            <a:ext cx="2857500" cy="2857500"/>
+          </a:xfrm>
+          <a:prstGeom prst="rect">
+            <a:avLst/>
+          </a:prstGeom>
+        </p:spPr>
+      </p:pic>
+      <p:pic>
+        <p:nvPicPr>
+          <p:cNvPr id="8" name="Picture 7"/>
+          <p:cNvPicPr>
+            <a:picLocks noChangeAspect="1"/>
+          </p:cNvPicPr>
+          <p:nvPr/>
+        </p:nvPicPr>
+        <p:blipFill>
+          <a:blip r:embed="rId4">
+            <a:extLst>
+              <a:ext uri="{28A0092B-C50C-407E-A947-70E740481C1C}">
+                <a14:useLocalDpi xmlns:a14="http://schemas.microsoft.com/office/drawing/2010/main" val="0"/>
+              </a:ext>
+            </a:extLst>
+          </a:blip>
+          <a:stretch>
+            <a:fillRect/>
+          </a:stretch>
+        </p:blipFill>
+        <p:spPr>
+          <a:xfrm>
+            <a:off x="6129641" y="4138974"/>
+            <a:ext cx="2767740" cy="945644"/>
+          </a:xfrm>
+          <a:prstGeom prst="rect">
+            <a:avLst/>
+          </a:prstGeom>
+        </p:spPr>
+      </p:pic>
+    </p:spTree>
+    <p:extLst>
+      <p:ext uri="{BB962C8B-B14F-4D97-AF65-F5344CB8AC3E}">
+        <p14:creationId xmlns:p14="http://schemas.microsoft.com/office/powerpoint/2010/main" val="2906216203"/>
+      </p:ext>
+    </p:extLst>
+  </p:cSld>
+  <p:clrMapOvr>
+    <a:masterClrMapping/>
+  </p:clrMapOvr>
+  <mc:AlternateContent xmlns:mc="http://schemas.openxmlformats.org/markup-compatibility/2006" xmlns:p14="http://schemas.microsoft.com/office/powerpoint/2010/main">
+    <mc:Choice Requires="p14">
+      <p:transition spd="slow">
+        <p14:reveal/>
+      </p:transition>
+    </mc:Choice>
+    <mc:Fallback xmlns="">
+      <p:transition spd="slow">
+        <p:fade/>
+      </p:transition>
+    </mc:Fallback>
+  </mc:AlternateContent>
+</p:sld>
+</file>
+
+<file path=ppt/slides/slide12.xml><?xml version="1.0" encoding="utf-8"?>
+<p:sld xmlns:a="http://schemas.openxmlformats.org/drawingml/2006/main" xmlns:r="http://schemas.openxmlformats.org/officeDocument/2006/relationships" xmlns:p="http://schemas.openxmlformats.org/presentationml/2006/main">
+  <p:cSld>
+    <p:spTree>
+      <p:nvGrpSpPr>
+        <p:cNvPr id="1" name=""/>
+        <p:cNvGrpSpPr/>
+        <p:nvPr/>
+      </p:nvGrpSpPr>
+      <p:grpSpPr>
+        <a:xfrm>
+          <a:off x="0" y="0"/>
+          <a:ext cx="0" cy="0"/>
+          <a:chOff x="0" y="0"/>
+          <a:chExt cx="0" cy="0"/>
+        </a:xfrm>
+      </p:grpSpPr>
+      <p:sp>
+        <p:nvSpPr>
+          <p:cNvPr id="3" name="Content Placeholder 2"/>
+          <p:cNvSpPr>
+            <a:spLocks noGrp="1"/>
+          </p:cNvSpPr>
+          <p:nvPr>
+            <p:ph idx="1"/>
+          </p:nvPr>
+        </p:nvSpPr>
+        <p:spPr>
+          <a:xfrm>
+            <a:off x="1338919" y="1130046"/>
+            <a:ext cx="7479500" cy="3218218"/>
+          </a:xfrm>
+        </p:spPr>
+        <p:txBody>
+          <a:bodyPr>
+            <a:noAutofit/>
+          </a:bodyPr>
+          <a:lstStyle/>
+          <a:p>
+            <a:r>
+              <a:rPr lang="en-US" sz="1950" dirty="0"/>
+              <a:t>Laravel </a:t>
+            </a:r>
+            <a:r>
+              <a:rPr lang="en-US" sz="1950" dirty="0" err="1"/>
+              <a:t>è</a:t>
+            </a:r>
+            <a:r>
+              <a:rPr lang="en-US" sz="1950" dirty="0"/>
+              <a:t> il framework PHP MVC </a:t>
+            </a:r>
+            <a:r>
+              <a:rPr lang="en-US" sz="1950" dirty="0" err="1"/>
+              <a:t>creato</a:t>
+            </a:r>
+            <a:r>
+              <a:rPr lang="en-US" sz="1950" dirty="0"/>
+              <a:t> da Taylor </a:t>
+            </a:r>
+            <a:r>
+              <a:rPr lang="en-US" sz="1950" dirty="0" err="1"/>
+              <a:t>Otwell</a:t>
+            </a:r>
+            <a:r>
+              <a:rPr lang="en-US" sz="1950" dirty="0"/>
+              <a:t> </a:t>
+            </a:r>
+            <a:r>
+              <a:rPr lang="en-US" sz="1950" dirty="0" err="1"/>
+              <a:t>nel</a:t>
+            </a:r>
+            <a:r>
+              <a:rPr lang="en-US" sz="1950" dirty="0"/>
+              <a:t> 2011
+</a:t>
+            </a:r>
+            <a:r>
+              <a:rPr lang="en-US" sz="1950" dirty="0" err="1"/>
+              <a:t>Licenza</a:t>
+            </a:r>
+            <a:r>
+              <a:rPr lang="en-US" sz="1950" dirty="0"/>
+              <a:t> open source </a:t>
+            </a:r>
+            <a:r>
+              <a:rPr lang="en-US" sz="1950" dirty="0" err="1"/>
+              <a:t>gratuita</a:t>
+            </a:r>
+            <a:r>
+              <a:rPr lang="en-US" sz="1950" dirty="0"/>
+              <a:t> con </a:t>
+            </a:r>
+            <a:r>
+              <a:rPr lang="en-US" sz="1950" dirty="0" err="1"/>
+              <a:t>molti</a:t>
+            </a:r>
+            <a:r>
+              <a:rPr lang="en-US" sz="1950" dirty="0"/>
+              <a:t> </a:t>
+            </a:r>
+            <a:r>
+              <a:rPr lang="en-US" sz="1950" dirty="0" err="1"/>
+              <a:t>collaboratori</a:t>
+            </a:r>
+            <a:r>
+              <a:rPr lang="en-US" sz="1950" dirty="0"/>
+              <a:t> in </a:t>
+            </a:r>
+            <a:r>
+              <a:rPr lang="en-US" sz="1950" dirty="0" err="1"/>
+              <a:t>tutto</a:t>
+            </a:r>
+            <a:r>
+              <a:rPr lang="en-US" sz="1950" dirty="0"/>
+              <a:t> il mondo
+Uno </a:t>
+            </a:r>
+            <a:r>
+              <a:rPr lang="en-US" sz="1950" dirty="0" err="1"/>
+              <a:t>dei</a:t>
+            </a:r>
+            <a:r>
+              <a:rPr lang="en-US" sz="1950" dirty="0"/>
+              <a:t> </a:t>
+            </a:r>
+            <a:r>
+              <a:rPr lang="en-US" sz="1950" dirty="0" err="1"/>
+              <a:t>migliori</a:t>
+            </a:r>
+            <a:r>
+              <a:rPr lang="en-US" sz="1950" dirty="0"/>
+              <a:t> framework </a:t>
+            </a:r>
+            <a:r>
+              <a:rPr lang="en-US" sz="1950" dirty="0" err="1"/>
+              <a:t>insieme</a:t>
+            </a:r>
+            <a:r>
+              <a:rPr lang="en-US" sz="1950" dirty="0"/>
+              <a:t> a Symfony, CodeIgniter, </a:t>
+            </a:r>
+            <a:r>
+              <a:rPr lang="en-US" sz="1950" dirty="0" err="1"/>
+              <a:t>Yii</a:t>
+            </a:r>
+            <a:r>
+              <a:rPr lang="en-US" sz="1950" dirty="0"/>
+              <a:t>
+Ha </a:t>
+            </a:r>
+            <a:r>
+              <a:rPr lang="en-US" sz="1950" dirty="0" err="1"/>
+              <a:t>potenti</a:t>
+            </a:r>
+            <a:r>
+              <a:rPr lang="en-US" sz="1950" dirty="0"/>
+              <a:t> </a:t>
+            </a:r>
+            <a:r>
+              <a:rPr lang="en-US" sz="1950" dirty="0" err="1"/>
+              <a:t>funzionalità</a:t>
+            </a:r>
+            <a:r>
+              <a:rPr lang="en-US" sz="1950" dirty="0"/>
+              <a:t>, </a:t>
+            </a:r>
+            <a:r>
+              <a:rPr lang="en-US" sz="1950" dirty="0" err="1"/>
+              <a:t>facendoci</a:t>
+            </a:r>
+            <a:r>
+              <a:rPr lang="en-US" sz="1950" dirty="0"/>
+              <a:t> </a:t>
+            </a:r>
+            <a:r>
+              <a:rPr lang="en-US" sz="1950" dirty="0" err="1"/>
+              <a:t>risparmiare</a:t>
+            </a:r>
+            <a:r>
+              <a:rPr lang="en-US" sz="1950" dirty="0"/>
+              <a:t> tempo
+</a:t>
+            </a:r>
+            <a:r>
+              <a:rPr lang="en-US" sz="1950" dirty="0" err="1"/>
+              <a:t>Utilizza</a:t>
+            </a:r>
+            <a:r>
+              <a:rPr lang="en-US" sz="1950" dirty="0"/>
+              <a:t> </a:t>
+            </a:r>
+            <a:r>
+              <a:rPr lang="en-US" sz="1950" dirty="0" err="1"/>
+              <a:t>i</a:t>
+            </a:r>
+            <a:r>
+              <a:rPr lang="en-US" sz="1950" dirty="0"/>
+              <a:t> </a:t>
+            </a:r>
+            <a:r>
+              <a:rPr lang="en-US" sz="1950" dirty="0" err="1"/>
+              <a:t>pacchetti</a:t>
+            </a:r>
+            <a:r>
+              <a:rPr lang="en-US" sz="1950" dirty="0"/>
+              <a:t> Symfony
+</a:t>
+            </a:r>
+            <a:r>
+              <a:rPr lang="en-US" sz="1950" dirty="0" err="1"/>
+              <a:t>Vediamo</a:t>
+            </a:r>
+            <a:r>
+              <a:rPr lang="en-US" sz="1950" dirty="0"/>
+              <a:t> </a:t>
+            </a:r>
+            <a:r>
+              <a:rPr lang="en-US" sz="1950" dirty="0" err="1"/>
+              <a:t>alcune</a:t>
+            </a:r>
+            <a:r>
+              <a:rPr lang="en-US" sz="1950" dirty="0"/>
+              <a:t> </a:t>
+            </a:r>
+            <a:r>
+              <a:rPr lang="en-US" sz="1950" dirty="0" err="1"/>
+              <a:t>statistiche</a:t>
+            </a:r>
+            <a:endParaRPr lang="en-US" sz="1950" dirty="0"/>
+          </a:p>
+        </p:txBody>
+      </p:sp>
+      <p:pic>
+        <p:nvPicPr>
+          <p:cNvPr id="8" name="Picture 7"/>
+          <p:cNvPicPr>
+            <a:picLocks noChangeAspect="1"/>
+          </p:cNvPicPr>
+          <p:nvPr/>
+        </p:nvPicPr>
+        <p:blipFill>
+          <a:blip r:embed="rId2">
+            <a:extLst>
+              <a:ext uri="{28A0092B-C50C-407E-A947-70E740481C1C}">
+                <a14:useLocalDpi xmlns:a14="http://schemas.microsoft.com/office/drawing/2010/main" val="0"/>
+              </a:ext>
+            </a:extLst>
+          </a:blip>
+          <a:stretch>
+            <a:fillRect/>
+          </a:stretch>
+        </p:blipFill>
+        <p:spPr>
+          <a:xfrm>
+            <a:off x="4356776" y="184402"/>
+            <a:ext cx="2767740" cy="945644"/>
+          </a:xfrm>
+          <a:prstGeom prst="rect">
+            <a:avLst/>
+          </a:prstGeom>
+        </p:spPr>
+      </p:pic>
+      <p:pic>
+        <p:nvPicPr>
+          <p:cNvPr id="4" name="Picture 3"/>
+          <p:cNvPicPr>
+            <a:picLocks noChangeAspect="1"/>
+          </p:cNvPicPr>
+          <p:nvPr/>
+        </p:nvPicPr>
+        <p:blipFill>
+          <a:blip r:embed="rId3">
+            <a:extLst>
+              <a:ext uri="{28A0092B-C50C-407E-A947-70E740481C1C}">
+                <a14:useLocalDpi xmlns:a14="http://schemas.microsoft.com/office/drawing/2010/main" val="0"/>
+              </a:ext>
+            </a:extLst>
+          </a:blip>
+          <a:stretch>
+            <a:fillRect/>
+          </a:stretch>
+        </p:blipFill>
+        <p:spPr>
+          <a:xfrm>
+            <a:off x="5853562" y="3144466"/>
+            <a:ext cx="3290438" cy="1999034"/>
+          </a:xfrm>
+          <a:prstGeom prst="rect">
+            <a:avLst/>
+          </a:prstGeom>
+        </p:spPr>
+      </p:pic>
+    </p:spTree>
+    <p:extLst>
+      <p:ext uri="{BB962C8B-B14F-4D97-AF65-F5344CB8AC3E}">
+        <p14:creationId xmlns:p14="http://schemas.microsoft.com/office/powerpoint/2010/main" val="4063669845"/>
+      </p:ext>
+    </p:extLst>
+  </p:cSld>
+  <p:clrMapOvr>
+    <a:masterClrMapping/>
+  </p:clrMapOvr>
+  <mc:AlternateContent xmlns:mc="http://schemas.openxmlformats.org/markup-compatibility/2006" xmlns:p14="http://schemas.microsoft.com/office/powerpoint/2010/main">
+    <mc:Choice Requires="p14">
+      <p:transition spd="slow">
+        <p14:reveal/>
+      </p:transition>
+    </mc:Choice>
+    <mc:Fallback xmlns="">
+      <p:transition spd="slow">
+        <p:fade/>
+      </p:transition>
+    </mc:Fallback>
+  </mc:AlternateContent>
+</p:sld>
+</file>
+
+<file path=ppt/slides/slide13.xml><?xml version="1.0" encoding="utf-8"?>
+<p:sld xmlns:a="http://schemas.openxmlformats.org/drawingml/2006/main" xmlns:r="http://schemas.openxmlformats.org/officeDocument/2006/relationships" xmlns:p="http://schemas.openxmlformats.org/presentationml/2006/main">
+  <p:cSld>
+    <p:spTree>
+      <p:nvGrpSpPr>
         <p:cNvPr id="1" name=""/>
         <p:cNvGrpSpPr/>
         <p:nvPr/>
@@ -12132,7 +12897,7 @@
 </p:sld>
 </file>
 
-<file path=ppt/slides/slide11.xml><?xml version="1.0" encoding="utf-8"?>
+<file path=ppt/slides/slide14.xml><?xml version="1.0" encoding="utf-8"?>
 <p:sld xmlns:a="http://schemas.openxmlformats.org/drawingml/2006/main" xmlns:r="http://schemas.openxmlformats.org/officeDocument/2006/relationships" xmlns:p="http://schemas.openxmlformats.org/presentationml/2006/main">
   <p:cSld>
     <p:spTree>
@@ -12241,7 +13006,7 @@
 </p:sld>
 </file>
 
-<file path=ppt/slides/slide12.xml><?xml version="1.0" encoding="utf-8"?>
+<file path=ppt/slides/slide15.xml><?xml version="1.0" encoding="utf-8"?>
 <p:sld xmlns:a="http://schemas.openxmlformats.org/drawingml/2006/main" xmlns:r="http://schemas.openxmlformats.org/officeDocument/2006/relationships" xmlns:p="http://schemas.openxmlformats.org/presentationml/2006/main">
   <p:cSld>
     <p:spTree>
@@ -12349,7 +13114,7 @@
 </p:sld>
 </file>
 
-<file path=ppt/slides/slide13.xml><?xml version="1.0" encoding="utf-8"?>
+<file path=ppt/slides/slide16.xml><?xml version="1.0" encoding="utf-8"?>
 <p:sld xmlns:a="http://schemas.openxmlformats.org/drawingml/2006/main" xmlns:r="http://schemas.openxmlformats.org/officeDocument/2006/relationships" xmlns:p="http://schemas.openxmlformats.org/presentationml/2006/main">
   <p:cSld>
     <p:spTree>
@@ -12815,7 +13580,7 @@
 </p:sld>
 </file>
 
-<file path=ppt/slides/slide14.xml><?xml version="1.0" encoding="utf-8"?>
+<file path=ppt/slides/slide17.xml><?xml version="1.0" encoding="utf-8"?>
 <p:sld xmlns:a="http://schemas.openxmlformats.org/drawingml/2006/main" xmlns:r="http://schemas.openxmlformats.org/officeDocument/2006/relationships" xmlns:p="http://schemas.openxmlformats.org/presentationml/2006/main">
   <p:cSld>
     <p:spTree>
@@ -12929,7 +13694,7 @@
 </p:sld>
 </file>
 
-<file path=ppt/slides/slide15.xml><?xml version="1.0" encoding="utf-8"?>
+<file path=ppt/slides/slide18.xml><?xml version="1.0" encoding="utf-8"?>
 <p:sld xmlns:a="http://schemas.openxmlformats.org/drawingml/2006/main" xmlns:r="http://schemas.openxmlformats.org/officeDocument/2006/relationships" xmlns:p="http://schemas.openxmlformats.org/presentationml/2006/main">
   <p:cSld>
     <p:spTree>
@@ -13296,7 +14061,7 @@
 </p:sld>
 </file>
 
-<file path=ppt/slides/slide16.xml><?xml version="1.0" encoding="utf-8"?>
+<file path=ppt/slides/slide19.xml><?xml version="1.0" encoding="utf-8"?>
 <p:sld xmlns:a="http://schemas.openxmlformats.org/drawingml/2006/main" xmlns:r="http://schemas.openxmlformats.org/officeDocument/2006/relationships" xmlns:p="http://schemas.openxmlformats.org/presentationml/2006/main">
   <p:cSld>
     <p:spTree>
@@ -13467,7 +14232,673 @@
 </p:sld>
 </file>
 
-<file path=ppt/slides/slide17.xml><?xml version="1.0" encoding="utf-8"?>
+<file path=ppt/slides/slide2.xml><?xml version="1.0" encoding="utf-8"?>
+<p:sld xmlns:a="http://schemas.openxmlformats.org/drawingml/2006/main" xmlns:r="http://schemas.openxmlformats.org/officeDocument/2006/relationships" xmlns:p="http://schemas.openxmlformats.org/presentationml/2006/main">
+  <p:cSld>
+    <p:spTree>
+      <p:nvGrpSpPr>
+        <p:cNvPr id="1" name="Shape 346"/>
+        <p:cNvGrpSpPr/>
+        <p:nvPr/>
+      </p:nvGrpSpPr>
+      <p:grpSpPr>
+        <a:xfrm>
+          <a:off x="0" y="0"/>
+          <a:ext cx="0" cy="0"/>
+          <a:chOff x="0" y="0"/>
+          <a:chExt cx="0" cy="0"/>
+        </a:xfrm>
+      </p:grpSpPr>
+      <p:sp>
+        <p:nvSpPr>
+          <p:cNvPr id="347" name="Google Shape;347;p29"/>
+          <p:cNvSpPr txBox="1">
+            <a:spLocks noGrp="1"/>
+          </p:cNvSpPr>
+          <p:nvPr>
+            <p:ph type="title" idx="5"/>
+          </p:nvPr>
+        </p:nvSpPr>
+        <p:spPr>
+          <a:xfrm>
+            <a:off x="1278000" y="342000"/>
+            <a:ext cx="6588000" cy="669000"/>
+          </a:xfrm>
+          <a:prstGeom prst="rect">
+            <a:avLst/>
+          </a:prstGeom>
+        </p:spPr>
+        <p:txBody>
+          <a:bodyPr spcFirstLastPara="1" wrap="square" lIns="91425" tIns="91425" rIns="91425" bIns="91425" anchor="t" anchorCtr="0">
+            <a:noAutofit/>
+          </a:bodyPr>
+          <a:lstStyle/>
+          <a:p>
+            <a:pPr marL="0" lvl="0" indent="0" algn="ctr" rtl="0">
+              <a:spcBef>
+                <a:spcPts val="0"/>
+              </a:spcBef>
+              <a:spcAft>
+                <a:spcPts val="0"/>
+              </a:spcAft>
+              <a:buNone/>
+            </a:pPr>
+            <a:r>
+              <a:rPr lang="en" dirty="0"/>
+              <a:t>Tool </a:t>
+            </a:r>
+            <a:r>
+              <a:rPr lang="it-IT" dirty="0"/>
+              <a:t>consigliati</a:t>
+            </a:r>
+          </a:p>
+        </p:txBody>
+      </p:sp>
+      <p:sp>
+        <p:nvSpPr>
+          <p:cNvPr id="348" name="Google Shape;348;p29"/>
+          <p:cNvSpPr txBox="1">
+            <a:spLocks noGrp="1"/>
+          </p:cNvSpPr>
+          <p:nvPr>
+            <p:ph type="ctrTitle"/>
+          </p:nvPr>
+        </p:nvSpPr>
+        <p:spPr>
+          <a:xfrm flipH="1">
+            <a:off x="2189800" y="1848349"/>
+            <a:ext cx="2163900" cy="240900"/>
+          </a:xfrm>
+          <a:prstGeom prst="rect">
+            <a:avLst/>
+          </a:prstGeom>
+        </p:spPr>
+        <p:txBody>
+          <a:bodyPr spcFirstLastPara="1" wrap="square" lIns="91425" tIns="0" rIns="91425" bIns="0" anchor="b" anchorCtr="0">
+            <a:noAutofit/>
+          </a:bodyPr>
+          <a:lstStyle/>
+          <a:p>
+            <a:pPr marL="0" lvl="0" indent="0" algn="l" rtl="0">
+              <a:spcBef>
+                <a:spcPts val="0"/>
+              </a:spcBef>
+              <a:spcAft>
+                <a:spcPts val="0"/>
+              </a:spcAft>
+              <a:buNone/>
+            </a:pPr>
+            <a:r>
+              <a:rPr lang="en" sz="3500" b="1" dirty="0"/>
+              <a:t>01</a:t>
+            </a:r>
+            <a:endParaRPr sz="3500" b="1" dirty="0"/>
+          </a:p>
+        </p:txBody>
+      </p:sp>
+      <p:sp>
+        <p:nvSpPr>
+          <p:cNvPr id="349" name="Google Shape;349;p29"/>
+          <p:cNvSpPr txBox="1">
+            <a:spLocks noGrp="1"/>
+          </p:cNvSpPr>
+          <p:nvPr>
+            <p:ph type="subTitle" idx="1"/>
+          </p:nvPr>
+        </p:nvSpPr>
+        <p:spPr>
+          <a:xfrm flipH="1">
+            <a:off x="2189801" y="2162325"/>
+            <a:ext cx="2163900" cy="426600"/>
+          </a:xfrm>
+          <a:prstGeom prst="rect">
+            <a:avLst/>
+          </a:prstGeom>
+        </p:spPr>
+        <p:txBody>
+          <a:bodyPr spcFirstLastPara="1" wrap="square" lIns="91425" tIns="0" rIns="91425" bIns="0" anchor="t" anchorCtr="0">
+            <a:noAutofit/>
+          </a:bodyPr>
+          <a:lstStyle/>
+          <a:p>
+            <a:pPr marL="0" lvl="0" indent="0" algn="l" rtl="0">
+              <a:spcBef>
+                <a:spcPts val="0"/>
+              </a:spcBef>
+              <a:spcAft>
+                <a:spcPts val="0"/>
+              </a:spcAft>
+              <a:buNone/>
+            </a:pPr>
+            <a:r>
+              <a:rPr lang="en" sz="2200" b="1" dirty="0">
+                <a:latin typeface="Overpass Mono"/>
+                <a:ea typeface="Overpass Mono"/>
+                <a:cs typeface="Overpass Mono"/>
+                <a:sym typeface="Overpass Mono"/>
+              </a:rPr>
+              <a:t>XAMP</a:t>
+            </a:r>
+            <a:endParaRPr sz="2200" b="1" dirty="0">
+              <a:latin typeface="Overpass Mono"/>
+              <a:ea typeface="Overpass Mono"/>
+              <a:cs typeface="Overpass Mono"/>
+              <a:sym typeface="Overpass Mono"/>
+            </a:endParaRPr>
+          </a:p>
+        </p:txBody>
+      </p:sp>
+      <p:sp>
+        <p:nvSpPr>
+          <p:cNvPr id="350" name="Google Shape;350;p29"/>
+          <p:cNvSpPr txBox="1">
+            <a:spLocks noGrp="1"/>
+          </p:cNvSpPr>
+          <p:nvPr>
+            <p:ph type="ctrTitle" idx="2"/>
+          </p:nvPr>
+        </p:nvSpPr>
+        <p:spPr>
+          <a:xfrm flipH="1">
+            <a:off x="4811675" y="1848401"/>
+            <a:ext cx="2163900" cy="240900"/>
+          </a:xfrm>
+          <a:prstGeom prst="rect">
+            <a:avLst/>
+          </a:prstGeom>
+        </p:spPr>
+        <p:txBody>
+          <a:bodyPr spcFirstLastPara="1" wrap="square" lIns="91425" tIns="0" rIns="91425" bIns="0" anchor="b" anchorCtr="0">
+            <a:noAutofit/>
+          </a:bodyPr>
+          <a:lstStyle/>
+          <a:p>
+            <a:pPr marL="0" lvl="0" indent="0" algn="r" rtl="0">
+              <a:spcBef>
+                <a:spcPts val="0"/>
+              </a:spcBef>
+              <a:spcAft>
+                <a:spcPts val="0"/>
+              </a:spcAft>
+              <a:buNone/>
+            </a:pPr>
+            <a:r>
+              <a:rPr lang="en" sz="3500" b="1" dirty="0"/>
+              <a:t>03</a:t>
+            </a:r>
+            <a:endParaRPr sz="3500" b="1" dirty="0"/>
+          </a:p>
+        </p:txBody>
+      </p:sp>
+      <p:sp>
+        <p:nvSpPr>
+          <p:cNvPr id="352" name="Google Shape;352;p29"/>
+          <p:cNvSpPr txBox="1">
+            <a:spLocks noGrp="1"/>
+          </p:cNvSpPr>
+          <p:nvPr>
+            <p:ph type="ctrTitle" idx="6"/>
+          </p:nvPr>
+        </p:nvSpPr>
+        <p:spPr>
+          <a:xfrm flipH="1">
+            <a:off x="2189800" y="3258286"/>
+            <a:ext cx="2163900" cy="240900"/>
+          </a:xfrm>
+          <a:prstGeom prst="rect">
+            <a:avLst/>
+          </a:prstGeom>
+        </p:spPr>
+        <p:txBody>
+          <a:bodyPr spcFirstLastPara="1" wrap="square" lIns="91425" tIns="0" rIns="91425" bIns="0" anchor="b" anchorCtr="0">
+            <a:noAutofit/>
+          </a:bodyPr>
+          <a:lstStyle/>
+          <a:p>
+            <a:pPr marL="0" lvl="0" indent="0" algn="l" rtl="0">
+              <a:spcBef>
+                <a:spcPts val="0"/>
+              </a:spcBef>
+              <a:spcAft>
+                <a:spcPts val="0"/>
+              </a:spcAft>
+              <a:buNone/>
+            </a:pPr>
+            <a:r>
+              <a:rPr lang="en" dirty="0"/>
+              <a:t>02</a:t>
+            </a:r>
+            <a:endParaRPr dirty="0"/>
+          </a:p>
+        </p:txBody>
+      </p:sp>
+      <p:sp>
+        <p:nvSpPr>
+          <p:cNvPr id="354" name="Google Shape;354;p29"/>
+          <p:cNvSpPr txBox="1">
+            <a:spLocks noGrp="1"/>
+          </p:cNvSpPr>
+          <p:nvPr>
+            <p:ph type="ctrTitle" idx="8"/>
+          </p:nvPr>
+        </p:nvSpPr>
+        <p:spPr>
+          <a:xfrm flipH="1">
+            <a:off x="4811675" y="3258338"/>
+            <a:ext cx="2163900" cy="240900"/>
+          </a:xfrm>
+          <a:prstGeom prst="rect">
+            <a:avLst/>
+          </a:prstGeom>
+        </p:spPr>
+        <p:txBody>
+          <a:bodyPr spcFirstLastPara="1" wrap="square" lIns="91425" tIns="0" rIns="91425" bIns="0" anchor="b" anchorCtr="0">
+            <a:noAutofit/>
+          </a:bodyPr>
+          <a:lstStyle/>
+          <a:p>
+            <a:pPr marL="0" lvl="0" indent="0" algn="r" rtl="0">
+              <a:spcBef>
+                <a:spcPts val="0"/>
+              </a:spcBef>
+              <a:spcAft>
+                <a:spcPts val="0"/>
+              </a:spcAft>
+              <a:buNone/>
+            </a:pPr>
+            <a:r>
+              <a:rPr lang="en" dirty="0"/>
+              <a:t>04</a:t>
+            </a:r>
+            <a:endParaRPr dirty="0"/>
+          </a:p>
+        </p:txBody>
+      </p:sp>
+      <p:sp>
+        <p:nvSpPr>
+          <p:cNvPr id="355" name="Google Shape;355;p29"/>
+          <p:cNvSpPr txBox="1">
+            <a:spLocks noGrp="1"/>
+          </p:cNvSpPr>
+          <p:nvPr>
+            <p:ph type="subTitle" idx="9"/>
+          </p:nvPr>
+        </p:nvSpPr>
+        <p:spPr>
+          <a:xfrm flipH="1">
+            <a:off x="4811675" y="3573468"/>
+            <a:ext cx="2163900" cy="426600"/>
+          </a:xfrm>
+          <a:prstGeom prst="rect">
+            <a:avLst/>
+          </a:prstGeom>
+        </p:spPr>
+        <p:txBody>
+          <a:bodyPr spcFirstLastPara="1" wrap="square" lIns="91425" tIns="0" rIns="91425" bIns="0" anchor="t" anchorCtr="0">
+            <a:noAutofit/>
+          </a:bodyPr>
+          <a:lstStyle/>
+          <a:p>
+            <a:pPr marL="0" lvl="0" indent="0" algn="r" rtl="0">
+              <a:spcBef>
+                <a:spcPts val="0"/>
+              </a:spcBef>
+              <a:spcAft>
+                <a:spcPts val="0"/>
+              </a:spcAft>
+              <a:buNone/>
+            </a:pPr>
+            <a:r>
+              <a:rPr lang="it-IT" dirty="0"/>
+              <a:t>Composer</a:t>
+            </a:r>
+            <a:endParaRPr dirty="0"/>
+          </a:p>
+          <a:p>
+            <a:pPr marL="0" lvl="0" indent="0" algn="r" rtl="0">
+              <a:spcBef>
+                <a:spcPts val="0"/>
+              </a:spcBef>
+              <a:spcAft>
+                <a:spcPts val="0"/>
+              </a:spcAft>
+              <a:buNone/>
+            </a:pPr>
+            <a:endParaRPr dirty="0"/>
+          </a:p>
+          <a:p>
+            <a:pPr marL="0" lvl="0" indent="0" algn="r" rtl="0">
+              <a:spcBef>
+                <a:spcPts val="0"/>
+              </a:spcBef>
+              <a:spcAft>
+                <a:spcPts val="0"/>
+              </a:spcAft>
+              <a:buNone/>
+            </a:pPr>
+            <a:endParaRPr dirty="0"/>
+          </a:p>
+        </p:txBody>
+      </p:sp>
+      <p:sp>
+        <p:nvSpPr>
+          <p:cNvPr id="5" name="Google Shape;351;p29">
+            <a:extLst>
+              <a:ext uri="{FF2B5EF4-FFF2-40B4-BE49-F238E27FC236}">
+                <a16:creationId xmlns:a16="http://schemas.microsoft.com/office/drawing/2014/main" id="{2E6D11A8-D4DF-4DED-0DCB-B71A126A99D8}"/>
+              </a:ext>
+            </a:extLst>
+          </p:cNvPr>
+          <p:cNvSpPr txBox="1">
+            <a:spLocks noGrp="1"/>
+          </p:cNvSpPr>
+          <p:nvPr>
+            <p:ph type="subTitle" idx="7"/>
+          </p:nvPr>
+        </p:nvSpPr>
+        <p:spPr>
+          <a:xfrm flipH="1">
+            <a:off x="1554479" y="3571875"/>
+            <a:ext cx="1930569" cy="669000"/>
+          </a:xfrm>
+          <a:prstGeom prst="rect">
+            <a:avLst/>
+          </a:prstGeom>
+        </p:spPr>
+        <p:txBody>
+          <a:bodyPr spcFirstLastPara="1" wrap="square" lIns="91425" tIns="0" rIns="91425" bIns="0" anchor="t" anchorCtr="0">
+            <a:noAutofit/>
+          </a:bodyPr>
+          <a:lstStyle/>
+          <a:p>
+            <a:pPr marL="0" indent="0"/>
+            <a:r>
+              <a:rPr lang="it-IT" b="1" dirty="0" err="1"/>
+              <a:t>Php</a:t>
+            </a:r>
+            <a:r>
+              <a:rPr lang="it-IT" dirty="0" err="1"/>
+              <a:t>Storm</a:t>
+            </a:r>
+            <a:r>
+              <a:rPr lang="it-IT" dirty="0"/>
+              <a:t> o VSC</a:t>
+            </a:r>
+            <a:endParaRPr lang="it-IT" b="1" dirty="0"/>
+          </a:p>
+          <a:p>
+            <a:pPr marL="0" lvl="0" indent="0" algn="r" rtl="0">
+              <a:spcBef>
+                <a:spcPts val="0"/>
+              </a:spcBef>
+              <a:spcAft>
+                <a:spcPts val="0"/>
+              </a:spcAft>
+              <a:buNone/>
+            </a:pPr>
+            <a:endParaRPr sz="2200" b="1" dirty="0">
+              <a:latin typeface="Overpass Mono"/>
+              <a:ea typeface="Overpass Mono"/>
+              <a:cs typeface="Overpass Mono"/>
+              <a:sym typeface="Overpass Mono"/>
+            </a:endParaRPr>
+          </a:p>
+        </p:txBody>
+      </p:sp>
+      <p:sp>
+        <p:nvSpPr>
+          <p:cNvPr id="6" name="Google Shape;351;p29">
+            <a:extLst>
+              <a:ext uri="{FF2B5EF4-FFF2-40B4-BE49-F238E27FC236}">
+                <a16:creationId xmlns:a16="http://schemas.microsoft.com/office/drawing/2014/main" id="{892E86BA-9C8F-C4B8-CDF0-C7BC070B1C51}"/>
+              </a:ext>
+            </a:extLst>
+          </p:cNvPr>
+          <p:cNvSpPr txBox="1">
+            <a:spLocks noGrp="1"/>
+          </p:cNvSpPr>
+          <p:nvPr>
+            <p:ph type="subTitle" idx="3"/>
+          </p:nvPr>
+        </p:nvSpPr>
+        <p:spPr>
+          <a:xfrm flipH="1">
+            <a:off x="4811675" y="2163531"/>
+            <a:ext cx="2486592" cy="426600"/>
+          </a:xfrm>
+          <a:prstGeom prst="rect">
+            <a:avLst/>
+          </a:prstGeom>
+        </p:spPr>
+        <p:txBody>
+          <a:bodyPr spcFirstLastPara="1" wrap="square" lIns="91425" tIns="0" rIns="91425" bIns="0" anchor="t" anchorCtr="0">
+            <a:noAutofit/>
+          </a:bodyPr>
+          <a:lstStyle/>
+          <a:p>
+            <a:pPr marL="0" indent="0"/>
+            <a:r>
+              <a:rPr lang="it-IT" b="1" dirty="0" err="1"/>
+              <a:t>Php</a:t>
+            </a:r>
+            <a:endParaRPr lang="it-IT" b="1" dirty="0"/>
+          </a:p>
+          <a:p>
+            <a:pPr marL="0" lvl="0" indent="0" algn="r" rtl="0">
+              <a:spcBef>
+                <a:spcPts val="0"/>
+              </a:spcBef>
+              <a:spcAft>
+                <a:spcPts val="0"/>
+              </a:spcAft>
+              <a:buNone/>
+            </a:pPr>
+            <a:endParaRPr sz="2200" b="1" dirty="0">
+              <a:latin typeface="Overpass Mono"/>
+              <a:ea typeface="Overpass Mono"/>
+              <a:cs typeface="Overpass Mono"/>
+              <a:sym typeface="Overpass Mono"/>
+            </a:endParaRPr>
+          </a:p>
+        </p:txBody>
+      </p:sp>
+      <p:pic>
+        <p:nvPicPr>
+          <p:cNvPr id="1026" name="Picture 2" descr="XAMPP">
+            <a:extLst>
+              <a:ext uri="{FF2B5EF4-FFF2-40B4-BE49-F238E27FC236}">
+                <a16:creationId xmlns:a16="http://schemas.microsoft.com/office/drawing/2014/main" id="{01B7F1DC-27B0-031C-14F8-AF9925FE7F23}"/>
+              </a:ext>
+            </a:extLst>
+          </p:cNvPr>
+          <p:cNvPicPr>
+            <a:picLocks noChangeAspect="1" noChangeArrowheads="1"/>
+          </p:cNvPicPr>
+          <p:nvPr/>
+        </p:nvPicPr>
+        <p:blipFill>
+          <a:blip r:embed="rId3">
+            <a:extLst>
+              <a:ext uri="{28A0092B-C50C-407E-A947-70E740481C1C}">
+                <a14:useLocalDpi xmlns:a14="http://schemas.microsoft.com/office/drawing/2010/main" val="0"/>
+              </a:ext>
+            </a:extLst>
+          </a:blip>
+          <a:srcRect/>
+          <a:stretch>
+            <a:fillRect/>
+          </a:stretch>
+        </p:blipFill>
+        <p:spPr bwMode="auto">
+          <a:xfrm>
+            <a:off x="3058450" y="2089249"/>
+            <a:ext cx="426600" cy="426600"/>
+          </a:xfrm>
+          <a:prstGeom prst="rect">
+            <a:avLst/>
+          </a:prstGeom>
+          <a:noFill/>
+          <a:extLst>
+            <a:ext uri="{909E8E84-426E-40DD-AFC4-6F175D3DCCD1}">
+              <a14:hiddenFill xmlns:a14="http://schemas.microsoft.com/office/drawing/2010/main">
+                <a:solidFill>
+                  <a:srgbClr val="FFFFFF"/>
+                </a:solidFill>
+              </a14:hiddenFill>
+            </a:ext>
+          </a:extLst>
+        </p:spPr>
+      </p:pic>
+      <p:pic>
+        <p:nvPicPr>
+          <p:cNvPr id="2050" name="Picture 2" descr="Cómo instalar PHP 8 en Ubuntu 18.04 LTS">
+            <a:extLst>
+              <a:ext uri="{FF2B5EF4-FFF2-40B4-BE49-F238E27FC236}">
+                <a16:creationId xmlns:a16="http://schemas.microsoft.com/office/drawing/2014/main" id="{7623B442-2861-6440-185F-5ADDFCFF53CA}"/>
+              </a:ext>
+            </a:extLst>
+          </p:cNvPr>
+          <p:cNvPicPr>
+            <a:picLocks noChangeAspect="1" noChangeArrowheads="1"/>
+          </p:cNvPicPr>
+          <p:nvPr/>
+        </p:nvPicPr>
+        <p:blipFill>
+          <a:blip r:embed="rId4">
+            <a:extLst>
+              <a:ext uri="{28A0092B-C50C-407E-A947-70E740481C1C}">
+                <a14:useLocalDpi xmlns:a14="http://schemas.microsoft.com/office/drawing/2010/main" val="0"/>
+              </a:ext>
+            </a:extLst>
+          </a:blip>
+          <a:srcRect/>
+          <a:stretch>
+            <a:fillRect/>
+          </a:stretch>
+        </p:blipFill>
+        <p:spPr bwMode="auto">
+          <a:xfrm>
+            <a:off x="7322090" y="2081715"/>
+            <a:ext cx="658563" cy="370442"/>
+          </a:xfrm>
+          <a:prstGeom prst="rect">
+            <a:avLst/>
+          </a:prstGeom>
+          <a:noFill/>
+          <a:extLst>
+            <a:ext uri="{909E8E84-426E-40DD-AFC4-6F175D3DCCD1}">
+              <a14:hiddenFill xmlns:a14="http://schemas.microsoft.com/office/drawing/2010/main">
+                <a:solidFill>
+                  <a:srgbClr val="FFFFFF"/>
+                </a:solidFill>
+              </a14:hiddenFill>
+            </a:ext>
+          </a:extLst>
+        </p:spPr>
+      </p:pic>
+      <p:pic>
+        <p:nvPicPr>
+          <p:cNvPr id="2052" name="Picture 4" descr="Your free PHPStorm Licence">
+            <a:extLst>
+              <a:ext uri="{FF2B5EF4-FFF2-40B4-BE49-F238E27FC236}">
+                <a16:creationId xmlns:a16="http://schemas.microsoft.com/office/drawing/2014/main" id="{0D81BBF5-4944-49C1-B643-CD539D76E0AA}"/>
+              </a:ext>
+            </a:extLst>
+          </p:cNvPr>
+          <p:cNvPicPr>
+            <a:picLocks noChangeAspect="1" noChangeArrowheads="1"/>
+          </p:cNvPicPr>
+          <p:nvPr/>
+        </p:nvPicPr>
+        <p:blipFill>
+          <a:blip r:embed="rId5">
+            <a:extLst>
+              <a:ext uri="{28A0092B-C50C-407E-A947-70E740481C1C}">
+                <a14:useLocalDpi xmlns:a14="http://schemas.microsoft.com/office/drawing/2010/main" val="0"/>
+              </a:ext>
+            </a:extLst>
+          </a:blip>
+          <a:srcRect/>
+          <a:stretch>
+            <a:fillRect/>
+          </a:stretch>
+        </p:blipFill>
+        <p:spPr bwMode="auto">
+          <a:xfrm>
+            <a:off x="3100750" y="3866443"/>
+            <a:ext cx="384298" cy="384298"/>
+          </a:xfrm>
+          <a:prstGeom prst="rect">
+            <a:avLst/>
+          </a:prstGeom>
+          <a:noFill/>
+          <a:extLst>
+            <a:ext uri="{909E8E84-426E-40DD-AFC4-6F175D3DCCD1}">
+              <a14:hiddenFill xmlns:a14="http://schemas.microsoft.com/office/drawing/2010/main">
+                <a:solidFill>
+                  <a:srgbClr val="FFFFFF"/>
+                </a:solidFill>
+              </a14:hiddenFill>
+            </a:ext>
+          </a:extLst>
+        </p:spPr>
+      </p:pic>
+      <p:pic>
+        <p:nvPicPr>
+          <p:cNvPr id="2054" name="Picture 6">
+            <a:extLst>
+              <a:ext uri="{FF2B5EF4-FFF2-40B4-BE49-F238E27FC236}">
+                <a16:creationId xmlns:a16="http://schemas.microsoft.com/office/drawing/2014/main" id="{02CEA8D0-D268-8DB0-AA41-194734292C5D}"/>
+              </a:ext>
+            </a:extLst>
+          </p:cNvPr>
+          <p:cNvPicPr>
+            <a:picLocks noChangeAspect="1" noChangeArrowheads="1"/>
+          </p:cNvPicPr>
+          <p:nvPr/>
+        </p:nvPicPr>
+        <p:blipFill>
+          <a:blip r:embed="rId6">
+            <a:extLst>
+              <a:ext uri="{28A0092B-C50C-407E-A947-70E740481C1C}">
+                <a14:useLocalDpi xmlns:a14="http://schemas.microsoft.com/office/drawing/2010/main" val="0"/>
+              </a:ext>
+            </a:extLst>
+          </a:blip>
+          <a:srcRect/>
+          <a:stretch>
+            <a:fillRect/>
+          </a:stretch>
+        </p:blipFill>
+        <p:spPr bwMode="auto">
+          <a:xfrm flipH="1">
+            <a:off x="7378885" y="3452268"/>
+            <a:ext cx="544972" cy="669000"/>
+          </a:xfrm>
+          <a:prstGeom prst="rect">
+            <a:avLst/>
+          </a:prstGeom>
+          <a:noFill/>
+          <a:extLst>
+            <a:ext uri="{909E8E84-426E-40DD-AFC4-6F175D3DCCD1}">
+              <a14:hiddenFill xmlns:a14="http://schemas.microsoft.com/office/drawing/2010/main">
+                <a:solidFill>
+                  <a:srgbClr val="FFFFFF"/>
+                </a:solidFill>
+              </a14:hiddenFill>
+            </a:ext>
+          </a:extLst>
+        </p:spPr>
+      </p:pic>
+    </p:spTree>
+  </p:cSld>
+  <p:clrMapOvr>
+    <a:masterClrMapping/>
+  </p:clrMapOvr>
+</p:sld>
+</file>
+
+<file path=ppt/slides/slide20.xml><?xml version="1.0" encoding="utf-8"?>
 <p:sld xmlns:a="http://schemas.openxmlformats.org/drawingml/2006/main" xmlns:r="http://schemas.openxmlformats.org/officeDocument/2006/relationships" xmlns:p="http://schemas.openxmlformats.org/presentationml/2006/main">
   <p:cSld>
     <p:spTree>
@@ -13581,7 +15012,7 @@
 </p:sld>
 </file>
 
-<file path=ppt/slides/slide18.xml><?xml version="1.0" encoding="utf-8"?>
+<file path=ppt/slides/slide21.xml><?xml version="1.0" encoding="utf-8"?>
 <p:sld xmlns:a="http://schemas.openxmlformats.org/drawingml/2006/main" xmlns:r="http://schemas.openxmlformats.org/officeDocument/2006/relationships" xmlns:p="http://schemas.openxmlformats.org/presentationml/2006/main">
   <p:cSld>
     <p:spTree>
@@ -13695,7 +15126,7 @@
 </p:sld>
 </file>
 
-<file path=ppt/slides/slide19.xml><?xml version="1.0" encoding="utf-8"?>
+<file path=ppt/slides/slide22.xml><?xml version="1.0" encoding="utf-8"?>
 <p:sld xmlns:a="http://schemas.openxmlformats.org/drawingml/2006/main" xmlns:r="http://schemas.openxmlformats.org/officeDocument/2006/relationships" xmlns:p="http://schemas.openxmlformats.org/presentationml/2006/main">
   <p:cSld>
     <p:spTree>
@@ -13791,7 +15222,7 @@
           </a:prstGeom>
           <a:ln w="92075">
             <a:solidFill>
-              <a:schemeClr val="bg1"/>
+              <a:schemeClr val="tx2"/>
             </a:solidFill>
             <a:tailEnd type="triangle"/>
           </a:ln>
@@ -13885,7 +15316,7 @@
           </a:prstGeom>
           <a:ln w="92075">
             <a:solidFill>
-              <a:schemeClr val="bg1"/>
+              <a:schemeClr val="tx2"/>
             </a:solidFill>
             <a:tailEnd type="triangle"/>
           </a:ln>
@@ -13958,7 +15389,7 @@
           </a:prstGeom>
           <a:ln w="92075">
             <a:solidFill>
-              <a:schemeClr val="bg1"/>
+              <a:schemeClr val="tx2"/>
             </a:solidFill>
             <a:tailEnd type="triangle"/>
           </a:ln>
@@ -14069,7 +15500,7 @@
           </a:prstGeom>
           <a:ln w="92075">
             <a:solidFill>
-              <a:schemeClr val="bg1"/>
+              <a:schemeClr val="tx2"/>
             </a:solidFill>
             <a:tailEnd type="triangle"/>
           </a:ln>
@@ -14149,673 +15580,7 @@
 </p:sld>
 </file>
 
-<file path=ppt/slides/slide2.xml><?xml version="1.0" encoding="utf-8"?>
-<p:sld xmlns:a="http://schemas.openxmlformats.org/drawingml/2006/main" xmlns:r="http://schemas.openxmlformats.org/officeDocument/2006/relationships" xmlns:p="http://schemas.openxmlformats.org/presentationml/2006/main">
-  <p:cSld>
-    <p:spTree>
-      <p:nvGrpSpPr>
-        <p:cNvPr id="1" name="Shape 346"/>
-        <p:cNvGrpSpPr/>
-        <p:nvPr/>
-      </p:nvGrpSpPr>
-      <p:grpSpPr>
-        <a:xfrm>
-          <a:off x="0" y="0"/>
-          <a:ext cx="0" cy="0"/>
-          <a:chOff x="0" y="0"/>
-          <a:chExt cx="0" cy="0"/>
-        </a:xfrm>
-      </p:grpSpPr>
-      <p:sp>
-        <p:nvSpPr>
-          <p:cNvPr id="347" name="Google Shape;347;p29"/>
-          <p:cNvSpPr txBox="1">
-            <a:spLocks noGrp="1"/>
-          </p:cNvSpPr>
-          <p:nvPr>
-            <p:ph type="title" idx="5"/>
-          </p:nvPr>
-        </p:nvSpPr>
-        <p:spPr>
-          <a:xfrm>
-            <a:off x="1278000" y="342000"/>
-            <a:ext cx="6588000" cy="669000"/>
-          </a:xfrm>
-          <a:prstGeom prst="rect">
-            <a:avLst/>
-          </a:prstGeom>
-        </p:spPr>
-        <p:txBody>
-          <a:bodyPr spcFirstLastPara="1" wrap="square" lIns="91425" tIns="91425" rIns="91425" bIns="91425" anchor="t" anchorCtr="0">
-            <a:noAutofit/>
-          </a:bodyPr>
-          <a:lstStyle/>
-          <a:p>
-            <a:pPr marL="0" lvl="0" indent="0" algn="ctr" rtl="0">
-              <a:spcBef>
-                <a:spcPts val="0"/>
-              </a:spcBef>
-              <a:spcAft>
-                <a:spcPts val="0"/>
-              </a:spcAft>
-              <a:buNone/>
-            </a:pPr>
-            <a:r>
-              <a:rPr lang="en" dirty="0"/>
-              <a:t>Tool </a:t>
-            </a:r>
-            <a:r>
-              <a:rPr lang="it-IT" dirty="0"/>
-              <a:t>consigliati</a:t>
-            </a:r>
-          </a:p>
-        </p:txBody>
-      </p:sp>
-      <p:sp>
-        <p:nvSpPr>
-          <p:cNvPr id="348" name="Google Shape;348;p29"/>
-          <p:cNvSpPr txBox="1">
-            <a:spLocks noGrp="1"/>
-          </p:cNvSpPr>
-          <p:nvPr>
-            <p:ph type="ctrTitle"/>
-          </p:nvPr>
-        </p:nvSpPr>
-        <p:spPr>
-          <a:xfrm flipH="1">
-            <a:off x="2189800" y="1848349"/>
-            <a:ext cx="2163900" cy="240900"/>
-          </a:xfrm>
-          <a:prstGeom prst="rect">
-            <a:avLst/>
-          </a:prstGeom>
-        </p:spPr>
-        <p:txBody>
-          <a:bodyPr spcFirstLastPara="1" wrap="square" lIns="91425" tIns="0" rIns="91425" bIns="0" anchor="b" anchorCtr="0">
-            <a:noAutofit/>
-          </a:bodyPr>
-          <a:lstStyle/>
-          <a:p>
-            <a:pPr marL="0" lvl="0" indent="0" algn="l" rtl="0">
-              <a:spcBef>
-                <a:spcPts val="0"/>
-              </a:spcBef>
-              <a:spcAft>
-                <a:spcPts val="0"/>
-              </a:spcAft>
-              <a:buNone/>
-            </a:pPr>
-            <a:r>
-              <a:rPr lang="en" sz="3500" b="1" dirty="0"/>
-              <a:t>01</a:t>
-            </a:r>
-            <a:endParaRPr sz="3500" b="1" dirty="0"/>
-          </a:p>
-        </p:txBody>
-      </p:sp>
-      <p:sp>
-        <p:nvSpPr>
-          <p:cNvPr id="349" name="Google Shape;349;p29"/>
-          <p:cNvSpPr txBox="1">
-            <a:spLocks noGrp="1"/>
-          </p:cNvSpPr>
-          <p:nvPr>
-            <p:ph type="subTitle" idx="1"/>
-          </p:nvPr>
-        </p:nvSpPr>
-        <p:spPr>
-          <a:xfrm flipH="1">
-            <a:off x="2189801" y="2162325"/>
-            <a:ext cx="2163900" cy="426600"/>
-          </a:xfrm>
-          <a:prstGeom prst="rect">
-            <a:avLst/>
-          </a:prstGeom>
-        </p:spPr>
-        <p:txBody>
-          <a:bodyPr spcFirstLastPara="1" wrap="square" lIns="91425" tIns="0" rIns="91425" bIns="0" anchor="t" anchorCtr="0">
-            <a:noAutofit/>
-          </a:bodyPr>
-          <a:lstStyle/>
-          <a:p>
-            <a:pPr marL="0" lvl="0" indent="0" algn="l" rtl="0">
-              <a:spcBef>
-                <a:spcPts val="0"/>
-              </a:spcBef>
-              <a:spcAft>
-                <a:spcPts val="0"/>
-              </a:spcAft>
-              <a:buNone/>
-            </a:pPr>
-            <a:r>
-              <a:rPr lang="en" sz="2200" b="1" dirty="0">
-                <a:latin typeface="Overpass Mono"/>
-                <a:ea typeface="Overpass Mono"/>
-                <a:cs typeface="Overpass Mono"/>
-                <a:sym typeface="Overpass Mono"/>
-              </a:rPr>
-              <a:t>XAMP</a:t>
-            </a:r>
-            <a:endParaRPr sz="2200" b="1" dirty="0">
-              <a:latin typeface="Overpass Mono"/>
-              <a:ea typeface="Overpass Mono"/>
-              <a:cs typeface="Overpass Mono"/>
-              <a:sym typeface="Overpass Mono"/>
-            </a:endParaRPr>
-          </a:p>
-        </p:txBody>
-      </p:sp>
-      <p:sp>
-        <p:nvSpPr>
-          <p:cNvPr id="350" name="Google Shape;350;p29"/>
-          <p:cNvSpPr txBox="1">
-            <a:spLocks noGrp="1"/>
-          </p:cNvSpPr>
-          <p:nvPr>
-            <p:ph type="ctrTitle" idx="2"/>
-          </p:nvPr>
-        </p:nvSpPr>
-        <p:spPr>
-          <a:xfrm flipH="1">
-            <a:off x="4811675" y="1848401"/>
-            <a:ext cx="2163900" cy="240900"/>
-          </a:xfrm>
-          <a:prstGeom prst="rect">
-            <a:avLst/>
-          </a:prstGeom>
-        </p:spPr>
-        <p:txBody>
-          <a:bodyPr spcFirstLastPara="1" wrap="square" lIns="91425" tIns="0" rIns="91425" bIns="0" anchor="b" anchorCtr="0">
-            <a:noAutofit/>
-          </a:bodyPr>
-          <a:lstStyle/>
-          <a:p>
-            <a:pPr marL="0" lvl="0" indent="0" algn="r" rtl="0">
-              <a:spcBef>
-                <a:spcPts val="0"/>
-              </a:spcBef>
-              <a:spcAft>
-                <a:spcPts val="0"/>
-              </a:spcAft>
-              <a:buNone/>
-            </a:pPr>
-            <a:r>
-              <a:rPr lang="en" sz="3500" b="1" dirty="0"/>
-              <a:t>03</a:t>
-            </a:r>
-            <a:endParaRPr sz="3500" b="1" dirty="0"/>
-          </a:p>
-        </p:txBody>
-      </p:sp>
-      <p:sp>
-        <p:nvSpPr>
-          <p:cNvPr id="352" name="Google Shape;352;p29"/>
-          <p:cNvSpPr txBox="1">
-            <a:spLocks noGrp="1"/>
-          </p:cNvSpPr>
-          <p:nvPr>
-            <p:ph type="ctrTitle" idx="6"/>
-          </p:nvPr>
-        </p:nvSpPr>
-        <p:spPr>
-          <a:xfrm flipH="1">
-            <a:off x="2189800" y="3258286"/>
-            <a:ext cx="2163900" cy="240900"/>
-          </a:xfrm>
-          <a:prstGeom prst="rect">
-            <a:avLst/>
-          </a:prstGeom>
-        </p:spPr>
-        <p:txBody>
-          <a:bodyPr spcFirstLastPara="1" wrap="square" lIns="91425" tIns="0" rIns="91425" bIns="0" anchor="b" anchorCtr="0">
-            <a:noAutofit/>
-          </a:bodyPr>
-          <a:lstStyle/>
-          <a:p>
-            <a:pPr marL="0" lvl="0" indent="0" algn="l" rtl="0">
-              <a:spcBef>
-                <a:spcPts val="0"/>
-              </a:spcBef>
-              <a:spcAft>
-                <a:spcPts val="0"/>
-              </a:spcAft>
-              <a:buNone/>
-            </a:pPr>
-            <a:r>
-              <a:rPr lang="en" dirty="0"/>
-              <a:t>02</a:t>
-            </a:r>
-            <a:endParaRPr dirty="0"/>
-          </a:p>
-        </p:txBody>
-      </p:sp>
-      <p:sp>
-        <p:nvSpPr>
-          <p:cNvPr id="354" name="Google Shape;354;p29"/>
-          <p:cNvSpPr txBox="1">
-            <a:spLocks noGrp="1"/>
-          </p:cNvSpPr>
-          <p:nvPr>
-            <p:ph type="ctrTitle" idx="8"/>
-          </p:nvPr>
-        </p:nvSpPr>
-        <p:spPr>
-          <a:xfrm flipH="1">
-            <a:off x="4811675" y="3258338"/>
-            <a:ext cx="2163900" cy="240900"/>
-          </a:xfrm>
-          <a:prstGeom prst="rect">
-            <a:avLst/>
-          </a:prstGeom>
-        </p:spPr>
-        <p:txBody>
-          <a:bodyPr spcFirstLastPara="1" wrap="square" lIns="91425" tIns="0" rIns="91425" bIns="0" anchor="b" anchorCtr="0">
-            <a:noAutofit/>
-          </a:bodyPr>
-          <a:lstStyle/>
-          <a:p>
-            <a:pPr marL="0" lvl="0" indent="0" algn="r" rtl="0">
-              <a:spcBef>
-                <a:spcPts val="0"/>
-              </a:spcBef>
-              <a:spcAft>
-                <a:spcPts val="0"/>
-              </a:spcAft>
-              <a:buNone/>
-            </a:pPr>
-            <a:r>
-              <a:rPr lang="en" dirty="0"/>
-              <a:t>04</a:t>
-            </a:r>
-            <a:endParaRPr dirty="0"/>
-          </a:p>
-        </p:txBody>
-      </p:sp>
-      <p:sp>
-        <p:nvSpPr>
-          <p:cNvPr id="355" name="Google Shape;355;p29"/>
-          <p:cNvSpPr txBox="1">
-            <a:spLocks noGrp="1"/>
-          </p:cNvSpPr>
-          <p:nvPr>
-            <p:ph type="subTitle" idx="9"/>
-          </p:nvPr>
-        </p:nvSpPr>
-        <p:spPr>
-          <a:xfrm flipH="1">
-            <a:off x="4811675" y="3573468"/>
-            <a:ext cx="2163900" cy="426600"/>
-          </a:xfrm>
-          <a:prstGeom prst="rect">
-            <a:avLst/>
-          </a:prstGeom>
-        </p:spPr>
-        <p:txBody>
-          <a:bodyPr spcFirstLastPara="1" wrap="square" lIns="91425" tIns="0" rIns="91425" bIns="0" anchor="t" anchorCtr="0">
-            <a:noAutofit/>
-          </a:bodyPr>
-          <a:lstStyle/>
-          <a:p>
-            <a:pPr marL="0" lvl="0" indent="0" algn="r" rtl="0">
-              <a:spcBef>
-                <a:spcPts val="0"/>
-              </a:spcBef>
-              <a:spcAft>
-                <a:spcPts val="0"/>
-              </a:spcAft>
-              <a:buNone/>
-            </a:pPr>
-            <a:r>
-              <a:rPr lang="it-IT" dirty="0"/>
-              <a:t>Composer</a:t>
-            </a:r>
-            <a:endParaRPr dirty="0"/>
-          </a:p>
-          <a:p>
-            <a:pPr marL="0" lvl="0" indent="0" algn="r" rtl="0">
-              <a:spcBef>
-                <a:spcPts val="0"/>
-              </a:spcBef>
-              <a:spcAft>
-                <a:spcPts val="0"/>
-              </a:spcAft>
-              <a:buNone/>
-            </a:pPr>
-            <a:endParaRPr dirty="0"/>
-          </a:p>
-          <a:p>
-            <a:pPr marL="0" lvl="0" indent="0" algn="r" rtl="0">
-              <a:spcBef>
-                <a:spcPts val="0"/>
-              </a:spcBef>
-              <a:spcAft>
-                <a:spcPts val="0"/>
-              </a:spcAft>
-              <a:buNone/>
-            </a:pPr>
-            <a:endParaRPr dirty="0"/>
-          </a:p>
-        </p:txBody>
-      </p:sp>
-      <p:sp>
-        <p:nvSpPr>
-          <p:cNvPr id="5" name="Google Shape;351;p29">
-            <a:extLst>
-              <a:ext uri="{FF2B5EF4-FFF2-40B4-BE49-F238E27FC236}">
-                <a16:creationId xmlns:a16="http://schemas.microsoft.com/office/drawing/2014/main" id="{2E6D11A8-D4DF-4DED-0DCB-B71A126A99D8}"/>
-              </a:ext>
-            </a:extLst>
-          </p:cNvPr>
-          <p:cNvSpPr txBox="1">
-            <a:spLocks noGrp="1"/>
-          </p:cNvSpPr>
-          <p:nvPr>
-            <p:ph type="subTitle" idx="7"/>
-          </p:nvPr>
-        </p:nvSpPr>
-        <p:spPr>
-          <a:xfrm flipH="1">
-            <a:off x="1554479" y="3571875"/>
-            <a:ext cx="1930569" cy="669000"/>
-          </a:xfrm>
-          <a:prstGeom prst="rect">
-            <a:avLst/>
-          </a:prstGeom>
-        </p:spPr>
-        <p:txBody>
-          <a:bodyPr spcFirstLastPara="1" wrap="square" lIns="91425" tIns="0" rIns="91425" bIns="0" anchor="t" anchorCtr="0">
-            <a:noAutofit/>
-          </a:bodyPr>
-          <a:lstStyle/>
-          <a:p>
-            <a:pPr marL="0" indent="0"/>
-            <a:r>
-              <a:rPr lang="it-IT" b="1" dirty="0" err="1"/>
-              <a:t>Php</a:t>
-            </a:r>
-            <a:r>
-              <a:rPr lang="it-IT" dirty="0" err="1"/>
-              <a:t>Storm</a:t>
-            </a:r>
-            <a:r>
-              <a:rPr lang="it-IT" dirty="0"/>
-              <a:t> o VSC</a:t>
-            </a:r>
-            <a:endParaRPr lang="it-IT" b="1" dirty="0"/>
-          </a:p>
-          <a:p>
-            <a:pPr marL="0" lvl="0" indent="0" algn="r" rtl="0">
-              <a:spcBef>
-                <a:spcPts val="0"/>
-              </a:spcBef>
-              <a:spcAft>
-                <a:spcPts val="0"/>
-              </a:spcAft>
-              <a:buNone/>
-            </a:pPr>
-            <a:endParaRPr sz="2200" b="1" dirty="0">
-              <a:latin typeface="Overpass Mono"/>
-              <a:ea typeface="Overpass Mono"/>
-              <a:cs typeface="Overpass Mono"/>
-              <a:sym typeface="Overpass Mono"/>
-            </a:endParaRPr>
-          </a:p>
-        </p:txBody>
-      </p:sp>
-      <p:sp>
-        <p:nvSpPr>
-          <p:cNvPr id="6" name="Google Shape;351;p29">
-            <a:extLst>
-              <a:ext uri="{FF2B5EF4-FFF2-40B4-BE49-F238E27FC236}">
-                <a16:creationId xmlns:a16="http://schemas.microsoft.com/office/drawing/2014/main" id="{892E86BA-9C8F-C4B8-CDF0-C7BC070B1C51}"/>
-              </a:ext>
-            </a:extLst>
-          </p:cNvPr>
-          <p:cNvSpPr txBox="1">
-            <a:spLocks noGrp="1"/>
-          </p:cNvSpPr>
-          <p:nvPr>
-            <p:ph type="subTitle" idx="3"/>
-          </p:nvPr>
-        </p:nvSpPr>
-        <p:spPr>
-          <a:xfrm flipH="1">
-            <a:off x="4811675" y="2163531"/>
-            <a:ext cx="2486592" cy="426600"/>
-          </a:xfrm>
-          <a:prstGeom prst="rect">
-            <a:avLst/>
-          </a:prstGeom>
-        </p:spPr>
-        <p:txBody>
-          <a:bodyPr spcFirstLastPara="1" wrap="square" lIns="91425" tIns="0" rIns="91425" bIns="0" anchor="t" anchorCtr="0">
-            <a:noAutofit/>
-          </a:bodyPr>
-          <a:lstStyle/>
-          <a:p>
-            <a:pPr marL="0" indent="0"/>
-            <a:r>
-              <a:rPr lang="it-IT" b="1" dirty="0" err="1"/>
-              <a:t>Php</a:t>
-            </a:r>
-            <a:endParaRPr lang="it-IT" b="1" dirty="0"/>
-          </a:p>
-          <a:p>
-            <a:pPr marL="0" lvl="0" indent="0" algn="r" rtl="0">
-              <a:spcBef>
-                <a:spcPts val="0"/>
-              </a:spcBef>
-              <a:spcAft>
-                <a:spcPts val="0"/>
-              </a:spcAft>
-              <a:buNone/>
-            </a:pPr>
-            <a:endParaRPr sz="2200" b="1" dirty="0">
-              <a:latin typeface="Overpass Mono"/>
-              <a:ea typeface="Overpass Mono"/>
-              <a:cs typeface="Overpass Mono"/>
-              <a:sym typeface="Overpass Mono"/>
-            </a:endParaRPr>
-          </a:p>
-        </p:txBody>
-      </p:sp>
-      <p:pic>
-        <p:nvPicPr>
-          <p:cNvPr id="1026" name="Picture 2" descr="XAMPP">
-            <a:extLst>
-              <a:ext uri="{FF2B5EF4-FFF2-40B4-BE49-F238E27FC236}">
-                <a16:creationId xmlns:a16="http://schemas.microsoft.com/office/drawing/2014/main" id="{01B7F1DC-27B0-031C-14F8-AF9925FE7F23}"/>
-              </a:ext>
-            </a:extLst>
-          </p:cNvPr>
-          <p:cNvPicPr>
-            <a:picLocks noChangeAspect="1" noChangeArrowheads="1"/>
-          </p:cNvPicPr>
-          <p:nvPr/>
-        </p:nvPicPr>
-        <p:blipFill>
-          <a:blip r:embed="rId3">
-            <a:extLst>
-              <a:ext uri="{28A0092B-C50C-407E-A947-70E740481C1C}">
-                <a14:useLocalDpi xmlns:a14="http://schemas.microsoft.com/office/drawing/2010/main" val="0"/>
-              </a:ext>
-            </a:extLst>
-          </a:blip>
-          <a:srcRect/>
-          <a:stretch>
-            <a:fillRect/>
-          </a:stretch>
-        </p:blipFill>
-        <p:spPr bwMode="auto">
-          <a:xfrm>
-            <a:off x="3058450" y="2089249"/>
-            <a:ext cx="426600" cy="426600"/>
-          </a:xfrm>
-          <a:prstGeom prst="rect">
-            <a:avLst/>
-          </a:prstGeom>
-          <a:noFill/>
-          <a:extLst>
-            <a:ext uri="{909E8E84-426E-40DD-AFC4-6F175D3DCCD1}">
-              <a14:hiddenFill xmlns:a14="http://schemas.microsoft.com/office/drawing/2010/main">
-                <a:solidFill>
-                  <a:srgbClr val="FFFFFF"/>
-                </a:solidFill>
-              </a14:hiddenFill>
-            </a:ext>
-          </a:extLst>
-        </p:spPr>
-      </p:pic>
-      <p:pic>
-        <p:nvPicPr>
-          <p:cNvPr id="2050" name="Picture 2" descr="Cómo instalar PHP 8 en Ubuntu 18.04 LTS">
-            <a:extLst>
-              <a:ext uri="{FF2B5EF4-FFF2-40B4-BE49-F238E27FC236}">
-                <a16:creationId xmlns:a16="http://schemas.microsoft.com/office/drawing/2014/main" id="{7623B442-2861-6440-185F-5ADDFCFF53CA}"/>
-              </a:ext>
-            </a:extLst>
-          </p:cNvPr>
-          <p:cNvPicPr>
-            <a:picLocks noChangeAspect="1" noChangeArrowheads="1"/>
-          </p:cNvPicPr>
-          <p:nvPr/>
-        </p:nvPicPr>
-        <p:blipFill>
-          <a:blip r:embed="rId4">
-            <a:extLst>
-              <a:ext uri="{28A0092B-C50C-407E-A947-70E740481C1C}">
-                <a14:useLocalDpi xmlns:a14="http://schemas.microsoft.com/office/drawing/2010/main" val="0"/>
-              </a:ext>
-            </a:extLst>
-          </a:blip>
-          <a:srcRect/>
-          <a:stretch>
-            <a:fillRect/>
-          </a:stretch>
-        </p:blipFill>
-        <p:spPr bwMode="auto">
-          <a:xfrm>
-            <a:off x="7322090" y="2081715"/>
-            <a:ext cx="658563" cy="370442"/>
-          </a:xfrm>
-          <a:prstGeom prst="rect">
-            <a:avLst/>
-          </a:prstGeom>
-          <a:noFill/>
-          <a:extLst>
-            <a:ext uri="{909E8E84-426E-40DD-AFC4-6F175D3DCCD1}">
-              <a14:hiddenFill xmlns:a14="http://schemas.microsoft.com/office/drawing/2010/main">
-                <a:solidFill>
-                  <a:srgbClr val="FFFFFF"/>
-                </a:solidFill>
-              </a14:hiddenFill>
-            </a:ext>
-          </a:extLst>
-        </p:spPr>
-      </p:pic>
-      <p:pic>
-        <p:nvPicPr>
-          <p:cNvPr id="2052" name="Picture 4" descr="Your free PHPStorm Licence">
-            <a:extLst>
-              <a:ext uri="{FF2B5EF4-FFF2-40B4-BE49-F238E27FC236}">
-                <a16:creationId xmlns:a16="http://schemas.microsoft.com/office/drawing/2014/main" id="{0D81BBF5-4944-49C1-B643-CD539D76E0AA}"/>
-              </a:ext>
-            </a:extLst>
-          </p:cNvPr>
-          <p:cNvPicPr>
-            <a:picLocks noChangeAspect="1" noChangeArrowheads="1"/>
-          </p:cNvPicPr>
-          <p:nvPr/>
-        </p:nvPicPr>
-        <p:blipFill>
-          <a:blip r:embed="rId5">
-            <a:extLst>
-              <a:ext uri="{28A0092B-C50C-407E-A947-70E740481C1C}">
-                <a14:useLocalDpi xmlns:a14="http://schemas.microsoft.com/office/drawing/2010/main" val="0"/>
-              </a:ext>
-            </a:extLst>
-          </a:blip>
-          <a:srcRect/>
-          <a:stretch>
-            <a:fillRect/>
-          </a:stretch>
-        </p:blipFill>
-        <p:spPr bwMode="auto">
-          <a:xfrm>
-            <a:off x="3100750" y="3866443"/>
-            <a:ext cx="384298" cy="384298"/>
-          </a:xfrm>
-          <a:prstGeom prst="rect">
-            <a:avLst/>
-          </a:prstGeom>
-          <a:noFill/>
-          <a:extLst>
-            <a:ext uri="{909E8E84-426E-40DD-AFC4-6F175D3DCCD1}">
-              <a14:hiddenFill xmlns:a14="http://schemas.microsoft.com/office/drawing/2010/main">
-                <a:solidFill>
-                  <a:srgbClr val="FFFFFF"/>
-                </a:solidFill>
-              </a14:hiddenFill>
-            </a:ext>
-          </a:extLst>
-        </p:spPr>
-      </p:pic>
-      <p:pic>
-        <p:nvPicPr>
-          <p:cNvPr id="2054" name="Picture 6">
-            <a:extLst>
-              <a:ext uri="{FF2B5EF4-FFF2-40B4-BE49-F238E27FC236}">
-                <a16:creationId xmlns:a16="http://schemas.microsoft.com/office/drawing/2014/main" id="{02CEA8D0-D268-8DB0-AA41-194734292C5D}"/>
-              </a:ext>
-            </a:extLst>
-          </p:cNvPr>
-          <p:cNvPicPr>
-            <a:picLocks noChangeAspect="1" noChangeArrowheads="1"/>
-          </p:cNvPicPr>
-          <p:nvPr/>
-        </p:nvPicPr>
-        <p:blipFill>
-          <a:blip r:embed="rId6">
-            <a:extLst>
-              <a:ext uri="{28A0092B-C50C-407E-A947-70E740481C1C}">
-                <a14:useLocalDpi xmlns:a14="http://schemas.microsoft.com/office/drawing/2010/main" val="0"/>
-              </a:ext>
-            </a:extLst>
-          </a:blip>
-          <a:srcRect/>
-          <a:stretch>
-            <a:fillRect/>
-          </a:stretch>
-        </p:blipFill>
-        <p:spPr bwMode="auto">
-          <a:xfrm flipH="1">
-            <a:off x="7378885" y="3452268"/>
-            <a:ext cx="544972" cy="669000"/>
-          </a:xfrm>
-          <a:prstGeom prst="rect">
-            <a:avLst/>
-          </a:prstGeom>
-          <a:noFill/>
-          <a:extLst>
-            <a:ext uri="{909E8E84-426E-40DD-AFC4-6F175D3DCCD1}">
-              <a14:hiddenFill xmlns:a14="http://schemas.microsoft.com/office/drawing/2010/main">
-                <a:solidFill>
-                  <a:srgbClr val="FFFFFF"/>
-                </a:solidFill>
-              </a14:hiddenFill>
-            </a:ext>
-          </a:extLst>
-        </p:spPr>
-      </p:pic>
-    </p:spTree>
-  </p:cSld>
-  <p:clrMapOvr>
-    <a:masterClrMapping/>
-  </p:clrMapOvr>
-</p:sld>
-</file>
-
-<file path=ppt/slides/slide20.xml><?xml version="1.0" encoding="utf-8"?>
+<file path=ppt/slides/slide23.xml><?xml version="1.0" encoding="utf-8"?>
 <p:sld xmlns:a="http://schemas.openxmlformats.org/drawingml/2006/main" xmlns:r="http://schemas.openxmlformats.org/officeDocument/2006/relationships" xmlns:p="http://schemas.openxmlformats.org/presentationml/2006/main">
   <p:cSld>
     <p:bg>
@@ -14888,7 +15653,7 @@
           </a:prstGeom>
           <a:ln w="92075">
             <a:solidFill>
-              <a:schemeClr val="bg1"/>
+              <a:schemeClr val="tx2"/>
             </a:solidFill>
             <a:tailEnd type="triangle"/>
           </a:ln>
@@ -15001,7 +15766,7 @@
                   <a:schemeClr val="bg1"/>
                 </a:solidFill>
               </a:rPr>
-              <a:t> semi
+              <a:t> seeder
 </a:t>
             </a:r>
             <a:endParaRPr lang="en-US" sz="1050" dirty="0">
@@ -15028,7 +15793,7 @@
           </a:prstGeom>
           <a:ln w="92075">
             <a:solidFill>
-              <a:schemeClr val="bg1"/>
+              <a:schemeClr val="tx2"/>
             </a:solidFill>
             <a:tailEnd type="triangle"/>
           </a:ln>
@@ -15356,7 +16121,7 @@
           </a:prstGeom>
           <a:ln w="92075">
             <a:solidFill>
-              <a:schemeClr val="bg1"/>
+              <a:schemeClr val="tx2"/>
             </a:solidFill>
             <a:tailEnd type="triangle"/>
           </a:ln>
@@ -15588,7 +16353,7 @@
           </a:prstGeom>
           <a:ln w="92075">
             <a:solidFill>
-              <a:schemeClr val="bg1"/>
+              <a:schemeClr val="tx2"/>
             </a:solidFill>
             <a:tailEnd type="triangle"/>
           </a:ln>
@@ -15723,7 +16488,7 @@
           </a:prstGeom>
           <a:ln w="92075">
             <a:solidFill>
-              <a:schemeClr val="bg1"/>
+              <a:schemeClr val="tx2"/>
             </a:solidFill>
             <a:tailEnd type="triangle"/>
           </a:ln>
@@ -15874,7 +16639,7 @@
           </a:prstGeom>
           <a:ln w="92075">
             <a:solidFill>
-              <a:schemeClr val="bg1"/>
+              <a:schemeClr val="tx2"/>
             </a:solidFill>
             <a:tailEnd type="triangle"/>
           </a:ln>
@@ -16050,7 +16815,7 @@
 </p:sld>
 </file>
 
-<file path=ppt/slides/slide21.xml><?xml version="1.0" encoding="utf-8"?>
+<file path=ppt/slides/slide24.xml><?xml version="1.0" encoding="utf-8"?>
 <p:sld xmlns:a="http://schemas.openxmlformats.org/drawingml/2006/main" xmlns:r="http://schemas.openxmlformats.org/officeDocument/2006/relationships" xmlns:p="http://schemas.openxmlformats.org/presentationml/2006/main">
   <p:cSld>
     <p:spTree>
@@ -16089,7 +16854,7 @@
           <a:p>
             <a:r>
               <a:rPr lang="en-US" dirty="0"/>
-              <a:t>  Artisan !</a:t>
+              <a:t>  Artisan!</a:t>
             </a:r>
           </a:p>
         </p:txBody>
@@ -16286,7 +17051,7 @@
 </p:sld>
 </file>
 
-<file path=ppt/slides/slide22.xml><?xml version="1.0" encoding="utf-8"?>
+<file path=ppt/slides/slide25.xml><?xml version="1.0" encoding="utf-8"?>
 <p:sld xmlns:a="http://schemas.openxmlformats.org/drawingml/2006/main" xmlns:r="http://schemas.openxmlformats.org/officeDocument/2006/relationships" xmlns:p="http://schemas.openxmlformats.org/presentationml/2006/main">
   <p:cSld>
     <p:spTree>
@@ -16572,7 +17337,7 @@
 </p:sld>
 </file>
 
-<file path=ppt/slides/slide23.xml><?xml version="1.0" encoding="utf-8"?>
+<file path=ppt/slides/slide26.xml><?xml version="1.0" encoding="utf-8"?>
 <p:sld xmlns:a="http://schemas.openxmlformats.org/drawingml/2006/main" xmlns:r="http://schemas.openxmlformats.org/officeDocument/2006/relationships" xmlns:p="http://schemas.openxmlformats.org/presentationml/2006/main">
   <p:cSld>
     <p:spTree>
@@ -16671,7 +17436,7 @@
 </p:sld>
 </file>
 
-<file path=ppt/slides/slide24.xml><?xml version="1.0" encoding="utf-8"?>
+<file path=ppt/slides/slide27.xml><?xml version="1.0" encoding="utf-8"?>
 <p:sld xmlns:a="http://schemas.openxmlformats.org/drawingml/2006/main" xmlns:r="http://schemas.openxmlformats.org/officeDocument/2006/relationships" xmlns:p="http://schemas.openxmlformats.org/presentationml/2006/main">
   <p:cSld>
     <p:spTree>
@@ -16701,7 +17466,7 @@
         <p:spPr>
           <a:xfrm>
             <a:off x="1" y="1"/>
-            <a:ext cx="9143999" cy="1276755"/>
+            <a:ext cx="9143999" cy="914399"/>
           </a:xfrm>
         </p:spPr>
         <p:txBody>
@@ -16727,8 +17492,8 @@
         </p:nvSpPr>
         <p:spPr>
           <a:xfrm>
-            <a:off x="1176687" y="493776"/>
-            <a:ext cx="3526931" cy="4261104"/>
+            <a:off x="0" y="914400"/>
+            <a:ext cx="3971783" cy="3981621"/>
           </a:xfrm>
         </p:spPr>
         <p:txBody>
@@ -17005,7 +17770,10 @@
               <a:rPr lang="en-US" sz="1500" dirty="0" err="1"/>
               <a:t>generato</a:t>
             </a:r>
-            <a:endParaRPr lang="en-US" sz="1500" dirty="0"/>
+            <a:r>
+              <a:rPr lang="en-US" sz="1500" dirty="0"/>
+              <a:t>.</a:t>
+            </a:r>
           </a:p>
           <a:p>
             <a:pPr lvl="0"/>
@@ -17035,7 +17803,7 @@
         </p:blipFill>
         <p:spPr>
           <a:xfrm>
-            <a:off x="4823491" y="1276756"/>
+            <a:off x="4572000" y="1221591"/>
             <a:ext cx="4320509" cy="2700318"/>
           </a:xfrm>
           <a:prstGeom prst="rect">
@@ -17068,7 +17836,7 @@
 </p:sld>
 </file>
 
-<file path=ppt/slides/slide25.xml><?xml version="1.0" encoding="utf-8"?>
+<file path=ppt/slides/slide28.xml><?xml version="1.0" encoding="utf-8"?>
 <p:sld xmlns:a="http://schemas.openxmlformats.org/drawingml/2006/main" xmlns:r="http://schemas.openxmlformats.org/officeDocument/2006/relationships" xmlns:p="http://schemas.openxmlformats.org/presentationml/2006/main">
   <p:cSld>
     <p:spTree>
@@ -17391,7 +18159,7 @@
 </p:sld>
 </file>
 
-<file path=ppt/slides/slide26.xml><?xml version="1.0" encoding="utf-8"?>
+<file path=ppt/slides/slide29.xml><?xml version="1.0" encoding="utf-8"?>
 <p:sld xmlns:a="http://schemas.openxmlformats.org/drawingml/2006/main" xmlns:r="http://schemas.openxmlformats.org/officeDocument/2006/relationships" xmlns:p="http://schemas.openxmlformats.org/presentationml/2006/main">
   <p:cSld>
     <p:spTree>
@@ -17459,8 +18227,36 @@
           <a:p>
             <a:pPr lvl="0"/>
             <a:r>
+              <a:rPr lang="en-US" sz="1500" dirty="0" err="1"/>
+              <a:t>L'Eloquent</a:t>
+            </a:r>
+            <a:r>
               <a:rPr lang="en-US" sz="1500" dirty="0"/>
-              <a:t>The Eloquent ORM (Object-relational mapping) provides simple </a:t>
+              <a:t> ORM (Object-relational mapping) </a:t>
+            </a:r>
+            <a:r>
+              <a:rPr lang="en-US" sz="1500" dirty="0" err="1"/>
+              <a:t>fornisce</a:t>
+            </a:r>
+            <a:r>
+              <a:rPr lang="en-US" sz="1500" dirty="0"/>
+              <a:t> </a:t>
+            </a:r>
+            <a:r>
+              <a:rPr lang="en-US" sz="1500" dirty="0" err="1"/>
+              <a:t>una</a:t>
+            </a:r>
+            <a:r>
+              <a:rPr lang="en-US" sz="1500" dirty="0"/>
+              <a:t> semplice </a:t>
+            </a:r>
+            <a:r>
+              <a:rPr lang="en-US" sz="1500" dirty="0" err="1"/>
+              <a:t>implementazione</a:t>
+            </a:r>
+            <a:r>
+              <a:rPr lang="en-US" sz="1500" dirty="0"/>
+              <a:t> di </a:t>
             </a:r>
             <a:r>
               <a:rPr lang="en-US" sz="1500" dirty="0" err="1"/>
@@ -17468,7 +18264,15 @@
             </a:r>
             <a:r>
               <a:rPr lang="en-US" sz="1500" dirty="0"/>
-              <a:t> implementation for working with the database </a:t>
+              <a:t> per </a:t>
+            </a:r>
+            <a:r>
+              <a:rPr lang="en-US" sz="1500" dirty="0" err="1"/>
+              <a:t>l'utilizzo</a:t>
+            </a:r>
+            <a:r>
+              <a:rPr lang="en-US" sz="1500" dirty="0"/>
+              <a:t> del database </a:t>
             </a:r>
           </a:p>
         </p:txBody>
@@ -18124,7 +18928,144 @@
 </p:sld>
 </file>
 
-<file path=ppt/slides/slide27.xml><?xml version="1.0" encoding="utf-8"?>
+<file path=ppt/slides/slide3.xml><?xml version="1.0" encoding="utf-8"?>
+<p:sld xmlns:a="http://schemas.openxmlformats.org/drawingml/2006/main" xmlns:r="http://schemas.openxmlformats.org/officeDocument/2006/relationships" xmlns:p="http://schemas.openxmlformats.org/presentationml/2006/main">
+  <p:cSld>
+    <p:spTree>
+      <p:nvGrpSpPr>
+        <p:cNvPr id="1" name=""/>
+        <p:cNvGrpSpPr/>
+        <p:nvPr/>
+      </p:nvGrpSpPr>
+      <p:grpSpPr>
+        <a:xfrm>
+          <a:off x="0" y="0"/>
+          <a:ext cx="0" cy="0"/>
+          <a:chOff x="0" y="0"/>
+          <a:chExt cx="0" cy="0"/>
+        </a:xfrm>
+      </p:grpSpPr>
+      <p:sp>
+        <p:nvSpPr>
+          <p:cNvPr id="2" name="Sottotitolo 1">
+            <a:extLst>
+              <a:ext uri="{FF2B5EF4-FFF2-40B4-BE49-F238E27FC236}">
+                <a16:creationId xmlns:a16="http://schemas.microsoft.com/office/drawing/2014/main" id="{F36C5811-13FA-963B-38A2-213F1DC2A976}"/>
+              </a:ext>
+            </a:extLst>
+          </p:cNvPr>
+          <p:cNvSpPr>
+            <a:spLocks noGrp="1"/>
+          </p:cNvSpPr>
+          <p:nvPr>
+            <p:ph type="subTitle" idx="1"/>
+          </p:nvPr>
+        </p:nvSpPr>
+        <p:spPr>
+          <a:xfrm flipH="1">
+            <a:off x="720000" y="1414731"/>
+            <a:ext cx="7704000" cy="3011643"/>
+          </a:xfrm>
+        </p:spPr>
+        <p:txBody>
+          <a:bodyPr/>
+          <a:lstStyle/>
+          <a:p>
+            <a:r>
+              <a:rPr lang="it-IT" sz="2000" dirty="0" err="1"/>
+              <a:t>Laravel</a:t>
+            </a:r>
+            <a:r>
+              <a:rPr lang="it-IT" sz="2000" dirty="0"/>
+              <a:t> è un framework PHP open-source utilizzato per lo sviluppo di applicazioni web. Fornisce un insieme di strumenti e librerie per facilitare la creazione di progetti, tra cui un sistema di </a:t>
+            </a:r>
+            <a:r>
+              <a:rPr lang="it-IT" sz="2000" dirty="0" err="1"/>
+              <a:t>routing</a:t>
+            </a:r>
+            <a:r>
+              <a:rPr lang="it-IT" sz="2000" dirty="0"/>
+              <a:t>, un motore di template, un sistema di gestione delle query e un sistema di gestione delle transazioni. </a:t>
+            </a:r>
+          </a:p>
+          <a:p>
+            <a:endParaRPr lang="it-IT" sz="2000" dirty="0"/>
+          </a:p>
+          <a:p>
+            <a:r>
+              <a:rPr lang="it-IT" sz="2000" dirty="0" err="1"/>
+              <a:t>Laravel</a:t>
+            </a:r>
+            <a:r>
+              <a:rPr lang="it-IT" sz="2000" dirty="0"/>
+              <a:t> utilizza anche il pattern architetturale MVC (Model-</a:t>
+            </a:r>
+            <a:r>
+              <a:rPr lang="it-IT" sz="2000" dirty="0" err="1"/>
+              <a:t>View</a:t>
+            </a:r>
+            <a:r>
+              <a:rPr lang="it-IT" sz="2000" dirty="0"/>
+              <a:t>-Controller) per organizzare il codice e separare la logica di business dalla presentazione.</a:t>
+            </a:r>
+          </a:p>
+        </p:txBody>
+      </p:sp>
+      <p:sp>
+        <p:nvSpPr>
+          <p:cNvPr id="3" name="Titolo 2">
+            <a:extLst>
+              <a:ext uri="{FF2B5EF4-FFF2-40B4-BE49-F238E27FC236}">
+                <a16:creationId xmlns:a16="http://schemas.microsoft.com/office/drawing/2014/main" id="{7C241545-EA7D-D838-2117-27B3F56E9BC4}"/>
+              </a:ext>
+            </a:extLst>
+          </p:cNvPr>
+          <p:cNvSpPr>
+            <a:spLocks noGrp="1"/>
+          </p:cNvSpPr>
+          <p:nvPr>
+            <p:ph type="title"/>
+          </p:nvPr>
+        </p:nvSpPr>
+        <p:spPr>
+          <a:xfrm>
+            <a:off x="1278050" y="343199"/>
+            <a:ext cx="6588000" cy="1071531"/>
+          </a:xfrm>
+        </p:spPr>
+        <p:txBody>
+          <a:bodyPr/>
+          <a:lstStyle/>
+          <a:p>
+            <a:r>
+              <a:rPr lang="it-IT" dirty="0"/>
+              <a:t>Cos’è </a:t>
+            </a:r>
+            <a:r>
+              <a:rPr lang="it-IT" dirty="0" err="1"/>
+              <a:t>laravel</a:t>
+            </a:r>
+            <a:r>
+              <a:rPr lang="it-IT" dirty="0"/>
+              <a:t>?</a:t>
+            </a:r>
+          </a:p>
+        </p:txBody>
+      </p:sp>
+    </p:spTree>
+    <p:extLst>
+      <p:ext uri="{BB962C8B-B14F-4D97-AF65-F5344CB8AC3E}">
+        <p14:creationId xmlns:p14="http://schemas.microsoft.com/office/powerpoint/2010/main" val="210542968"/>
+      </p:ext>
+    </p:extLst>
+  </p:cSld>
+  <p:clrMapOvr>
+    <a:masterClrMapping/>
+  </p:clrMapOvr>
+</p:sld>
+</file>
+
+<file path=ppt/slides/slide30.xml><?xml version="1.0" encoding="utf-8"?>
 <p:sld xmlns:a="http://schemas.openxmlformats.org/drawingml/2006/main" xmlns:r="http://schemas.openxmlformats.org/officeDocument/2006/relationships" xmlns:p="http://schemas.openxmlformats.org/presentationml/2006/main">
   <p:cSld>
     <p:bg>
@@ -18402,7 +19343,7 @@
 </p:sld>
 </file>
 
-<file path=ppt/slides/slide28.xml><?xml version="1.0" encoding="utf-8"?>
+<file path=ppt/slides/slide31.xml><?xml version="1.0" encoding="utf-8"?>
 <p:sld xmlns:a="http://schemas.openxmlformats.org/drawingml/2006/main" xmlns:r="http://schemas.openxmlformats.org/officeDocument/2006/relationships" xmlns:p="http://schemas.openxmlformats.org/presentationml/2006/main">
   <p:cSld>
     <p:spTree>
@@ -19183,7 +20124,7 @@
 </p:sld>
 </file>
 
-<file path=ppt/slides/slide29.xml><?xml version="1.0" encoding="utf-8"?>
+<file path=ppt/slides/slide32.xml><?xml version="1.0" encoding="utf-8"?>
 <p:sld xmlns:a="http://schemas.openxmlformats.org/drawingml/2006/main" xmlns:r="http://schemas.openxmlformats.org/officeDocument/2006/relationships" xmlns:p="http://schemas.openxmlformats.org/presentationml/2006/main">
   <p:cSld>
     <p:spTree>
@@ -19776,139 +20717,7 @@
 </p:sld>
 </file>
 
-<file path=ppt/slides/slide3.xml><?xml version="1.0" encoding="utf-8"?>
-<p:sld xmlns:a="http://schemas.openxmlformats.org/drawingml/2006/main" xmlns:r="http://schemas.openxmlformats.org/officeDocument/2006/relationships" xmlns:p="http://schemas.openxmlformats.org/presentationml/2006/main">
-  <p:cSld>
-    <p:spTree>
-      <p:nvGrpSpPr>
-        <p:cNvPr id="1" name=""/>
-        <p:cNvGrpSpPr/>
-        <p:nvPr/>
-      </p:nvGrpSpPr>
-      <p:grpSpPr>
-        <a:xfrm>
-          <a:off x="0" y="0"/>
-          <a:ext cx="0" cy="0"/>
-          <a:chOff x="0" y="0"/>
-          <a:chExt cx="0" cy="0"/>
-        </a:xfrm>
-      </p:grpSpPr>
-      <p:sp>
-        <p:nvSpPr>
-          <p:cNvPr id="2" name="Sottotitolo 1">
-            <a:extLst>
-              <a:ext uri="{FF2B5EF4-FFF2-40B4-BE49-F238E27FC236}">
-                <a16:creationId xmlns:a16="http://schemas.microsoft.com/office/drawing/2014/main" id="{F36C5811-13FA-963B-38A2-213F1DC2A976}"/>
-              </a:ext>
-            </a:extLst>
-          </p:cNvPr>
-          <p:cNvSpPr>
-            <a:spLocks noGrp="1"/>
-          </p:cNvSpPr>
-          <p:nvPr>
-            <p:ph type="subTitle" idx="1"/>
-          </p:nvPr>
-        </p:nvSpPr>
-        <p:spPr>
-          <a:xfrm flipH="1">
-            <a:off x="720000" y="1414731"/>
-            <a:ext cx="7704000" cy="3011643"/>
-          </a:xfrm>
-        </p:spPr>
-        <p:txBody>
-          <a:bodyPr/>
-          <a:lstStyle/>
-          <a:p>
-            <a:r>
-              <a:rPr lang="it-IT" dirty="0" err="1"/>
-              <a:t>Laravel</a:t>
-            </a:r>
-            <a:r>
-              <a:rPr lang="it-IT" dirty="0"/>
-              <a:t> è un framework PHP open-source utilizzato per lo sviluppo di applicazioni web. Fornisce un insieme di strumenti e librerie per facilitare la creazione di progetti, tra cui un sistema di </a:t>
-            </a:r>
-            <a:r>
-              <a:rPr lang="it-IT" dirty="0" err="1"/>
-              <a:t>routing</a:t>
-            </a:r>
-            <a:r>
-              <a:rPr lang="it-IT" dirty="0"/>
-              <a:t>, un motore di template, un sistema di gestione delle query e un sistema di gestione delle transazioni. </a:t>
-            </a:r>
-            <a:r>
-              <a:rPr lang="it-IT" dirty="0" err="1"/>
-              <a:t>Laravel</a:t>
-            </a:r>
-            <a:r>
-              <a:rPr lang="it-IT" dirty="0"/>
-              <a:t> utilizza anche il pattern architetturale MVC (Model-</a:t>
-            </a:r>
-            <a:r>
-              <a:rPr lang="it-IT" dirty="0" err="1"/>
-              <a:t>View</a:t>
-            </a:r>
-            <a:r>
-              <a:rPr lang="it-IT" dirty="0"/>
-              <a:t>-Controller) per organizzare il codice e separare la logica di business dalla presentazione.</a:t>
-            </a:r>
-          </a:p>
-        </p:txBody>
-      </p:sp>
-      <p:sp>
-        <p:nvSpPr>
-          <p:cNvPr id="3" name="Titolo 2">
-            <a:extLst>
-              <a:ext uri="{FF2B5EF4-FFF2-40B4-BE49-F238E27FC236}">
-                <a16:creationId xmlns:a16="http://schemas.microsoft.com/office/drawing/2014/main" id="{7C241545-EA7D-D838-2117-27B3F56E9BC4}"/>
-              </a:ext>
-            </a:extLst>
-          </p:cNvPr>
-          <p:cNvSpPr>
-            <a:spLocks noGrp="1"/>
-          </p:cNvSpPr>
-          <p:nvPr>
-            <p:ph type="title"/>
-          </p:nvPr>
-        </p:nvSpPr>
-        <p:spPr>
-          <a:xfrm>
-            <a:off x="1278050" y="343199"/>
-            <a:ext cx="6588000" cy="1071531"/>
-          </a:xfrm>
-        </p:spPr>
-        <p:txBody>
-          <a:bodyPr/>
-          <a:lstStyle/>
-          <a:p>
-            <a:r>
-              <a:rPr lang="it-IT" dirty="0"/>
-              <a:t>Cos’è </a:t>
-            </a:r>
-            <a:r>
-              <a:rPr lang="it-IT" dirty="0" err="1"/>
-              <a:t>laravel</a:t>
-            </a:r>
-            <a:r>
-              <a:rPr lang="it-IT" dirty="0"/>
-              <a:t>?</a:t>
-            </a:r>
-          </a:p>
-        </p:txBody>
-      </p:sp>
-    </p:spTree>
-    <p:extLst>
-      <p:ext uri="{BB962C8B-B14F-4D97-AF65-F5344CB8AC3E}">
-        <p14:creationId xmlns:p14="http://schemas.microsoft.com/office/powerpoint/2010/main" val="210542968"/>
-      </p:ext>
-    </p:extLst>
-  </p:cSld>
-  <p:clrMapOvr>
-    <a:masterClrMapping/>
-  </p:clrMapOvr>
-</p:sld>
-</file>
-
-<file path=ppt/slides/slide30.xml><?xml version="1.0" encoding="utf-8"?>
+<file path=ppt/slides/slide33.xml><?xml version="1.0" encoding="utf-8"?>
 <p:sld xmlns:a="http://schemas.openxmlformats.org/drawingml/2006/main" xmlns:r="http://schemas.openxmlformats.org/officeDocument/2006/relationships" xmlns:p="http://schemas.openxmlformats.org/presentationml/2006/main">
   <p:cSld>
     <p:spTree>
@@ -20541,7 +21350,7 @@
 </p:sld>
 </file>
 
-<file path=ppt/slides/slide31.xml><?xml version="1.0" encoding="utf-8"?>
+<file path=ppt/slides/slide34.xml><?xml version="1.0" encoding="utf-8"?>
 <p:sld xmlns:a="http://schemas.openxmlformats.org/drawingml/2006/main" xmlns:r="http://schemas.openxmlformats.org/officeDocument/2006/relationships" xmlns:p="http://schemas.openxmlformats.org/presentationml/2006/main">
   <p:cSld>
     <p:spTree>
@@ -21128,7 +21937,7 @@
 </p:sld>
 </file>
 
-<file path=ppt/slides/slide32.xml><?xml version="1.0" encoding="utf-8"?>
+<file path=ppt/slides/slide35.xml><?xml version="1.0" encoding="utf-8"?>
 <p:sld xmlns:a="http://schemas.openxmlformats.org/drawingml/2006/main" xmlns:r="http://schemas.openxmlformats.org/officeDocument/2006/relationships" xmlns:p="http://schemas.openxmlformats.org/presentationml/2006/main">
   <p:cSld>
     <p:spTree>
@@ -21182,8 +21991,8 @@
         </p:nvSpPr>
         <p:spPr>
           <a:xfrm>
-            <a:off x="1063569" y="882649"/>
-            <a:ext cx="2981382" cy="2120901"/>
+            <a:off x="0" y="753267"/>
+            <a:ext cx="4044951" cy="2839244"/>
           </a:xfrm>
           <a:prstGeom prst="rect">
             <a:avLst/>
@@ -21421,6 +22230,13 @@
             </a:lvl9pPr>
           </a:lstStyle>
           <a:p>
+            <a:pPr marL="342900" indent="-342900">
+              <a:buClr>
+                <a:schemeClr val="bg1"/>
+              </a:buClr>
+              <a:buFont typeface="+mj-lt"/>
+              <a:buAutoNum type="arabicPeriod"/>
+            </a:pPr>
             <a:r>
               <a:rPr lang="en-US" sz="1500" dirty="0">
                 <a:solidFill>
@@ -21812,8 +22628,7 @@
                   <a:schemeClr val="bg1"/>
                 </a:solidFill>
               </a:rPr>
-              <a:t>.
-</a:t>
+              <a:t>.</a:t>
             </a:r>
           </a:p>
         </p:txBody>
@@ -21870,7 +22685,7 @@
         </p:blipFill>
         <p:spPr>
           <a:xfrm>
-            <a:off x="1799431" y="3132932"/>
+            <a:off x="2638513" y="3592512"/>
             <a:ext cx="1550987" cy="1550987"/>
           </a:xfrm>
           <a:prstGeom prst="rect">
@@ -21903,7 +22718,7 @@
 </p:sld>
 </file>
 
-<file path=ppt/slides/slide33.xml><?xml version="1.0" encoding="utf-8"?>
+<file path=ppt/slides/slide36.xml><?xml version="1.0" encoding="utf-8"?>
 <p:sld xmlns:a="http://schemas.openxmlformats.org/drawingml/2006/main" xmlns:r="http://schemas.openxmlformats.org/officeDocument/2006/relationships" xmlns:p="http://schemas.openxmlformats.org/presentationml/2006/main">
   <p:cSld>
     <p:spTree>
@@ -22607,7 +23422,7 @@
 </p:sld>
 </file>
 
-<file path=ppt/slides/slide34.xml><?xml version="1.0" encoding="utf-8"?>
+<file path=ppt/slides/slide37.xml><?xml version="1.0" encoding="utf-8"?>
 <p:sld xmlns:a="http://schemas.openxmlformats.org/drawingml/2006/main" xmlns:r="http://schemas.openxmlformats.org/officeDocument/2006/relationships" xmlns:p="http://schemas.openxmlformats.org/presentationml/2006/main">
   <p:cSld>
     <p:spTree>
@@ -22721,7 +23536,7 @@
 </p:sld>
 </file>
 
-<file path=ppt/slides/slide35.xml><?xml version="1.0" encoding="utf-8"?>
+<file path=ppt/slides/slide38.xml><?xml version="1.0" encoding="utf-8"?>
 <p:sld xmlns:a="http://schemas.openxmlformats.org/drawingml/2006/main" xmlns:r="http://schemas.openxmlformats.org/officeDocument/2006/relationships" xmlns:p="http://schemas.openxmlformats.org/presentationml/2006/main">
   <p:cSld>
     <p:spTree>
@@ -23000,7 +23815,7 @@
 </p:sld>
 </file>
 
-<file path=ppt/slides/slide36.xml><?xml version="1.0" encoding="utf-8"?>
+<file path=ppt/slides/slide39.xml><?xml version="1.0" encoding="utf-8"?>
 <p:sld xmlns:a="http://schemas.openxmlformats.org/drawingml/2006/main" xmlns:r="http://schemas.openxmlformats.org/officeDocument/2006/relationships" xmlns:p="http://schemas.openxmlformats.org/presentationml/2006/main">
   <p:cSld>
     <p:spTree>
@@ -23036,22 +23851,19 @@
         <p:spPr>
           <a:xfrm flipH="1">
             <a:off x="720000" y="1414731"/>
-            <a:ext cx="7704000" cy="3011643"/>
+            <a:ext cx="7704000" cy="3385570"/>
           </a:xfrm>
         </p:spPr>
         <p:txBody>
           <a:bodyPr/>
           <a:lstStyle/>
           <a:p>
-            <a:pPr marL="114300" indent="0">
-              <a:buNone/>
-            </a:pPr>
             <a:r>
               <a:rPr lang="it-IT" sz="1600" dirty="0"/>
               <a:t>Le </a:t>
             </a:r>
             <a:r>
-              <a:rPr lang="it-IT" sz="1600" dirty="0" err="1"/>
+              <a:rPr lang="it-IT" sz="1800" b="1" dirty="0" err="1"/>
               <a:t>closure</a:t>
             </a:r>
             <a:r>
@@ -23068,29 +23880,7 @@
             </a:r>
           </a:p>
           <a:p>
-            <a:pPr marL="114300" indent="0">
-              <a:buNone/>
-            </a:pPr>
-            <a:r>
-              <a:rPr lang="it-IT" sz="1600" dirty="0"/>
-              <a:t>Bisogna considerare che ci sono molti </a:t>
-            </a:r>
-            <a:r>
-              <a:rPr lang="it-IT" sz="1600" dirty="0" err="1"/>
-              <a:t>wrapper</a:t>
-            </a:r>
-            <a:r>
-              <a:rPr lang="it-IT" sz="1600" dirty="0"/>
-              <a:t> attorno al ciclo di richiesta e risposta di </a:t>
-            </a:r>
-            <a:r>
-              <a:rPr lang="it-IT" sz="1600" dirty="0" err="1"/>
-              <a:t>Laravel</a:t>
-            </a:r>
-            <a:r>
-              <a:rPr lang="it-IT" sz="1600" dirty="0"/>
-              <a:t>, incluso qualcosa chiamato middleware. Quando la chiusura del percorso o il metodo del controller sono terminati, non è ancora il momento di inviare l'output al browser; la restituzione del contenuto consente di continuare a fluire attraverso lo stack di risposta e il middleware prima che venga restituito all'utente.</a:t>
-            </a:r>
+            <a:endParaRPr lang="it-IT" sz="1600" dirty="0"/>
           </a:p>
         </p:txBody>
       </p:sp>
@@ -23141,7 +23931,309 @@
 </p:sld>
 </file>
 
-<file path=ppt/slides/slide37.xml><?xml version="1.0" encoding="utf-8"?>
+<file path=ppt/slides/slide4.xml><?xml version="1.0" encoding="utf-8"?>
+<p:sld xmlns:a="http://schemas.openxmlformats.org/drawingml/2006/main" xmlns:r="http://schemas.openxmlformats.org/officeDocument/2006/relationships" xmlns:p="http://schemas.openxmlformats.org/presentationml/2006/main">
+  <p:cSld>
+    <p:spTree>
+      <p:nvGrpSpPr>
+        <p:cNvPr id="1" name=""/>
+        <p:cNvGrpSpPr/>
+        <p:nvPr/>
+      </p:nvGrpSpPr>
+      <p:grpSpPr>
+        <a:xfrm>
+          <a:off x="0" y="0"/>
+          <a:ext cx="0" cy="0"/>
+          <a:chOff x="0" y="0"/>
+          <a:chExt cx="0" cy="0"/>
+        </a:xfrm>
+      </p:grpSpPr>
+      <p:sp>
+        <p:nvSpPr>
+          <p:cNvPr id="3" name="Titolo 2">
+            <a:extLst>
+              <a:ext uri="{FF2B5EF4-FFF2-40B4-BE49-F238E27FC236}">
+                <a16:creationId xmlns:a16="http://schemas.microsoft.com/office/drawing/2014/main" id="{7C241545-EA7D-D838-2117-27B3F56E9BC4}"/>
+              </a:ext>
+            </a:extLst>
+          </p:cNvPr>
+          <p:cNvSpPr>
+            <a:spLocks noGrp="1"/>
+          </p:cNvSpPr>
+          <p:nvPr>
+            <p:ph type="title"/>
+          </p:nvPr>
+        </p:nvSpPr>
+        <p:spPr>
+          <a:xfrm>
+            <a:off x="1278050" y="343199"/>
+            <a:ext cx="6588000" cy="1071531"/>
+          </a:xfrm>
+        </p:spPr>
+        <p:txBody>
+          <a:bodyPr/>
+          <a:lstStyle/>
+          <a:p>
+            <a:r>
+              <a:rPr lang="it-IT" dirty="0"/>
+              <a:t>Cos’è </a:t>
+            </a:r>
+            <a:r>
+              <a:rPr lang="it-IT" dirty="0" err="1"/>
+              <a:t>laravel</a:t>
+            </a:r>
+            <a:r>
+              <a:rPr lang="it-IT" dirty="0"/>
+              <a:t>?</a:t>
+            </a:r>
+          </a:p>
+        </p:txBody>
+      </p:sp>
+      <p:sp>
+        <p:nvSpPr>
+          <p:cNvPr id="11" name="Sottotitolo 10">
+            <a:extLst>
+              <a:ext uri="{FF2B5EF4-FFF2-40B4-BE49-F238E27FC236}">
+                <a16:creationId xmlns:a16="http://schemas.microsoft.com/office/drawing/2014/main" id="{12A28EBD-4E3E-5392-4256-F5F2CECEC5D6}"/>
+              </a:ext>
+            </a:extLst>
+          </p:cNvPr>
+          <p:cNvSpPr>
+            <a:spLocks noGrp="1"/>
+          </p:cNvSpPr>
+          <p:nvPr>
+            <p:ph type="subTitle" idx="1"/>
+          </p:nvPr>
+        </p:nvSpPr>
+        <p:spPr>
+          <a:xfrm flipH="1">
+            <a:off x="720000" y="1132374"/>
+            <a:ext cx="3852000" cy="3853093"/>
+          </a:xfrm>
+        </p:spPr>
+        <p:txBody>
+          <a:bodyPr/>
+          <a:lstStyle/>
+          <a:p>
+            <a:pPr marL="114300" indent="0">
+              <a:buNone/>
+            </a:pPr>
+            <a:r>
+              <a:rPr lang="it-IT" sz="1800" dirty="0" err="1"/>
+              <a:t>Laravel</a:t>
+            </a:r>
+            <a:r>
+              <a:rPr lang="it-IT" sz="1800" dirty="0"/>
+              <a:t> segue l'architettura MVC (Model-</a:t>
+            </a:r>
+            <a:r>
+              <a:rPr lang="it-IT" sz="1800" dirty="0" err="1"/>
+              <a:t>View</a:t>
+            </a:r>
+            <a:r>
+              <a:rPr lang="it-IT" sz="1800" dirty="0"/>
+              <a:t>-Controller), che è un modello di progettazione comune per le applicazioni web. Ecco come funziona:</a:t>
+            </a:r>
+          </a:p>
+          <a:p>
+            <a:pPr>
+              <a:buFont typeface="Arial" panose="020B0604020202020204" pitchFamily="34" charset="0"/>
+              <a:buChar char="•"/>
+            </a:pPr>
+            <a:r>
+              <a:rPr lang="it-IT" sz="1800" dirty="0"/>
+              <a:t>Il modello (Model) rappresenta i dati e la logica di business dell'applicazione. </a:t>
+            </a:r>
+            <a:r>
+              <a:rPr lang="it-IT" sz="1800" dirty="0" err="1"/>
+              <a:t>Laravel</a:t>
+            </a:r>
+            <a:r>
+              <a:rPr lang="it-IT" sz="1800" dirty="0"/>
+              <a:t> fornisce un sistema di query </a:t>
+            </a:r>
+            <a:r>
+              <a:rPr lang="it-IT" sz="1800" dirty="0" err="1"/>
+              <a:t>Eloquent</a:t>
+            </a:r>
+            <a:r>
+              <a:rPr lang="it-IT" sz="1800" dirty="0"/>
+              <a:t> ORM (Object-</a:t>
+            </a:r>
+            <a:r>
+              <a:rPr lang="it-IT" sz="1800" dirty="0" err="1"/>
+              <a:t>Relational</a:t>
+            </a:r>
+            <a:r>
+              <a:rPr lang="it-IT" sz="1800" dirty="0"/>
+              <a:t> Mapping) che consente di interagire con il database in modo semplice e intuitivo.</a:t>
+            </a:r>
+          </a:p>
+          <a:p>
+            <a:endParaRPr lang="it-IT" sz="1050" dirty="0"/>
+          </a:p>
+        </p:txBody>
+      </p:sp>
+      <p:pic>
+        <p:nvPicPr>
+          <p:cNvPr id="13" name="Immagine 12">
+            <a:extLst>
+              <a:ext uri="{FF2B5EF4-FFF2-40B4-BE49-F238E27FC236}">
+                <a16:creationId xmlns:a16="http://schemas.microsoft.com/office/drawing/2014/main" id="{DF47A18B-C06B-98EC-0D25-04034C34DC7A}"/>
+              </a:ext>
+            </a:extLst>
+          </p:cNvPr>
+          <p:cNvPicPr>
+            <a:picLocks noChangeAspect="1"/>
+          </p:cNvPicPr>
+          <p:nvPr/>
+        </p:nvPicPr>
+        <p:blipFill>
+          <a:blip r:embed="rId2"/>
+          <a:stretch>
+            <a:fillRect/>
+          </a:stretch>
+        </p:blipFill>
+        <p:spPr>
+          <a:xfrm>
+            <a:off x="4571999" y="1152566"/>
+            <a:ext cx="4224005" cy="1998138"/>
+          </a:xfrm>
+          <a:prstGeom prst="rect">
+            <a:avLst/>
+          </a:prstGeom>
+        </p:spPr>
+      </p:pic>
+    </p:spTree>
+    <p:extLst>
+      <p:ext uri="{BB962C8B-B14F-4D97-AF65-F5344CB8AC3E}">
+        <p14:creationId xmlns:p14="http://schemas.microsoft.com/office/powerpoint/2010/main" val="2248383626"/>
+      </p:ext>
+    </p:extLst>
+  </p:cSld>
+  <p:clrMapOvr>
+    <a:masterClrMapping/>
+  </p:clrMapOvr>
+</p:sld>
+</file>
+
+<file path=ppt/slides/slide40.xml><?xml version="1.0" encoding="utf-8"?>
+<p:sld xmlns:a="http://schemas.openxmlformats.org/drawingml/2006/main" xmlns:r="http://schemas.openxmlformats.org/officeDocument/2006/relationships" xmlns:p="http://schemas.openxmlformats.org/presentationml/2006/main">
+  <p:cSld>
+    <p:spTree>
+      <p:nvGrpSpPr>
+        <p:cNvPr id="1" name=""/>
+        <p:cNvGrpSpPr/>
+        <p:nvPr/>
+      </p:nvGrpSpPr>
+      <p:grpSpPr>
+        <a:xfrm>
+          <a:off x="0" y="0"/>
+          <a:ext cx="0" cy="0"/>
+          <a:chOff x="0" y="0"/>
+          <a:chExt cx="0" cy="0"/>
+        </a:xfrm>
+      </p:grpSpPr>
+      <p:sp>
+        <p:nvSpPr>
+          <p:cNvPr id="2" name="Sottotitolo 1">
+            <a:extLst>
+              <a:ext uri="{FF2B5EF4-FFF2-40B4-BE49-F238E27FC236}">
+                <a16:creationId xmlns:a16="http://schemas.microsoft.com/office/drawing/2014/main" id="{F36C5811-13FA-963B-38A2-213F1DC2A976}"/>
+              </a:ext>
+            </a:extLst>
+          </p:cNvPr>
+          <p:cNvSpPr>
+            <a:spLocks noGrp="1"/>
+          </p:cNvSpPr>
+          <p:nvPr>
+            <p:ph type="subTitle" idx="1"/>
+          </p:nvPr>
+        </p:nvSpPr>
+        <p:spPr>
+          <a:xfrm flipH="1">
+            <a:off x="720000" y="1414731"/>
+            <a:ext cx="7704000" cy="3385570"/>
+          </a:xfrm>
+        </p:spPr>
+        <p:txBody>
+          <a:bodyPr/>
+          <a:lstStyle/>
+          <a:p>
+            <a:r>
+              <a:rPr lang="it-IT" sz="1600" dirty="0"/>
+              <a:t>Bisogna considerare che ci sono molti </a:t>
+            </a:r>
+            <a:r>
+              <a:rPr lang="it-IT" sz="1600" dirty="0" err="1"/>
+              <a:t>wrapper</a:t>
+            </a:r>
+            <a:r>
+              <a:rPr lang="it-IT" sz="1600" dirty="0"/>
+              <a:t> attorno al ciclo di richiesta e risposta di </a:t>
+            </a:r>
+            <a:r>
+              <a:rPr lang="it-IT" sz="1600" dirty="0" err="1"/>
+              <a:t>Laravel</a:t>
+            </a:r>
+            <a:r>
+              <a:rPr lang="it-IT" sz="1600" dirty="0"/>
+              <a:t>, incluso qualcosa chiamato middleware. Quando la chiusura del percorso o il metodo del controller sono terminati, non è ancora il momento di inviare l'output al browser; la restituzione del contenuto consente di continuare a fluire attraverso lo stack di risposta e il middleware prima che venga restituito all'utente.</a:t>
+            </a:r>
+          </a:p>
+          <a:p>
+            <a:endParaRPr lang="it-IT" sz="1600" dirty="0"/>
+          </a:p>
+        </p:txBody>
+      </p:sp>
+      <p:sp>
+        <p:nvSpPr>
+          <p:cNvPr id="3" name="Titolo 2">
+            <a:extLst>
+              <a:ext uri="{FF2B5EF4-FFF2-40B4-BE49-F238E27FC236}">
+                <a16:creationId xmlns:a16="http://schemas.microsoft.com/office/drawing/2014/main" id="{7C241545-EA7D-D838-2117-27B3F56E9BC4}"/>
+              </a:ext>
+            </a:extLst>
+          </p:cNvPr>
+          <p:cNvSpPr>
+            <a:spLocks noGrp="1"/>
+          </p:cNvSpPr>
+          <p:nvPr>
+            <p:ph type="title"/>
+          </p:nvPr>
+        </p:nvSpPr>
+        <p:spPr>
+          <a:xfrm>
+            <a:off x="1278050" y="343199"/>
+            <a:ext cx="6588000" cy="1071531"/>
+          </a:xfrm>
+        </p:spPr>
+        <p:txBody>
+          <a:bodyPr/>
+          <a:lstStyle/>
+          <a:p>
+            <a:r>
+              <a:rPr lang="it-IT" dirty="0" err="1"/>
+              <a:t>Route</a:t>
+            </a:r>
+            <a:endParaRPr lang="it-IT" dirty="0"/>
+          </a:p>
+        </p:txBody>
+      </p:sp>
+    </p:spTree>
+    <p:extLst>
+      <p:ext uri="{BB962C8B-B14F-4D97-AF65-F5344CB8AC3E}">
+        <p14:creationId xmlns:p14="http://schemas.microsoft.com/office/powerpoint/2010/main" val="933183376"/>
+      </p:ext>
+    </p:extLst>
+  </p:cSld>
+  <p:clrMapOvr>
+    <a:masterClrMapping/>
+  </p:clrMapOvr>
+</p:sld>
+</file>
+
+<file path=ppt/slides/slide41.xml><?xml version="1.0" encoding="utf-8"?>
 <p:sld xmlns:a="http://schemas.openxmlformats.org/drawingml/2006/main" xmlns:r="http://schemas.openxmlformats.org/officeDocument/2006/relationships" xmlns:p="http://schemas.openxmlformats.org/presentationml/2006/main">
   <p:cSld>
     <p:spTree>
@@ -23234,7 +24326,7 @@
 </p:sld>
 </file>
 
-<file path=ppt/slides/slide38.xml><?xml version="1.0" encoding="utf-8"?>
+<file path=ppt/slides/slide42.xml><?xml version="1.0" encoding="utf-8"?>
 <p:sld xmlns:a="http://schemas.openxmlformats.org/drawingml/2006/main" xmlns:r="http://schemas.openxmlformats.org/officeDocument/2006/relationships" xmlns:p="http://schemas.openxmlformats.org/presentationml/2006/main">
   <p:cSld>
     <p:spTree>
@@ -23414,7 +24506,7 @@
 </p:sld>
 </file>
 
-<file path=ppt/slides/slide39.xml><?xml version="1.0" encoding="utf-8"?>
+<file path=ppt/slides/slide43.xml><?xml version="1.0" encoding="utf-8"?>
 <p:sld xmlns:a="http://schemas.openxmlformats.org/drawingml/2006/main" xmlns:r="http://schemas.openxmlformats.org/officeDocument/2006/relationships" xmlns:p="http://schemas.openxmlformats.org/presentationml/2006/main">
   <p:cSld>
     <p:spTree>
@@ -23519,245 +24611,7 @@
 </p:sld>
 </file>
 
-<file path=ppt/slides/slide4.xml><?xml version="1.0" encoding="utf-8"?>
-<p:sld xmlns:a="http://schemas.openxmlformats.org/drawingml/2006/main" xmlns:r="http://schemas.openxmlformats.org/officeDocument/2006/relationships" xmlns:p="http://schemas.openxmlformats.org/presentationml/2006/main">
-  <p:cSld>
-    <p:spTree>
-      <p:nvGrpSpPr>
-        <p:cNvPr id="1" name=""/>
-        <p:cNvGrpSpPr/>
-        <p:nvPr/>
-      </p:nvGrpSpPr>
-      <p:grpSpPr>
-        <a:xfrm>
-          <a:off x="0" y="0"/>
-          <a:ext cx="0" cy="0"/>
-          <a:chOff x="0" y="0"/>
-          <a:chExt cx="0" cy="0"/>
-        </a:xfrm>
-      </p:grpSpPr>
-      <p:sp>
-        <p:nvSpPr>
-          <p:cNvPr id="3" name="Titolo 2">
-            <a:extLst>
-              <a:ext uri="{FF2B5EF4-FFF2-40B4-BE49-F238E27FC236}">
-                <a16:creationId xmlns:a16="http://schemas.microsoft.com/office/drawing/2014/main" id="{7C241545-EA7D-D838-2117-27B3F56E9BC4}"/>
-              </a:ext>
-            </a:extLst>
-          </p:cNvPr>
-          <p:cNvSpPr>
-            <a:spLocks noGrp="1"/>
-          </p:cNvSpPr>
-          <p:nvPr>
-            <p:ph type="title"/>
-          </p:nvPr>
-        </p:nvSpPr>
-        <p:spPr>
-          <a:xfrm>
-            <a:off x="1278050" y="343199"/>
-            <a:ext cx="6588000" cy="1071531"/>
-          </a:xfrm>
-        </p:spPr>
-        <p:txBody>
-          <a:bodyPr/>
-          <a:lstStyle/>
-          <a:p>
-            <a:r>
-              <a:rPr lang="it-IT" dirty="0"/>
-              <a:t>Cos’è </a:t>
-            </a:r>
-            <a:r>
-              <a:rPr lang="it-IT" dirty="0" err="1"/>
-              <a:t>laravel</a:t>
-            </a:r>
-            <a:r>
-              <a:rPr lang="it-IT" dirty="0"/>
-              <a:t>?</a:t>
-            </a:r>
-          </a:p>
-        </p:txBody>
-      </p:sp>
-      <p:sp>
-        <p:nvSpPr>
-          <p:cNvPr id="11" name="Sottotitolo 10">
-            <a:extLst>
-              <a:ext uri="{FF2B5EF4-FFF2-40B4-BE49-F238E27FC236}">
-                <a16:creationId xmlns:a16="http://schemas.microsoft.com/office/drawing/2014/main" id="{12A28EBD-4E3E-5392-4256-F5F2CECEC5D6}"/>
-              </a:ext>
-            </a:extLst>
-          </p:cNvPr>
-          <p:cNvSpPr>
-            <a:spLocks noGrp="1"/>
-          </p:cNvSpPr>
-          <p:nvPr>
-            <p:ph type="subTitle" idx="1"/>
-          </p:nvPr>
-        </p:nvSpPr>
-        <p:spPr>
-          <a:xfrm flipH="1">
-            <a:off x="720000" y="1132374"/>
-            <a:ext cx="7704000" cy="3853093"/>
-          </a:xfrm>
-        </p:spPr>
-        <p:txBody>
-          <a:bodyPr/>
-          <a:lstStyle/>
-          <a:p>
-            <a:pPr marL="114300" indent="0">
-              <a:buNone/>
-            </a:pPr>
-            <a:r>
-              <a:rPr lang="it-IT" dirty="0" err="1"/>
-              <a:t>Laravel</a:t>
-            </a:r>
-            <a:r>
-              <a:rPr lang="it-IT" dirty="0"/>
-              <a:t> segue l'architettura MVC (Model-</a:t>
-            </a:r>
-            <a:r>
-              <a:rPr lang="it-IT" dirty="0" err="1"/>
-              <a:t>View</a:t>
-            </a:r>
-            <a:r>
-              <a:rPr lang="it-IT" dirty="0"/>
-              <a:t>-Controller), che è un modello di progettazione comune per le applicazioni web. Ecco come funziona:</a:t>
-            </a:r>
-          </a:p>
-          <a:p>
-            <a:pPr>
-              <a:buFont typeface="Arial" panose="020B0604020202020204" pitchFamily="34" charset="0"/>
-              <a:buChar char="•"/>
-            </a:pPr>
-            <a:r>
-              <a:rPr lang="it-IT" dirty="0"/>
-              <a:t>Il modello (Model) rappresenta i dati e la logica di business dell'applicazione. </a:t>
-            </a:r>
-            <a:r>
-              <a:rPr lang="it-IT" dirty="0" err="1"/>
-              <a:t>Laravel</a:t>
-            </a:r>
-            <a:r>
-              <a:rPr lang="it-IT" dirty="0"/>
-              <a:t> fornisce un sistema di query </a:t>
-            </a:r>
-            <a:r>
-              <a:rPr lang="it-IT" dirty="0" err="1"/>
-              <a:t>Eloquent</a:t>
-            </a:r>
-            <a:r>
-              <a:rPr lang="it-IT" dirty="0"/>
-              <a:t> ORM (Object-</a:t>
-            </a:r>
-            <a:r>
-              <a:rPr lang="it-IT" dirty="0" err="1"/>
-              <a:t>Relational</a:t>
-            </a:r>
-            <a:r>
-              <a:rPr lang="it-IT" dirty="0"/>
-              <a:t> Mapping) che consente di interagire con il database in modo semplice e intuitivo.</a:t>
-            </a:r>
-          </a:p>
-          <a:p>
-            <a:pPr>
-              <a:buFont typeface="Arial" panose="020B0604020202020204" pitchFamily="34" charset="0"/>
-              <a:buChar char="•"/>
-            </a:pPr>
-            <a:r>
-              <a:rPr lang="it-IT" dirty="0"/>
-              <a:t>La vista (</a:t>
-            </a:r>
-            <a:r>
-              <a:rPr lang="it-IT" dirty="0" err="1"/>
-              <a:t>View</a:t>
-            </a:r>
-            <a:r>
-              <a:rPr lang="it-IT" dirty="0"/>
-              <a:t>) rappresenta l'interfaccia utente dell'applicazione e mostra i dati al utente. </a:t>
-            </a:r>
-            <a:r>
-              <a:rPr lang="it-IT" dirty="0" err="1"/>
-              <a:t>Laravel</a:t>
-            </a:r>
-            <a:r>
-              <a:rPr lang="it-IT" dirty="0"/>
-              <a:t> utilizza un motore di template chiamato </a:t>
-            </a:r>
-            <a:r>
-              <a:rPr lang="it-IT" dirty="0" err="1"/>
-              <a:t>Blade</a:t>
-            </a:r>
-            <a:r>
-              <a:rPr lang="it-IT" dirty="0"/>
-              <a:t> che consente di creare facilmente interfacce utente dinamiche.</a:t>
-            </a:r>
-          </a:p>
-          <a:p>
-            <a:pPr>
-              <a:buFont typeface="Arial" panose="020B0604020202020204" pitchFamily="34" charset="0"/>
-              <a:buChar char="•"/>
-            </a:pPr>
-            <a:r>
-              <a:rPr lang="it-IT" dirty="0"/>
-              <a:t>Il controller (Controller) gestisce le richieste in ingresso e determina come i dati devono essere elaborati e visualizzati. I controller in </a:t>
-            </a:r>
-            <a:r>
-              <a:rPr lang="it-IT" dirty="0" err="1"/>
-              <a:t>Laravel</a:t>
-            </a:r>
-            <a:r>
-              <a:rPr lang="it-IT" dirty="0"/>
-              <a:t> sono responsabili di gestire le richieste HTTP, recuperare i dati dal modello e passarli alla vista per essere visualizzati.</a:t>
-            </a:r>
-          </a:p>
-          <a:p>
-            <a:endParaRPr lang="it-IT" dirty="0"/>
-          </a:p>
-        </p:txBody>
-      </p:sp>
-      <p:pic>
-        <p:nvPicPr>
-          <p:cNvPr id="13" name="Immagine 12">
-            <a:extLst>
-              <a:ext uri="{FF2B5EF4-FFF2-40B4-BE49-F238E27FC236}">
-                <a16:creationId xmlns:a16="http://schemas.microsoft.com/office/drawing/2014/main" id="{DF47A18B-C06B-98EC-0D25-04034C34DC7A}"/>
-              </a:ext>
-            </a:extLst>
-          </p:cNvPr>
-          <p:cNvPicPr>
-            <a:picLocks noChangeAspect="1"/>
-          </p:cNvPicPr>
-          <p:nvPr/>
-        </p:nvPicPr>
-        <p:blipFill>
-          <a:blip r:embed="rId2"/>
-          <a:stretch>
-            <a:fillRect/>
-          </a:stretch>
-        </p:blipFill>
-        <p:spPr>
-          <a:xfrm>
-            <a:off x="3460750" y="3485456"/>
-            <a:ext cx="2222500" cy="1051339"/>
-          </a:xfrm>
-          <a:prstGeom prst="rect">
-            <a:avLst/>
-          </a:prstGeom>
-        </p:spPr>
-      </p:pic>
-    </p:spTree>
-    <p:extLst>
-      <p:ext uri="{BB962C8B-B14F-4D97-AF65-F5344CB8AC3E}">
-        <p14:creationId xmlns:p14="http://schemas.microsoft.com/office/powerpoint/2010/main" val="2248383626"/>
-      </p:ext>
-    </p:extLst>
-  </p:cSld>
-  <p:clrMapOvr>
-    <a:masterClrMapping/>
-  </p:clrMapOvr>
-</p:sld>
-</file>
-
-<file path=ppt/slides/slide40.xml><?xml version="1.0" encoding="utf-8"?>
+<file path=ppt/slides/slide44.xml><?xml version="1.0" encoding="utf-8"?>
 <p:sld xmlns:a="http://schemas.openxmlformats.org/drawingml/2006/main" xmlns:r="http://schemas.openxmlformats.org/officeDocument/2006/relationships" xmlns:p="http://schemas.openxmlformats.org/presentationml/2006/main">
   <p:cSld>
     <p:spTree>
@@ -24032,7 +24886,7 @@
 </p:sld>
 </file>
 
-<file path=ppt/slides/slide41.xml><?xml version="1.0" encoding="utf-8"?>
+<file path=ppt/slides/slide45.xml><?xml version="1.0" encoding="utf-8"?>
 <p:sld xmlns:a="http://schemas.openxmlformats.org/drawingml/2006/main" xmlns:r="http://schemas.openxmlformats.org/officeDocument/2006/relationships" xmlns:p="http://schemas.openxmlformats.org/presentationml/2006/main">
   <p:cSld>
     <p:spTree>
@@ -24176,7 +25030,7 @@
 </p:sld>
 </file>
 
-<file path=ppt/slides/slide42.xml><?xml version="1.0" encoding="utf-8"?>
+<file path=ppt/slides/slide46.xml><?xml version="1.0" encoding="utf-8"?>
 <p:sld xmlns:a="http://schemas.openxmlformats.org/drawingml/2006/main" xmlns:r="http://schemas.openxmlformats.org/officeDocument/2006/relationships" xmlns:p="http://schemas.openxmlformats.org/presentationml/2006/main">
   <p:cSld>
     <p:spTree>
@@ -24290,7 +25144,7 @@
 </p:sld>
 </file>
 
-<file path=ppt/slides/slide43.xml><?xml version="1.0" encoding="utf-8"?>
+<file path=ppt/slides/slide47.xml><?xml version="1.0" encoding="utf-8"?>
 <p:sld xmlns:a="http://schemas.openxmlformats.org/drawingml/2006/main" xmlns:r="http://schemas.openxmlformats.org/officeDocument/2006/relationships" xmlns:p="http://schemas.openxmlformats.org/presentationml/2006/main">
   <p:cSld>
     <p:spTree>
@@ -24455,7 +25309,7 @@
 </p:sld>
 </file>
 
-<file path=ppt/slides/slide44.xml><?xml version="1.0" encoding="utf-8"?>
+<file path=ppt/slides/slide48.xml><?xml version="1.0" encoding="utf-8"?>
 <p:sld xmlns:a="http://schemas.openxmlformats.org/drawingml/2006/main" xmlns:r="http://schemas.openxmlformats.org/officeDocument/2006/relationships" xmlns:p="http://schemas.openxmlformats.org/presentationml/2006/main">
   <p:cSld>
     <p:bg>
@@ -24672,6 +25526,317 @@
         <p:spPr>
           <a:xfrm flipH="1">
             <a:off x="720000" y="1132374"/>
+            <a:ext cx="3852000" cy="3853093"/>
+          </a:xfrm>
+        </p:spPr>
+        <p:txBody>
+          <a:bodyPr/>
+          <a:lstStyle/>
+          <a:p>
+            <a:pPr>
+              <a:buFont typeface="Arial" panose="020B0604020202020204" pitchFamily="34" charset="0"/>
+              <a:buChar char="•"/>
+            </a:pPr>
+            <a:r>
+              <a:rPr lang="it-IT" sz="1800" dirty="0"/>
+              <a:t>Il controller (Controller) gestisce le richieste in ingresso e determina come i dati devono essere elaborati e visualizzati. I controller in </a:t>
+            </a:r>
+            <a:r>
+              <a:rPr lang="it-IT" sz="1800" dirty="0" err="1"/>
+              <a:t>Laravel</a:t>
+            </a:r>
+            <a:r>
+              <a:rPr lang="it-IT" sz="1800" dirty="0"/>
+              <a:t> sono responsabili di gestire le richieste HTTP, recuperare i dati dal modello e passarli alla vista per essere visualizzati.</a:t>
+            </a:r>
+          </a:p>
+        </p:txBody>
+      </p:sp>
+      <p:pic>
+        <p:nvPicPr>
+          <p:cNvPr id="13" name="Immagine 12">
+            <a:extLst>
+              <a:ext uri="{FF2B5EF4-FFF2-40B4-BE49-F238E27FC236}">
+                <a16:creationId xmlns:a16="http://schemas.microsoft.com/office/drawing/2014/main" id="{DF47A18B-C06B-98EC-0D25-04034C34DC7A}"/>
+              </a:ext>
+            </a:extLst>
+          </p:cNvPr>
+          <p:cNvPicPr>
+            <a:picLocks noChangeAspect="1"/>
+          </p:cNvPicPr>
+          <p:nvPr/>
+        </p:nvPicPr>
+        <p:blipFill>
+          <a:blip r:embed="rId2"/>
+          <a:stretch>
+            <a:fillRect/>
+          </a:stretch>
+        </p:blipFill>
+        <p:spPr>
+          <a:xfrm>
+            <a:off x="4571999" y="1152566"/>
+            <a:ext cx="4224005" cy="1998138"/>
+          </a:xfrm>
+          <a:prstGeom prst="rect">
+            <a:avLst/>
+          </a:prstGeom>
+        </p:spPr>
+      </p:pic>
+    </p:spTree>
+    <p:extLst>
+      <p:ext uri="{BB962C8B-B14F-4D97-AF65-F5344CB8AC3E}">
+        <p14:creationId xmlns:p14="http://schemas.microsoft.com/office/powerpoint/2010/main" val="1731367"/>
+      </p:ext>
+    </p:extLst>
+  </p:cSld>
+  <p:clrMapOvr>
+    <a:masterClrMapping/>
+  </p:clrMapOvr>
+</p:sld>
+</file>
+
+<file path=ppt/slides/slide6.xml><?xml version="1.0" encoding="utf-8"?>
+<p:sld xmlns:a="http://schemas.openxmlformats.org/drawingml/2006/main" xmlns:r="http://schemas.openxmlformats.org/officeDocument/2006/relationships" xmlns:p="http://schemas.openxmlformats.org/presentationml/2006/main">
+  <p:cSld>
+    <p:spTree>
+      <p:nvGrpSpPr>
+        <p:cNvPr id="1" name=""/>
+        <p:cNvGrpSpPr/>
+        <p:nvPr/>
+      </p:nvGrpSpPr>
+      <p:grpSpPr>
+        <a:xfrm>
+          <a:off x="0" y="0"/>
+          <a:ext cx="0" cy="0"/>
+          <a:chOff x="0" y="0"/>
+          <a:chExt cx="0" cy="0"/>
+        </a:xfrm>
+      </p:grpSpPr>
+      <p:sp>
+        <p:nvSpPr>
+          <p:cNvPr id="3" name="Titolo 2">
+            <a:extLst>
+              <a:ext uri="{FF2B5EF4-FFF2-40B4-BE49-F238E27FC236}">
+                <a16:creationId xmlns:a16="http://schemas.microsoft.com/office/drawing/2014/main" id="{7C241545-EA7D-D838-2117-27B3F56E9BC4}"/>
+              </a:ext>
+            </a:extLst>
+          </p:cNvPr>
+          <p:cNvSpPr>
+            <a:spLocks noGrp="1"/>
+          </p:cNvSpPr>
+          <p:nvPr>
+            <p:ph type="title"/>
+          </p:nvPr>
+        </p:nvSpPr>
+        <p:spPr>
+          <a:xfrm>
+            <a:off x="1278050" y="343199"/>
+            <a:ext cx="6588000" cy="1071531"/>
+          </a:xfrm>
+        </p:spPr>
+        <p:txBody>
+          <a:bodyPr/>
+          <a:lstStyle/>
+          <a:p>
+            <a:r>
+              <a:rPr lang="it-IT" dirty="0"/>
+              <a:t>Cos’è </a:t>
+            </a:r>
+            <a:r>
+              <a:rPr lang="it-IT" dirty="0" err="1"/>
+              <a:t>laravel</a:t>
+            </a:r>
+            <a:r>
+              <a:rPr lang="it-IT" dirty="0"/>
+              <a:t>?</a:t>
+            </a:r>
+          </a:p>
+        </p:txBody>
+      </p:sp>
+      <p:sp>
+        <p:nvSpPr>
+          <p:cNvPr id="11" name="Sottotitolo 10">
+            <a:extLst>
+              <a:ext uri="{FF2B5EF4-FFF2-40B4-BE49-F238E27FC236}">
+                <a16:creationId xmlns:a16="http://schemas.microsoft.com/office/drawing/2014/main" id="{12A28EBD-4E3E-5392-4256-F5F2CECEC5D6}"/>
+              </a:ext>
+            </a:extLst>
+          </p:cNvPr>
+          <p:cNvSpPr>
+            <a:spLocks noGrp="1"/>
+          </p:cNvSpPr>
+          <p:nvPr>
+            <p:ph type="subTitle" idx="1"/>
+          </p:nvPr>
+        </p:nvSpPr>
+        <p:spPr>
+          <a:xfrm flipH="1">
+            <a:off x="720000" y="1132374"/>
+            <a:ext cx="3852000" cy="3853093"/>
+          </a:xfrm>
+        </p:spPr>
+        <p:txBody>
+          <a:bodyPr/>
+          <a:lstStyle/>
+          <a:p>
+            <a:pPr>
+              <a:buFont typeface="Arial" panose="020B0604020202020204" pitchFamily="34" charset="0"/>
+              <a:buChar char="•"/>
+            </a:pPr>
+            <a:r>
+              <a:rPr lang="it-IT" sz="1800" dirty="0"/>
+              <a:t>La vista (</a:t>
+            </a:r>
+            <a:r>
+              <a:rPr lang="it-IT" sz="1800" dirty="0" err="1"/>
+              <a:t>View</a:t>
+            </a:r>
+            <a:r>
+              <a:rPr lang="it-IT" sz="1800" dirty="0"/>
+              <a:t>) rappresenta l'interfaccia utente dell'applicazione e mostra i dati al utente. </a:t>
+            </a:r>
+            <a:r>
+              <a:rPr lang="it-IT" sz="1800" dirty="0" err="1"/>
+              <a:t>Laravel</a:t>
+            </a:r>
+            <a:r>
+              <a:rPr lang="it-IT" sz="1800" dirty="0"/>
+              <a:t> utilizza un motore di template chiamato </a:t>
+            </a:r>
+            <a:r>
+              <a:rPr lang="it-IT" sz="1800" dirty="0" err="1"/>
+              <a:t>Blade</a:t>
+            </a:r>
+            <a:r>
+              <a:rPr lang="it-IT" sz="1800" dirty="0"/>
+              <a:t> che consente di creare facilmente interfacce utente dinamiche.</a:t>
+            </a:r>
+          </a:p>
+          <a:p>
+            <a:endParaRPr lang="it-IT" sz="1050" dirty="0"/>
+          </a:p>
+        </p:txBody>
+      </p:sp>
+      <p:pic>
+        <p:nvPicPr>
+          <p:cNvPr id="13" name="Immagine 12">
+            <a:extLst>
+              <a:ext uri="{FF2B5EF4-FFF2-40B4-BE49-F238E27FC236}">
+                <a16:creationId xmlns:a16="http://schemas.microsoft.com/office/drawing/2014/main" id="{DF47A18B-C06B-98EC-0D25-04034C34DC7A}"/>
+              </a:ext>
+            </a:extLst>
+          </p:cNvPr>
+          <p:cNvPicPr>
+            <a:picLocks noChangeAspect="1"/>
+          </p:cNvPicPr>
+          <p:nvPr/>
+        </p:nvPicPr>
+        <p:blipFill>
+          <a:blip r:embed="rId2"/>
+          <a:stretch>
+            <a:fillRect/>
+          </a:stretch>
+        </p:blipFill>
+        <p:spPr>
+          <a:xfrm>
+            <a:off x="4571999" y="1152566"/>
+            <a:ext cx="4224005" cy="1998138"/>
+          </a:xfrm>
+          <a:prstGeom prst="rect">
+            <a:avLst/>
+          </a:prstGeom>
+        </p:spPr>
+      </p:pic>
+    </p:spTree>
+    <p:extLst>
+      <p:ext uri="{BB962C8B-B14F-4D97-AF65-F5344CB8AC3E}">
+        <p14:creationId xmlns:p14="http://schemas.microsoft.com/office/powerpoint/2010/main" val="2804654442"/>
+      </p:ext>
+    </p:extLst>
+  </p:cSld>
+  <p:clrMapOvr>
+    <a:masterClrMapping/>
+  </p:clrMapOvr>
+</p:sld>
+</file>
+
+<file path=ppt/slides/slide7.xml><?xml version="1.0" encoding="utf-8"?>
+<p:sld xmlns:a="http://schemas.openxmlformats.org/drawingml/2006/main" xmlns:r="http://schemas.openxmlformats.org/officeDocument/2006/relationships" xmlns:p="http://schemas.openxmlformats.org/presentationml/2006/main">
+  <p:cSld>
+    <p:spTree>
+      <p:nvGrpSpPr>
+        <p:cNvPr id="1" name=""/>
+        <p:cNvGrpSpPr/>
+        <p:nvPr/>
+      </p:nvGrpSpPr>
+      <p:grpSpPr>
+        <a:xfrm>
+          <a:off x="0" y="0"/>
+          <a:ext cx="0" cy="0"/>
+          <a:chOff x="0" y="0"/>
+          <a:chExt cx="0" cy="0"/>
+        </a:xfrm>
+      </p:grpSpPr>
+      <p:sp>
+        <p:nvSpPr>
+          <p:cNvPr id="3" name="Titolo 2">
+            <a:extLst>
+              <a:ext uri="{FF2B5EF4-FFF2-40B4-BE49-F238E27FC236}">
+                <a16:creationId xmlns:a16="http://schemas.microsoft.com/office/drawing/2014/main" id="{7C241545-EA7D-D838-2117-27B3F56E9BC4}"/>
+              </a:ext>
+            </a:extLst>
+          </p:cNvPr>
+          <p:cNvSpPr>
+            <a:spLocks noGrp="1"/>
+          </p:cNvSpPr>
+          <p:nvPr>
+            <p:ph type="title"/>
+          </p:nvPr>
+        </p:nvSpPr>
+        <p:spPr>
+          <a:xfrm>
+            <a:off x="1278050" y="343199"/>
+            <a:ext cx="6588000" cy="1071531"/>
+          </a:xfrm>
+        </p:spPr>
+        <p:txBody>
+          <a:bodyPr/>
+          <a:lstStyle/>
+          <a:p>
+            <a:r>
+              <a:rPr lang="it-IT" dirty="0"/>
+              <a:t>Cos’è </a:t>
+            </a:r>
+            <a:r>
+              <a:rPr lang="it-IT" dirty="0" err="1"/>
+              <a:t>laravel</a:t>
+            </a:r>
+            <a:r>
+              <a:rPr lang="it-IT" dirty="0"/>
+              <a:t>?</a:t>
+            </a:r>
+          </a:p>
+        </p:txBody>
+      </p:sp>
+      <p:sp>
+        <p:nvSpPr>
+          <p:cNvPr id="11" name="Sottotitolo 10">
+            <a:extLst>
+              <a:ext uri="{FF2B5EF4-FFF2-40B4-BE49-F238E27FC236}">
+                <a16:creationId xmlns:a16="http://schemas.microsoft.com/office/drawing/2014/main" id="{12A28EBD-4E3E-5392-4256-F5F2CECEC5D6}"/>
+              </a:ext>
+            </a:extLst>
+          </p:cNvPr>
+          <p:cNvSpPr>
+            <a:spLocks noGrp="1"/>
+          </p:cNvSpPr>
+          <p:nvPr>
+            <p:ph type="subTitle" idx="1"/>
+          </p:nvPr>
+        </p:nvSpPr>
+        <p:spPr>
+          <a:xfrm flipH="1">
+            <a:off x="720000" y="1132374"/>
             <a:ext cx="7704000" cy="3853093"/>
           </a:xfrm>
         </p:spPr>
@@ -24680,48 +25845,20 @@
           <a:lstStyle/>
           <a:p>
             <a:r>
-              <a:rPr lang="it-IT" dirty="0" err="1"/>
+              <a:rPr lang="it-IT" sz="1800" dirty="0" err="1"/>
               <a:t>Laravel</a:t>
             </a:r>
             <a:r>
-              <a:rPr lang="it-IT" dirty="0"/>
+              <a:rPr lang="it-IT" sz="1800" dirty="0"/>
               <a:t> fornisce anche un sistema di </a:t>
             </a:r>
             <a:r>
-              <a:rPr lang="it-IT" dirty="0" err="1"/>
+              <a:rPr lang="it-IT" sz="1800" dirty="0" err="1"/>
               <a:t>routing</a:t>
             </a:r>
             <a:r>
-              <a:rPr lang="it-IT" dirty="0"/>
+              <a:rPr lang="it-IT" sz="1800" dirty="0"/>
               <a:t> che consente di gestire le richieste in ingresso e indirizzarle ai controller appropriati, un sistema di gestione delle query, un sistema di gestione delle transazioni, un sistema di autenticazione e autorizzazione, e altri strumenti utili per lo sviluppo di applicazioni web.</a:t>
-            </a:r>
-          </a:p>
-          <a:p>
-            <a:r>
-              <a:rPr lang="it-IT" dirty="0"/>
-              <a:t>Inoltre </a:t>
-            </a:r>
-            <a:r>
-              <a:rPr lang="it-IT" dirty="0" err="1"/>
-              <a:t>Laravel</a:t>
-            </a:r>
-            <a:r>
-              <a:rPr lang="it-IT" dirty="0"/>
-              <a:t> è un framework che si basa sull'utilizzo di componenti esterni, come ad esempio il componente di gestione delle richieste HTTP, il componente di gestione delle risposte HTTP, il componente di gestione delle sessioni, il componente di gestione dei cookie, il componente di gestione della sicurezza, il componente di gestione della validazione.</a:t>
-            </a:r>
-          </a:p>
-          <a:p>
-            <a:r>
-              <a:rPr lang="it-IT" dirty="0"/>
-              <a:t>In sintesi </a:t>
-            </a:r>
-            <a:r>
-              <a:rPr lang="it-IT" dirty="0" err="1"/>
-              <a:t>Laravel</a:t>
-            </a:r>
-            <a:r>
-              <a:rPr lang="it-IT" dirty="0"/>
-              <a:t> fornisce una serie di strumenti e librerie per facilitare lo sviluppo di applicazioni web seguendo il pattern architetturale MVC e utilizzando componenti esterni.</a:t>
             </a:r>
           </a:p>
         </p:txBody>
@@ -24739,7 +25876,139 @@
 </p:sld>
 </file>
 
-<file path=ppt/slides/slide6.xml><?xml version="1.0" encoding="utf-8"?>
+<file path=ppt/slides/slide8.xml><?xml version="1.0" encoding="utf-8"?>
+<p:sld xmlns:a="http://schemas.openxmlformats.org/drawingml/2006/main" xmlns:r="http://schemas.openxmlformats.org/officeDocument/2006/relationships" xmlns:p="http://schemas.openxmlformats.org/presentationml/2006/main">
+  <p:cSld>
+    <p:spTree>
+      <p:nvGrpSpPr>
+        <p:cNvPr id="1" name=""/>
+        <p:cNvGrpSpPr/>
+        <p:nvPr/>
+      </p:nvGrpSpPr>
+      <p:grpSpPr>
+        <a:xfrm>
+          <a:off x="0" y="0"/>
+          <a:ext cx="0" cy="0"/>
+          <a:chOff x="0" y="0"/>
+          <a:chExt cx="0" cy="0"/>
+        </a:xfrm>
+      </p:grpSpPr>
+      <p:sp>
+        <p:nvSpPr>
+          <p:cNvPr id="3" name="Titolo 2">
+            <a:extLst>
+              <a:ext uri="{FF2B5EF4-FFF2-40B4-BE49-F238E27FC236}">
+                <a16:creationId xmlns:a16="http://schemas.microsoft.com/office/drawing/2014/main" id="{7C241545-EA7D-D838-2117-27B3F56E9BC4}"/>
+              </a:ext>
+            </a:extLst>
+          </p:cNvPr>
+          <p:cNvSpPr>
+            <a:spLocks noGrp="1"/>
+          </p:cNvSpPr>
+          <p:nvPr>
+            <p:ph type="title"/>
+          </p:nvPr>
+        </p:nvSpPr>
+        <p:spPr>
+          <a:xfrm>
+            <a:off x="1278050" y="343199"/>
+            <a:ext cx="6588000" cy="1071531"/>
+          </a:xfrm>
+        </p:spPr>
+        <p:txBody>
+          <a:bodyPr/>
+          <a:lstStyle/>
+          <a:p>
+            <a:r>
+              <a:rPr lang="it-IT" dirty="0"/>
+              <a:t>Cos’è </a:t>
+            </a:r>
+            <a:r>
+              <a:rPr lang="it-IT" dirty="0" err="1"/>
+              <a:t>laravel</a:t>
+            </a:r>
+            <a:r>
+              <a:rPr lang="it-IT" dirty="0"/>
+              <a:t>?</a:t>
+            </a:r>
+          </a:p>
+        </p:txBody>
+      </p:sp>
+      <p:sp>
+        <p:nvSpPr>
+          <p:cNvPr id="11" name="Sottotitolo 10">
+            <a:extLst>
+              <a:ext uri="{FF2B5EF4-FFF2-40B4-BE49-F238E27FC236}">
+                <a16:creationId xmlns:a16="http://schemas.microsoft.com/office/drawing/2014/main" id="{12A28EBD-4E3E-5392-4256-F5F2CECEC5D6}"/>
+              </a:ext>
+            </a:extLst>
+          </p:cNvPr>
+          <p:cNvSpPr>
+            <a:spLocks noGrp="1"/>
+          </p:cNvSpPr>
+          <p:nvPr>
+            <p:ph type="subTitle" idx="1"/>
+          </p:nvPr>
+        </p:nvSpPr>
+        <p:spPr>
+          <a:xfrm flipH="1">
+            <a:off x="720000" y="1132374"/>
+            <a:ext cx="7704000" cy="3853093"/>
+          </a:xfrm>
+        </p:spPr>
+        <p:txBody>
+          <a:bodyPr/>
+          <a:lstStyle/>
+          <a:p>
+            <a:r>
+              <a:rPr lang="it-IT" sz="1800" dirty="0"/>
+              <a:t>Inoltre </a:t>
+            </a:r>
+            <a:r>
+              <a:rPr lang="it-IT" sz="1800" dirty="0" err="1"/>
+              <a:t>Laravel</a:t>
+            </a:r>
+            <a:r>
+              <a:rPr lang="it-IT" sz="1800" dirty="0"/>
+              <a:t> è un framework che si basa sull'utilizzo di componenti esterni, come ad esempio il componente di gestione delle richieste HTTP, il componente di gestione delle risposte HTTP, il componente di gestione delle sessioni, il componente di gestione dei cookie, il componente di gestione della sicurezza, il componente di gestione della validazione.</a:t>
+            </a:r>
+          </a:p>
+          <a:p>
+            <a:endParaRPr lang="it-IT" sz="1800" dirty="0"/>
+          </a:p>
+          <a:p>
+            <a:endParaRPr lang="it-IT" sz="1800" dirty="0"/>
+          </a:p>
+          <a:p>
+            <a:r>
+              <a:rPr lang="it-IT" sz="1800" dirty="0"/>
+              <a:t>In sintesi </a:t>
+            </a:r>
+            <a:r>
+              <a:rPr lang="it-IT" sz="1800" dirty="0" err="1"/>
+              <a:t>Laravel</a:t>
+            </a:r>
+            <a:r>
+              <a:rPr lang="it-IT" sz="1800" dirty="0"/>
+              <a:t> fornisce una serie di strumenti e librerie per facilitare lo sviluppo di applicazioni web seguendo il pattern architetturale MVC e utilizzando componenti esterni.</a:t>
+            </a:r>
+          </a:p>
+        </p:txBody>
+      </p:sp>
+    </p:spTree>
+    <p:extLst>
+      <p:ext uri="{BB962C8B-B14F-4D97-AF65-F5344CB8AC3E}">
+        <p14:creationId xmlns:p14="http://schemas.microsoft.com/office/powerpoint/2010/main" val="3650225995"/>
+      </p:ext>
+    </p:extLst>
+  </p:cSld>
+  <p:clrMapOvr>
+    <a:masterClrMapping/>
+  </p:clrMapOvr>
+</p:sld>
+</file>
+
+<file path=ppt/slides/slide9.xml><?xml version="1.0" encoding="utf-8"?>
 <p:sld xmlns:a="http://schemas.openxmlformats.org/drawingml/2006/main" xmlns:r="http://schemas.openxmlformats.org/officeDocument/2006/relationships" xmlns:p="http://schemas.openxmlformats.org/presentationml/2006/main">
   <p:cSld>
     <p:spTree>
@@ -24783,100 +26052,100 @@
           <a:p>
             <a:pPr lvl="0"/>
             <a:r>
-              <a:rPr lang="it-IT" dirty="0"/>
+              <a:rPr lang="it-IT" sz="1800" dirty="0"/>
               <a:t>Le </a:t>
             </a:r>
             <a:r>
-              <a:rPr lang="it-IT" dirty="0" err="1"/>
+              <a:rPr lang="it-IT" sz="1800" dirty="0" err="1"/>
               <a:t>servlet</a:t>
             </a:r>
             <a:r>
-              <a:rPr lang="it-IT" dirty="0"/>
+              <a:rPr lang="it-IT" sz="1800" dirty="0"/>
               <a:t> consistono in delle classi Java che vengono eseguite in server web (</a:t>
             </a:r>
             <a:r>
-              <a:rPr lang="it-IT" dirty="0" err="1"/>
+              <a:rPr lang="it-IT" sz="1800" dirty="0" err="1"/>
               <a:t>Tomacat</a:t>
             </a:r>
             <a:r>
-              <a:rPr lang="it-IT" dirty="0"/>
+              <a:rPr lang="it-IT" sz="1800" dirty="0"/>
               <a:t> – </a:t>
             </a:r>
             <a:r>
-              <a:rPr lang="it-IT" dirty="0" err="1"/>
+              <a:rPr lang="it-IT" sz="1800" dirty="0" err="1"/>
               <a:t>Glassfish</a:t>
             </a:r>
             <a:r>
-              <a:rPr lang="it-IT" dirty="0"/>
+              <a:rPr lang="it-IT" sz="1800" dirty="0"/>
               <a:t>- </a:t>
             </a:r>
             <a:r>
-              <a:rPr lang="it-IT" dirty="0" err="1"/>
+              <a:rPr lang="it-IT" sz="1800" dirty="0" err="1"/>
               <a:t>ecc</a:t>
             </a:r>
             <a:r>
-              <a:rPr lang="it-IT" dirty="0"/>
+              <a:rPr lang="it-IT" sz="1800" dirty="0"/>
               <a:t>) opportunamente predisposti (</a:t>
             </a:r>
             <a:r>
-              <a:rPr lang="it-IT" dirty="0" err="1"/>
+              <a:rPr lang="it-IT" sz="1800" dirty="0" err="1"/>
               <a:t>servlet</a:t>
             </a:r>
             <a:r>
-              <a:rPr lang="it-IT" dirty="0"/>
+              <a:rPr lang="it-IT" sz="1800" dirty="0"/>
               <a:t> containers).</a:t>
             </a:r>
           </a:p>
           <a:p>
             <a:pPr lvl="0"/>
             <a:r>
-              <a:rPr lang="it-IT" dirty="0"/>
+              <a:rPr lang="it-IT" sz="1800" dirty="0"/>
               <a:t>Esse sono sono fruibili all’esterno come risorse web standard (URL).</a:t>
             </a:r>
           </a:p>
           <a:p>
             <a:pPr lvl="0"/>
             <a:r>
-              <a:rPr lang="it-IT" dirty="0"/>
+              <a:rPr lang="it-IT" sz="1800" dirty="0"/>
               <a:t>Esse inoltre utilizzabili attraverso le </a:t>
             </a:r>
             <a:r>
-              <a:rPr lang="it-IT" dirty="0" err="1"/>
+              <a:rPr lang="it-IT" sz="1800" dirty="0" err="1"/>
               <a:t>request</a:t>
             </a:r>
             <a:r>
-              <a:rPr lang="it-IT" dirty="0"/>
+              <a:rPr lang="it-IT" sz="1800" dirty="0"/>
               <a:t>/</a:t>
             </a:r>
             <a:r>
-              <a:rPr lang="it-IT" dirty="0" err="1"/>
+              <a:rPr lang="it-IT" sz="1800" dirty="0" err="1"/>
               <a:t>response</a:t>
             </a:r>
             <a:r>
-              <a:rPr lang="it-IT" dirty="0"/>
+              <a:rPr lang="it-IT" sz="1800" dirty="0"/>
               <a:t>: quando l’utente esegue una richiesta tramite URL, il server attiva la </a:t>
             </a:r>
             <a:r>
-              <a:rPr lang="it-IT" dirty="0" err="1"/>
+              <a:rPr lang="it-IT" sz="1800" dirty="0" err="1"/>
               <a:t>servlet</a:t>
             </a:r>
             <a:r>
-              <a:rPr lang="it-IT" dirty="0"/>
+              <a:rPr lang="it-IT" sz="1800" dirty="0"/>
               <a:t>, la esegue, e ne restituisce una risposta come contenuto della risorsa.</a:t>
             </a:r>
           </a:p>
           <a:p>
             <a:pPr lvl="0"/>
             <a:r>
-              <a:rPr lang="it-IT" dirty="0"/>
+              <a:rPr lang="it-IT" sz="1800" dirty="0"/>
               <a:t>All’interno delle </a:t>
             </a:r>
             <a:r>
-              <a:rPr lang="it-IT" dirty="0" err="1"/>
+              <a:rPr lang="it-IT" sz="1800" dirty="0" err="1"/>
               <a:t>servlet</a:t>
             </a:r>
             <a:r>
-              <a:rPr lang="it-IT" dirty="0"/>
+              <a:rPr lang="it-IT" sz="1800" dirty="0"/>
               <a:t> si può far uso di tutte le librerie e le utilità del linguaggio JAVA, tra cui la connessione a tutti i DBMS tramite JDBC, ecc.</a:t>
             </a:r>
           </a:p>
@@ -24925,711 +26194,6 @@
   <p:clrMapOvr>
     <a:masterClrMapping/>
   </p:clrMapOvr>
-</p:sld>
-</file>
-
-<file path=ppt/slides/slide7.xml><?xml version="1.0" encoding="utf-8"?>
-<p:sld xmlns:a="http://schemas.openxmlformats.org/drawingml/2006/main" xmlns:r="http://schemas.openxmlformats.org/officeDocument/2006/relationships" xmlns:p="http://schemas.openxmlformats.org/presentationml/2006/main">
-  <p:cSld>
-    <p:spTree>
-      <p:nvGrpSpPr>
-        <p:cNvPr id="1" name="Shape 373"/>
-        <p:cNvGrpSpPr/>
-        <p:nvPr/>
-      </p:nvGrpSpPr>
-      <p:grpSpPr>
-        <a:xfrm>
-          <a:off x="0" y="0"/>
-          <a:ext cx="0" cy="0"/>
-          <a:chOff x="0" y="0"/>
-          <a:chExt cx="0" cy="0"/>
-        </a:xfrm>
-      </p:grpSpPr>
-      <p:sp>
-        <p:nvSpPr>
-          <p:cNvPr id="374" name="Google Shape;374;p32"/>
-          <p:cNvSpPr txBox="1">
-            <a:spLocks noGrp="1"/>
-          </p:cNvSpPr>
-          <p:nvPr>
-            <p:ph type="title"/>
-          </p:nvPr>
-        </p:nvSpPr>
-        <p:spPr>
-          <a:xfrm>
-            <a:off x="454800" y="2714625"/>
-            <a:ext cx="8425200" cy="447900"/>
-          </a:xfrm>
-          <a:prstGeom prst="rect">
-            <a:avLst/>
-          </a:prstGeom>
-        </p:spPr>
-        <p:txBody>
-          <a:bodyPr spcFirstLastPara="1" wrap="square" lIns="91425" tIns="0" rIns="91425" bIns="0" anchor="ctr" anchorCtr="0">
-            <a:noAutofit/>
-          </a:bodyPr>
-          <a:lstStyle/>
-          <a:p>
-            <a:pPr marL="0" lvl="0" indent="0" algn="ctr" rtl="0">
-              <a:spcBef>
-                <a:spcPts val="0"/>
-              </a:spcBef>
-              <a:spcAft>
-                <a:spcPts val="0"/>
-              </a:spcAft>
-              <a:buNone/>
-            </a:pPr>
-            <a:r>
-              <a:rPr lang="it-IT" dirty="0"/>
-              <a:t>Cosa vedremo?</a:t>
-            </a:r>
-            <a:endParaRPr dirty="0"/>
-          </a:p>
-        </p:txBody>
-      </p:sp>
-      <p:sp>
-        <p:nvSpPr>
-          <p:cNvPr id="375" name="Google Shape;375;p32"/>
-          <p:cNvSpPr txBox="1">
-            <a:spLocks noGrp="1"/>
-          </p:cNvSpPr>
-          <p:nvPr>
-            <p:ph type="title" idx="2"/>
-          </p:nvPr>
-        </p:nvSpPr>
-        <p:spPr>
-          <a:xfrm>
-            <a:off x="454800" y="2150850"/>
-            <a:ext cx="8425200" cy="489600"/>
-          </a:xfrm>
-          <a:prstGeom prst="rect">
-            <a:avLst/>
-          </a:prstGeom>
-        </p:spPr>
-        <p:txBody>
-          <a:bodyPr spcFirstLastPara="1" wrap="square" lIns="91425" tIns="0" rIns="91425" bIns="0" anchor="b" anchorCtr="0">
-            <a:noAutofit/>
-          </a:bodyPr>
-          <a:lstStyle/>
-          <a:p>
-            <a:pPr marL="0" lvl="0" indent="0" algn="ctr" rtl="0">
-              <a:spcBef>
-                <a:spcPts val="0"/>
-              </a:spcBef>
-              <a:spcAft>
-                <a:spcPts val="0"/>
-              </a:spcAft>
-              <a:buNone/>
-            </a:pPr>
-            <a:r>
-              <a:rPr lang="en" dirty="0"/>
-              <a:t>01</a:t>
-            </a:r>
-            <a:endParaRPr dirty="0"/>
-          </a:p>
-        </p:txBody>
-      </p:sp>
-    </p:spTree>
-    <p:extLst>
-      <p:ext uri="{BB962C8B-B14F-4D97-AF65-F5344CB8AC3E}">
-        <p14:creationId xmlns:p14="http://schemas.microsoft.com/office/powerpoint/2010/main" val="4240418603"/>
-      </p:ext>
-    </p:extLst>
-  </p:cSld>
-  <p:clrMapOvr>
-    <a:masterClrMapping/>
-  </p:clrMapOvr>
-</p:sld>
-</file>
-
-<file path=ppt/slides/slide8.xml><?xml version="1.0" encoding="utf-8"?>
-<p:sld xmlns:a="http://schemas.openxmlformats.org/drawingml/2006/main" xmlns:r="http://schemas.openxmlformats.org/officeDocument/2006/relationships" xmlns:p="http://schemas.openxmlformats.org/presentationml/2006/main">
-  <p:cSld>
-    <p:spTree>
-      <p:nvGrpSpPr>
-        <p:cNvPr id="1" name=""/>
-        <p:cNvGrpSpPr/>
-        <p:nvPr/>
-      </p:nvGrpSpPr>
-      <p:grpSpPr>
-        <a:xfrm>
-          <a:off x="0" y="0"/>
-          <a:ext cx="0" cy="0"/>
-          <a:chOff x="0" y="0"/>
-          <a:chExt cx="0" cy="0"/>
-        </a:xfrm>
-      </p:grpSpPr>
-      <p:sp>
-        <p:nvSpPr>
-          <p:cNvPr id="3" name="Content Placeholder 2"/>
-          <p:cNvSpPr>
-            <a:spLocks noGrp="1"/>
-          </p:cNvSpPr>
-          <p:nvPr>
-            <p:ph idx="1"/>
-          </p:nvPr>
-        </p:nvSpPr>
-        <p:spPr>
-          <a:xfrm>
-            <a:off x="1554143" y="1016577"/>
-            <a:ext cx="4250912" cy="3646511"/>
-          </a:xfrm>
-        </p:spPr>
-        <p:txBody>
-          <a:bodyPr>
-            <a:noAutofit/>
-          </a:bodyPr>
-          <a:lstStyle/>
-          <a:p>
-            <a:pPr lvl="0"/>
-            <a:r>
-              <a:rPr lang="en-US" sz="1500" dirty="0"/>
-              <a:t>Che </a:t>
-            </a:r>
-            <a:r>
-              <a:rPr lang="en-US" sz="1500" dirty="0" err="1"/>
-              <a:t>cosa</a:t>
-            </a:r>
-            <a:r>
-              <a:rPr lang="en-US" sz="1500" dirty="0"/>
-              <a:t> </a:t>
-            </a:r>
-            <a:r>
-              <a:rPr lang="en-US" sz="1500" dirty="0" err="1"/>
-              <a:t>è</a:t>
-            </a:r>
-            <a:r>
-              <a:rPr lang="en-US" sz="1500" dirty="0"/>
-              <a:t> Laravel?
-</a:t>
-            </a:r>
-            <a:r>
-              <a:rPr lang="en-US" sz="1500" dirty="0" err="1"/>
-              <a:t>Installare</a:t>
-            </a:r>
-            <a:r>
-              <a:rPr lang="en-US" sz="1500" dirty="0"/>
-              <a:t> Laravel 9 con Composer
-</a:t>
-            </a:r>
-            <a:r>
-              <a:rPr lang="en-US" sz="1500" dirty="0" err="1"/>
-              <a:t>Struttura</a:t>
-            </a:r>
-            <a:r>
-              <a:rPr lang="en-US" sz="1500" dirty="0"/>
-              <a:t> </a:t>
-            </a:r>
-            <a:r>
-              <a:rPr lang="en-US" sz="1500" dirty="0" err="1"/>
-              <a:t>dei</a:t>
-            </a:r>
-            <a:r>
-              <a:rPr lang="en-US" sz="1500" dirty="0"/>
-              <a:t> file
-</a:t>
-            </a:r>
-            <a:r>
-              <a:rPr lang="en-US" sz="1500" dirty="0" err="1"/>
-              <a:t>Cos’è</a:t>
-            </a:r>
-            <a:r>
-              <a:rPr lang="en-US" sz="1500" dirty="0"/>
-              <a:t> artisan e come ci fa </a:t>
-            </a:r>
-            <a:r>
-              <a:rPr lang="en-US" sz="1500" dirty="0" err="1"/>
-              <a:t>risparmiare</a:t>
-            </a:r>
-            <a:r>
-              <a:rPr lang="en-US" sz="1500" dirty="0"/>
-              <a:t> tempo?
-Routing e tipi di route
-</a:t>
-            </a:r>
-            <a:r>
-              <a:rPr lang="en-US" sz="1500" dirty="0" err="1"/>
-              <a:t>Cos'è</a:t>
-            </a:r>
-            <a:r>
-              <a:rPr lang="en-US" sz="1500" dirty="0"/>
-              <a:t> il middleware e come </a:t>
-            </a:r>
-            <a:r>
-              <a:rPr lang="en-US" sz="1500" dirty="0" err="1"/>
-              <a:t>usarlo</a:t>
-            </a:r>
-            <a:r>
-              <a:rPr lang="en-US" sz="1500" dirty="0"/>
-              <a:t>?
-</a:t>
-            </a:r>
-            <a:r>
-              <a:rPr lang="en-US" sz="1500" dirty="0" err="1"/>
-              <a:t>Cos'è</a:t>
-            </a:r>
-            <a:r>
-              <a:rPr lang="en-US" sz="1500" dirty="0"/>
-              <a:t> Blade?
-Database e ORM </a:t>
-            </a:r>
-            <a:r>
-              <a:rPr lang="en-US" sz="1500" dirty="0" err="1"/>
-              <a:t>eloquente</a:t>
-            </a:r>
-            <a:r>
-              <a:rPr lang="en-US" sz="1500" dirty="0"/>
-              <a:t>
-CRUD con </a:t>
-            </a:r>
-            <a:r>
-              <a:rPr lang="en-US" sz="1500" dirty="0" err="1"/>
-              <a:t>convalida</a:t>
-            </a:r>
-            <a:r>
-              <a:rPr lang="en-US" sz="1500" dirty="0"/>
-              <a:t> e </a:t>
-            </a:r>
-            <a:r>
-              <a:rPr lang="en-US" sz="1500" dirty="0" err="1"/>
-              <a:t>connessione</a:t>
-            </a:r>
-            <a:r>
-              <a:rPr lang="en-US" sz="1500" dirty="0"/>
-              <a:t> al database (</a:t>
-            </a:r>
-            <a:r>
-              <a:rPr lang="en-US" sz="1500" dirty="0" err="1"/>
-              <a:t>compito</a:t>
-            </a:r>
-            <a:r>
-              <a:rPr lang="en-US" sz="1500" dirty="0"/>
-              <a:t> </a:t>
-            </a:r>
-            <a:r>
-              <a:rPr lang="en-US" sz="1500" dirty="0" err="1"/>
-              <a:t>pratico</a:t>
-            </a:r>
-            <a:r>
-              <a:rPr lang="en-US" sz="1500" dirty="0"/>
-              <a:t>)
-Best practice per la </a:t>
-            </a:r>
-            <a:r>
-              <a:rPr lang="en-US" sz="1500" dirty="0" err="1"/>
-              <a:t>codifica</a:t>
-            </a:r>
-            <a:r>
-              <a:rPr lang="en-US" sz="1500" dirty="0"/>
-              <a:t> in Laravel
-</a:t>
-            </a:r>
-          </a:p>
-        </p:txBody>
-      </p:sp>
-      <p:pic>
-        <p:nvPicPr>
-          <p:cNvPr id="5" name="Picture 4"/>
-          <p:cNvPicPr>
-            <a:picLocks noChangeAspect="1"/>
-          </p:cNvPicPr>
-          <p:nvPr/>
-        </p:nvPicPr>
-        <p:blipFill>
-          <a:blip r:embed="rId2">
-            <a:extLst>
-              <a:ext uri="{28A0092B-C50C-407E-A947-70E740481C1C}">
-                <a14:useLocalDpi xmlns:a14="http://schemas.microsoft.com/office/drawing/2010/main" val="0"/>
-              </a:ext>
-            </a:extLst>
-          </a:blip>
-          <a:stretch>
-            <a:fillRect/>
-          </a:stretch>
-        </p:blipFill>
-        <p:spPr>
-          <a:xfrm>
-            <a:off x="5928014" y="1113559"/>
-            <a:ext cx="2857500" cy="2857500"/>
-          </a:xfrm>
-          <a:prstGeom prst="rect">
-            <a:avLst/>
-          </a:prstGeom>
-        </p:spPr>
-      </p:pic>
-      <p:pic>
-        <p:nvPicPr>
-          <p:cNvPr id="8" name="Picture 7"/>
-          <p:cNvPicPr>
-            <a:picLocks noChangeAspect="1"/>
-          </p:cNvPicPr>
-          <p:nvPr/>
-        </p:nvPicPr>
-        <p:blipFill>
-          <a:blip r:embed="rId3">
-            <a:extLst>
-              <a:ext uri="{28A0092B-C50C-407E-A947-70E740481C1C}">
-                <a14:useLocalDpi xmlns:a14="http://schemas.microsoft.com/office/drawing/2010/main" val="0"/>
-              </a:ext>
-            </a:extLst>
-          </a:blip>
-          <a:stretch>
-            <a:fillRect/>
-          </a:stretch>
-        </p:blipFill>
-        <p:spPr>
-          <a:xfrm>
-            <a:off x="6129641" y="4138974"/>
-            <a:ext cx="2767740" cy="945644"/>
-          </a:xfrm>
-          <a:prstGeom prst="rect">
-            <a:avLst/>
-          </a:prstGeom>
-        </p:spPr>
-      </p:pic>
-    </p:spTree>
-    <p:extLst>
-      <p:ext uri="{BB962C8B-B14F-4D97-AF65-F5344CB8AC3E}">
-        <p14:creationId xmlns:p14="http://schemas.microsoft.com/office/powerpoint/2010/main" val="2906216203"/>
-      </p:ext>
-    </p:extLst>
-  </p:cSld>
-  <p:clrMapOvr>
-    <a:masterClrMapping/>
-  </p:clrMapOvr>
-  <mc:AlternateContent xmlns:mc="http://schemas.openxmlformats.org/markup-compatibility/2006" xmlns:p14="http://schemas.microsoft.com/office/powerpoint/2010/main">
-    <mc:Choice Requires="p14">
-      <p:transition spd="slow">
-        <p14:reveal/>
-      </p:transition>
-    </mc:Choice>
-    <mc:Fallback xmlns="">
-      <p:transition spd="slow">
-        <p:fade/>
-      </p:transition>
-    </mc:Fallback>
-  </mc:AlternateContent>
-</p:sld>
-</file>
-
-<file path=ppt/slides/slide9.xml><?xml version="1.0" encoding="utf-8"?>
-<p:sld xmlns:a="http://schemas.openxmlformats.org/drawingml/2006/main" xmlns:r="http://schemas.openxmlformats.org/officeDocument/2006/relationships" xmlns:p="http://schemas.openxmlformats.org/presentationml/2006/main">
-  <p:cSld>
-    <p:spTree>
-      <p:nvGrpSpPr>
-        <p:cNvPr id="1" name=""/>
-        <p:cNvGrpSpPr/>
-        <p:nvPr/>
-      </p:nvGrpSpPr>
-      <p:grpSpPr>
-        <a:xfrm>
-          <a:off x="0" y="0"/>
-          <a:ext cx="0" cy="0"/>
-          <a:chOff x="0" y="0"/>
-          <a:chExt cx="0" cy="0"/>
-        </a:xfrm>
-      </p:grpSpPr>
-      <p:sp>
-        <p:nvSpPr>
-          <p:cNvPr id="3" name="Content Placeholder 2"/>
-          <p:cNvSpPr>
-            <a:spLocks noGrp="1"/>
-          </p:cNvSpPr>
-          <p:nvPr>
-            <p:ph idx="1"/>
-          </p:nvPr>
-        </p:nvSpPr>
-        <p:spPr>
-          <a:xfrm>
-            <a:off x="1338919" y="1130046"/>
-            <a:ext cx="7479500" cy="3218218"/>
-          </a:xfrm>
-        </p:spPr>
-        <p:txBody>
-          <a:bodyPr>
-            <a:noAutofit/>
-          </a:bodyPr>
-          <a:lstStyle/>
-          <a:p>
-            <a:r>
-              <a:rPr lang="en-US" sz="1950" dirty="0"/>
-              <a:t>Laravel </a:t>
-            </a:r>
-            <a:r>
-              <a:rPr lang="en-US" sz="1950" dirty="0" err="1"/>
-              <a:t>è</a:t>
-            </a:r>
-            <a:r>
-              <a:rPr lang="en-US" sz="1950" dirty="0"/>
-              <a:t> il framework PHP MVC </a:t>
-            </a:r>
-            <a:r>
-              <a:rPr lang="en-US" sz="1950" dirty="0" err="1"/>
-              <a:t>creato</a:t>
-            </a:r>
-            <a:r>
-              <a:rPr lang="en-US" sz="1950" dirty="0"/>
-              <a:t> da Taylor </a:t>
-            </a:r>
-            <a:r>
-              <a:rPr lang="en-US" sz="1950" dirty="0" err="1"/>
-              <a:t>Otwell</a:t>
-            </a:r>
-            <a:r>
-              <a:rPr lang="en-US" sz="1950" dirty="0"/>
-              <a:t> </a:t>
-            </a:r>
-            <a:r>
-              <a:rPr lang="en-US" sz="1950" dirty="0" err="1"/>
-              <a:t>nel</a:t>
-            </a:r>
-            <a:r>
-              <a:rPr lang="en-US" sz="1950" dirty="0"/>
-              <a:t> 2011
-</a:t>
-            </a:r>
-            <a:r>
-              <a:rPr lang="en-US" sz="1950" dirty="0" err="1"/>
-              <a:t>Licenza</a:t>
-            </a:r>
-            <a:r>
-              <a:rPr lang="en-US" sz="1950" dirty="0"/>
-              <a:t> open source </a:t>
-            </a:r>
-            <a:r>
-              <a:rPr lang="en-US" sz="1950" dirty="0" err="1"/>
-              <a:t>gratuita</a:t>
-            </a:r>
-            <a:r>
-              <a:rPr lang="en-US" sz="1950" dirty="0"/>
-              <a:t> con </a:t>
-            </a:r>
-            <a:r>
-              <a:rPr lang="en-US" sz="1950" dirty="0" err="1"/>
-              <a:t>molti</a:t>
-            </a:r>
-            <a:r>
-              <a:rPr lang="en-US" sz="1950" dirty="0"/>
-              <a:t> </a:t>
-            </a:r>
-            <a:r>
-              <a:rPr lang="en-US" sz="1950" dirty="0" err="1"/>
-              <a:t>collaboratori</a:t>
-            </a:r>
-            <a:r>
-              <a:rPr lang="en-US" sz="1950" dirty="0"/>
-              <a:t> in </a:t>
-            </a:r>
-            <a:r>
-              <a:rPr lang="en-US" sz="1950" dirty="0" err="1"/>
-              <a:t>tutto</a:t>
-            </a:r>
-            <a:r>
-              <a:rPr lang="en-US" sz="1950" dirty="0"/>
-              <a:t> il mondo
-Uno </a:t>
-            </a:r>
-            <a:r>
-              <a:rPr lang="en-US" sz="1950" dirty="0" err="1"/>
-              <a:t>dei</a:t>
-            </a:r>
-            <a:r>
-              <a:rPr lang="en-US" sz="1950" dirty="0"/>
-              <a:t> </a:t>
-            </a:r>
-            <a:r>
-              <a:rPr lang="en-US" sz="1950" dirty="0" err="1"/>
-              <a:t>migliori</a:t>
-            </a:r>
-            <a:r>
-              <a:rPr lang="en-US" sz="1950" dirty="0"/>
-              <a:t> framework </a:t>
-            </a:r>
-            <a:r>
-              <a:rPr lang="en-US" sz="1950" dirty="0" err="1"/>
-              <a:t>insieme</a:t>
-            </a:r>
-            <a:r>
-              <a:rPr lang="en-US" sz="1950" dirty="0"/>
-              <a:t> a Symfony, CodeIgniter, </a:t>
-            </a:r>
-            <a:r>
-              <a:rPr lang="en-US" sz="1950" dirty="0" err="1"/>
-              <a:t>Yii</a:t>
-            </a:r>
-            <a:r>
-              <a:rPr lang="en-US" sz="1950" dirty="0"/>
-              <a:t>
-Ha </a:t>
-            </a:r>
-            <a:r>
-              <a:rPr lang="en-US" sz="1950" dirty="0" err="1"/>
-              <a:t>potenti</a:t>
-            </a:r>
-            <a:r>
-              <a:rPr lang="en-US" sz="1950" dirty="0"/>
-              <a:t> </a:t>
-            </a:r>
-            <a:r>
-              <a:rPr lang="en-US" sz="1950" dirty="0" err="1"/>
-              <a:t>funzionalità</a:t>
-            </a:r>
-            <a:r>
-              <a:rPr lang="en-US" sz="1950" dirty="0"/>
-              <a:t>, </a:t>
-            </a:r>
-            <a:r>
-              <a:rPr lang="en-US" sz="1950" dirty="0" err="1"/>
-              <a:t>facendoci</a:t>
-            </a:r>
-            <a:r>
-              <a:rPr lang="en-US" sz="1950" dirty="0"/>
-              <a:t> </a:t>
-            </a:r>
-            <a:r>
-              <a:rPr lang="en-US" sz="1950" dirty="0" err="1"/>
-              <a:t>risparmiare</a:t>
-            </a:r>
-            <a:r>
-              <a:rPr lang="en-US" sz="1950" dirty="0"/>
-              <a:t> tempo
-</a:t>
-            </a:r>
-            <a:r>
-              <a:rPr lang="en-US" sz="1950" dirty="0" err="1"/>
-              <a:t>Utilizza</a:t>
-            </a:r>
-            <a:r>
-              <a:rPr lang="en-US" sz="1950" dirty="0"/>
-              <a:t> </a:t>
-            </a:r>
-            <a:r>
-              <a:rPr lang="en-US" sz="1950" dirty="0" err="1"/>
-              <a:t>i</a:t>
-            </a:r>
-            <a:r>
-              <a:rPr lang="en-US" sz="1950" dirty="0"/>
-              <a:t> </a:t>
-            </a:r>
-            <a:r>
-              <a:rPr lang="en-US" sz="1950" dirty="0" err="1"/>
-              <a:t>pacchetti</a:t>
-            </a:r>
-            <a:r>
-              <a:rPr lang="en-US" sz="1950" dirty="0"/>
-              <a:t> Symfony
-</a:t>
-            </a:r>
-            <a:r>
-              <a:rPr lang="en-US" sz="1950" dirty="0" err="1"/>
-              <a:t>Vediamo</a:t>
-            </a:r>
-            <a:r>
-              <a:rPr lang="en-US" sz="1950" dirty="0"/>
-              <a:t> </a:t>
-            </a:r>
-            <a:r>
-              <a:rPr lang="en-US" sz="1950" dirty="0" err="1"/>
-              <a:t>alcune</a:t>
-            </a:r>
-            <a:r>
-              <a:rPr lang="en-US" sz="1950" dirty="0"/>
-              <a:t> </a:t>
-            </a:r>
-            <a:r>
-              <a:rPr lang="en-US" sz="1950" dirty="0" err="1"/>
-              <a:t>statistiche</a:t>
-            </a:r>
-            <a:r>
-              <a:rPr lang="en-US" sz="1950" dirty="0"/>
-              <a:t>
-</a:t>
-            </a:r>
-          </a:p>
-        </p:txBody>
-      </p:sp>
-      <p:pic>
-        <p:nvPicPr>
-          <p:cNvPr id="8" name="Picture 7"/>
-          <p:cNvPicPr>
-            <a:picLocks noChangeAspect="1"/>
-          </p:cNvPicPr>
-          <p:nvPr/>
-        </p:nvPicPr>
-        <p:blipFill>
-          <a:blip r:embed="rId2">
-            <a:extLst>
-              <a:ext uri="{28A0092B-C50C-407E-A947-70E740481C1C}">
-                <a14:useLocalDpi xmlns:a14="http://schemas.microsoft.com/office/drawing/2010/main" val="0"/>
-              </a:ext>
-            </a:extLst>
-          </a:blip>
-          <a:stretch>
-            <a:fillRect/>
-          </a:stretch>
-        </p:blipFill>
-        <p:spPr>
-          <a:xfrm>
-            <a:off x="4356776" y="184402"/>
-            <a:ext cx="2767740" cy="945644"/>
-          </a:xfrm>
-          <a:prstGeom prst="rect">
-            <a:avLst/>
-          </a:prstGeom>
-        </p:spPr>
-      </p:pic>
-      <p:pic>
-        <p:nvPicPr>
-          <p:cNvPr id="4" name="Picture 3"/>
-          <p:cNvPicPr>
-            <a:picLocks noChangeAspect="1"/>
-          </p:cNvPicPr>
-          <p:nvPr/>
-        </p:nvPicPr>
-        <p:blipFill>
-          <a:blip r:embed="rId3">
-            <a:extLst>
-              <a:ext uri="{28A0092B-C50C-407E-A947-70E740481C1C}">
-                <a14:useLocalDpi xmlns:a14="http://schemas.microsoft.com/office/drawing/2010/main" val="0"/>
-              </a:ext>
-            </a:extLst>
-          </a:blip>
-          <a:stretch>
-            <a:fillRect/>
-          </a:stretch>
-        </p:blipFill>
-        <p:spPr>
-          <a:xfrm>
-            <a:off x="5853562" y="3144466"/>
-            <a:ext cx="3290438" cy="1999034"/>
-          </a:xfrm>
-          <a:prstGeom prst="rect">
-            <a:avLst/>
-          </a:prstGeom>
-        </p:spPr>
-      </p:pic>
-    </p:spTree>
-    <p:extLst>
-      <p:ext uri="{BB962C8B-B14F-4D97-AF65-F5344CB8AC3E}">
-        <p14:creationId xmlns:p14="http://schemas.microsoft.com/office/powerpoint/2010/main" val="4063669845"/>
-      </p:ext>
-    </p:extLst>
-  </p:cSld>
-  <p:clrMapOvr>
-    <a:masterClrMapping/>
-  </p:clrMapOvr>
-  <mc:AlternateContent xmlns:mc="http://schemas.openxmlformats.org/markup-compatibility/2006" xmlns:p14="http://schemas.microsoft.com/office/powerpoint/2010/main">
-    <mc:Choice Requires="p14">
-      <p:transition spd="slow">
-        <p14:reveal/>
-      </p:transition>
-    </mc:Choice>
-    <mc:Fallback xmlns="">
-      <p:transition spd="slow">
-        <p:fade/>
-      </p:transition>
-    </mc:Fallback>
-  </mc:AlternateContent>
 </p:sld>
 </file>
 
